--- a/Presentations/NEN3610-LD and ISO19103.pptx
+++ b/Presentations/NEN3610-LD and ISO19103.pptx
@@ -5,49 +5,50 @@
     <p:sldMasterId id="2147483648" r:id="rId1"/>
   </p:sldMasterIdLst>
   <p:notesMasterIdLst>
-    <p:notesMasterId r:id="rId39"/>
+    <p:notesMasterId r:id="rId40"/>
   </p:notesMasterIdLst>
   <p:handoutMasterIdLst>
-    <p:handoutMasterId r:id="rId40"/>
+    <p:handoutMasterId r:id="rId41"/>
   </p:handoutMasterIdLst>
   <p:sldIdLst>
     <p:sldId id="256" r:id="rId2"/>
     <p:sldId id="299" r:id="rId3"/>
     <p:sldId id="300" r:id="rId4"/>
-    <p:sldId id="301" r:id="rId5"/>
-    <p:sldId id="282" r:id="rId6"/>
-    <p:sldId id="268" r:id="rId7"/>
-    <p:sldId id="302" r:id="rId8"/>
-    <p:sldId id="303" r:id="rId9"/>
-    <p:sldId id="305" r:id="rId10"/>
-    <p:sldId id="304" r:id="rId11"/>
-    <p:sldId id="306" r:id="rId12"/>
-    <p:sldId id="307" r:id="rId13"/>
-    <p:sldId id="308" r:id="rId14"/>
-    <p:sldId id="309" r:id="rId15"/>
-    <p:sldId id="310" r:id="rId16"/>
-    <p:sldId id="311" r:id="rId17"/>
-    <p:sldId id="312" r:id="rId18"/>
-    <p:sldId id="313" r:id="rId19"/>
-    <p:sldId id="314" r:id="rId20"/>
-    <p:sldId id="566" r:id="rId21"/>
-    <p:sldId id="567" r:id="rId22"/>
-    <p:sldId id="568" r:id="rId23"/>
-    <p:sldId id="569" r:id="rId24"/>
-    <p:sldId id="572" r:id="rId25"/>
-    <p:sldId id="575" r:id="rId26"/>
-    <p:sldId id="574" r:id="rId27"/>
-    <p:sldId id="577" r:id="rId28"/>
-    <p:sldId id="578" r:id="rId29"/>
-    <p:sldId id="580" r:id="rId30"/>
-    <p:sldId id="581" r:id="rId31"/>
-    <p:sldId id="582" r:id="rId32"/>
-    <p:sldId id="583" r:id="rId33"/>
-    <p:sldId id="584" r:id="rId34"/>
-    <p:sldId id="585" r:id="rId35"/>
-    <p:sldId id="586" r:id="rId36"/>
-    <p:sldId id="570" r:id="rId37"/>
-    <p:sldId id="571" r:id="rId38"/>
+    <p:sldId id="587" r:id="rId5"/>
+    <p:sldId id="301" r:id="rId6"/>
+    <p:sldId id="282" r:id="rId7"/>
+    <p:sldId id="268" r:id="rId8"/>
+    <p:sldId id="302" r:id="rId9"/>
+    <p:sldId id="303" r:id="rId10"/>
+    <p:sldId id="305" r:id="rId11"/>
+    <p:sldId id="304" r:id="rId12"/>
+    <p:sldId id="306" r:id="rId13"/>
+    <p:sldId id="307" r:id="rId14"/>
+    <p:sldId id="308" r:id="rId15"/>
+    <p:sldId id="309" r:id="rId16"/>
+    <p:sldId id="310" r:id="rId17"/>
+    <p:sldId id="311" r:id="rId18"/>
+    <p:sldId id="312" r:id="rId19"/>
+    <p:sldId id="313" r:id="rId20"/>
+    <p:sldId id="314" r:id="rId21"/>
+    <p:sldId id="566" r:id="rId22"/>
+    <p:sldId id="567" r:id="rId23"/>
+    <p:sldId id="568" r:id="rId24"/>
+    <p:sldId id="569" r:id="rId25"/>
+    <p:sldId id="572" r:id="rId26"/>
+    <p:sldId id="575" r:id="rId27"/>
+    <p:sldId id="574" r:id="rId28"/>
+    <p:sldId id="577" r:id="rId29"/>
+    <p:sldId id="578" r:id="rId30"/>
+    <p:sldId id="580" r:id="rId31"/>
+    <p:sldId id="581" r:id="rId32"/>
+    <p:sldId id="582" r:id="rId33"/>
+    <p:sldId id="583" r:id="rId34"/>
+    <p:sldId id="584" r:id="rId35"/>
+    <p:sldId id="585" r:id="rId36"/>
+    <p:sldId id="586" r:id="rId37"/>
+    <p:sldId id="570" r:id="rId38"/>
+    <p:sldId id="571" r:id="rId39"/>
   </p:sldIdLst>
   <p:sldSz cx="9144000" cy="5143500" type="screen16x9"/>
   <p:notesSz cx="6858000" cy="9144000"/>
@@ -747,7 +748,7 @@
             <a:fld id="{9628BAB3-E715-0147-805F-FD7CB9D0115A}" type="slidenum">
               <a:rPr lang="nl-NL" smtClean="0"/>
               <a:pPr/>
-              <a:t>23</a:t>
+              <a:t>24</a:t>
             </a:fld>
             <a:endParaRPr lang="nl-NL"/>
           </a:p>
@@ -3240,6 +3241,359 @@
           <a:lstStyle/>
           <a:p>
             <a:r>
+              <a:rPr lang="nl-NL" dirty="0"/>
+              <a:t>UML </a:t>
+            </a:r>
+            <a:r>
+              <a:rPr lang="nl-NL" dirty="0" err="1"/>
+              <a:t>uses</a:t>
+            </a:r>
+            <a:r>
+              <a:rPr lang="nl-NL" dirty="0"/>
+              <a:t> “class” </a:t>
+            </a:r>
+            <a:r>
+              <a:rPr lang="nl-NL" dirty="0" err="1"/>
+              <a:t>to</a:t>
+            </a:r>
+            <a:r>
+              <a:rPr lang="nl-NL" dirty="0"/>
+              <a:t>:</a:t>
+            </a:r>
+          </a:p>
+          <a:p>
+            <a:pPr lvl="1"/>
+            <a:r>
+              <a:rPr lang="nl-NL" dirty="0" err="1"/>
+              <a:t>Denote</a:t>
+            </a:r>
+            <a:r>
+              <a:rPr lang="nl-NL" dirty="0"/>
+              <a:t> </a:t>
+            </a:r>
+            <a:r>
+              <a:rPr lang="nl-NL" dirty="0" err="1"/>
+              <a:t>the</a:t>
+            </a:r>
+            <a:r>
+              <a:rPr lang="nl-NL" dirty="0"/>
+              <a:t> class of </a:t>
+            </a:r>
+            <a:r>
+              <a:rPr lang="nl-NL" dirty="0" err="1"/>
+              <a:t>things</a:t>
+            </a:r>
+            <a:r>
+              <a:rPr lang="nl-NL" dirty="0"/>
+              <a:t> in </a:t>
+            </a:r>
+            <a:r>
+              <a:rPr lang="nl-NL" dirty="0" err="1"/>
+              <a:t>the</a:t>
+            </a:r>
+            <a:r>
+              <a:rPr lang="nl-NL" dirty="0"/>
+              <a:t> domain;</a:t>
+            </a:r>
+          </a:p>
+          <a:p>
+            <a:pPr lvl="1"/>
+            <a:r>
+              <a:rPr lang="nl-NL" dirty="0" err="1"/>
+              <a:t>Describes</a:t>
+            </a:r>
+            <a:r>
+              <a:rPr lang="nl-NL" dirty="0"/>
+              <a:t> </a:t>
+            </a:r>
+            <a:r>
+              <a:rPr lang="nl-NL" dirty="0" err="1"/>
+              <a:t>the</a:t>
+            </a:r>
+            <a:r>
+              <a:rPr lang="nl-NL" dirty="0"/>
+              <a:t> </a:t>
+            </a:r>
+            <a:r>
+              <a:rPr lang="nl-NL" dirty="0" err="1"/>
+              <a:t>meaning</a:t>
+            </a:r>
+            <a:r>
+              <a:rPr lang="nl-NL" dirty="0"/>
+              <a:t> (</a:t>
+            </a:r>
+            <a:r>
+              <a:rPr lang="nl-NL" dirty="0" err="1"/>
+              <a:t>definition</a:t>
+            </a:r>
+            <a:r>
+              <a:rPr lang="nl-NL" dirty="0"/>
+              <a:t>) of </a:t>
+            </a:r>
+            <a:r>
+              <a:rPr lang="nl-NL" dirty="0" err="1"/>
+              <a:t>that</a:t>
+            </a:r>
+            <a:r>
+              <a:rPr lang="nl-NL" dirty="0"/>
+              <a:t> class;</a:t>
+            </a:r>
+          </a:p>
+          <a:p>
+            <a:pPr lvl="1"/>
+            <a:r>
+              <a:rPr lang="nl-NL" dirty="0" err="1"/>
+              <a:t>Specifies</a:t>
+            </a:r>
+            <a:r>
+              <a:rPr lang="nl-NL" dirty="0"/>
+              <a:t> </a:t>
+            </a:r>
+            <a:r>
+              <a:rPr lang="nl-NL" dirty="0" err="1"/>
+              <a:t>the</a:t>
+            </a:r>
+            <a:r>
+              <a:rPr lang="nl-NL" dirty="0"/>
+              <a:t> information </a:t>
+            </a:r>
+            <a:r>
+              <a:rPr lang="nl-NL" dirty="0" err="1"/>
+              <a:t>constructs</a:t>
+            </a:r>
+            <a:r>
+              <a:rPr lang="nl-NL" dirty="0"/>
+              <a:t> </a:t>
+            </a:r>
+            <a:r>
+              <a:rPr lang="nl-NL" dirty="0" err="1"/>
+              <a:t>for</a:t>
+            </a:r>
+            <a:r>
+              <a:rPr lang="nl-NL" dirty="0"/>
+              <a:t> </a:t>
+            </a:r>
+            <a:r>
+              <a:rPr lang="nl-NL" dirty="0" err="1"/>
+              <a:t>that</a:t>
+            </a:r>
+            <a:r>
+              <a:rPr lang="nl-NL" dirty="0"/>
+              <a:t> class</a:t>
+            </a:r>
+          </a:p>
+          <a:p>
+            <a:pPr lvl="1"/>
+            <a:endParaRPr lang="nl-NL" dirty="0"/>
+          </a:p>
+        </p:txBody>
+      </p:sp>
+      <p:sp>
+        <p:nvSpPr>
+          <p:cNvPr id="4" name="Tekstvak 3">
+            <a:extLst>
+              <a:ext uri="{FF2B5EF4-FFF2-40B4-BE49-F238E27FC236}">
+                <a16:creationId xmlns:a16="http://schemas.microsoft.com/office/drawing/2014/main" id="{BFD08C3B-7A71-754E-B3A8-39EBFCEB0A78}"/>
+              </a:ext>
+            </a:extLst>
+          </p:cNvPr>
+          <p:cNvSpPr txBox="1"/>
+          <p:nvPr/>
+        </p:nvSpPr>
+        <p:spPr>
+          <a:xfrm>
+            <a:off x="566352" y="4772209"/>
+            <a:ext cx="8011296" cy="369332"/>
+          </a:xfrm>
+          <a:prstGeom prst="rect">
+            <a:avLst/>
+          </a:prstGeom>
+          <a:noFill/>
+        </p:spPr>
+        <p:txBody>
+          <a:bodyPr wrap="none" rtlCol="0">
+            <a:spAutoFit/>
+          </a:bodyPr>
+          <a:lstStyle/>
+          <a:p>
+            <a:r>
+              <a:rPr lang="nl-NL" dirty="0"/>
+              <a:t>The metamodel conforms </a:t>
+            </a:r>
+            <a:r>
+              <a:rPr lang="nl-NL" dirty="0" err="1"/>
+              <a:t>to</a:t>
+            </a:r>
+            <a:r>
+              <a:rPr lang="nl-NL" dirty="0"/>
+              <a:t> </a:t>
+            </a:r>
+            <a:r>
+              <a:rPr lang="nl-NL" dirty="0" err="1"/>
+              <a:t>the</a:t>
+            </a:r>
+            <a:r>
+              <a:rPr lang="nl-NL" dirty="0"/>
+              <a:t> UML </a:t>
+            </a:r>
+            <a:r>
+              <a:rPr lang="nl-NL" dirty="0" err="1"/>
+              <a:t>philosophy</a:t>
+            </a:r>
+            <a:r>
+              <a:rPr lang="nl-NL" dirty="0"/>
+              <a:t>: a construct </a:t>
+            </a:r>
+            <a:r>
+              <a:rPr lang="nl-NL" dirty="0" err="1"/>
+              <a:t>for</a:t>
+            </a:r>
+            <a:r>
+              <a:rPr lang="nl-NL" dirty="0"/>
+              <a:t> a </a:t>
+            </a:r>
+            <a:r>
+              <a:rPr lang="nl-NL" dirty="0" err="1"/>
+              <a:t>specific</a:t>
+            </a:r>
+            <a:r>
+              <a:rPr lang="nl-NL" dirty="0"/>
+              <a:t> </a:t>
+            </a:r>
+            <a:r>
+              <a:rPr lang="nl-NL" dirty="0" err="1"/>
+              <a:t>purpose</a:t>
+            </a:r>
+            <a:endParaRPr lang="nl-NL" dirty="0"/>
+          </a:p>
+        </p:txBody>
+      </p:sp>
+      <p:pic>
+        <p:nvPicPr>
+          <p:cNvPr id="10" name="Afbeelding 9">
+            <a:extLst>
+              <a:ext uri="{FF2B5EF4-FFF2-40B4-BE49-F238E27FC236}">
+                <a16:creationId xmlns:a16="http://schemas.microsoft.com/office/drawing/2014/main" id="{72BE6EAD-09FC-0547-B3FE-75B2184762AF}"/>
+              </a:ext>
+            </a:extLst>
+          </p:cNvPr>
+          <p:cNvPicPr>
+            <a:picLocks noChangeAspect="1"/>
+          </p:cNvPicPr>
+          <p:nvPr/>
+        </p:nvPicPr>
+        <p:blipFill rotWithShape="1">
+          <a:blip r:embed="rId2">
+            <a:extLst>
+              <a:ext uri="{28A0092B-C50C-407E-A947-70E740481C1C}">
+                <a14:useLocalDpi xmlns:a14="http://schemas.microsoft.com/office/drawing/2010/main" val="0"/>
+              </a:ext>
+            </a:extLst>
+          </a:blip>
+          <a:srcRect l="4780" t="20403" r="8258" b="9814"/>
+          <a:stretch/>
+        </p:blipFill>
+        <p:spPr>
+          <a:xfrm>
+            <a:off x="3635896" y="2931790"/>
+            <a:ext cx="1800200" cy="1152128"/>
+          </a:xfrm>
+          <a:prstGeom prst="rect">
+            <a:avLst/>
+          </a:prstGeom>
+        </p:spPr>
+      </p:pic>
+    </p:spTree>
+    <p:extLst>
+      <p:ext uri="{BB962C8B-B14F-4D97-AF65-F5344CB8AC3E}">
+        <p14:creationId xmlns:p14="http://schemas.microsoft.com/office/powerpoint/2010/main" val="3966932650"/>
+      </p:ext>
+    </p:extLst>
+  </p:cSld>
+  <p:clrMapOvr>
+    <a:masterClrMapping/>
+  </p:clrMapOvr>
+</p:sld>
+</file>
+
+<file path=ppt/slides/slide11.xml><?xml version="1.0" encoding="utf-8"?>
+<p:sld xmlns:a="http://schemas.openxmlformats.org/drawingml/2006/main" xmlns:r="http://schemas.openxmlformats.org/officeDocument/2006/relationships" xmlns:p="http://schemas.openxmlformats.org/presentationml/2006/main">
+  <p:cSld>
+    <p:spTree>
+      <p:nvGrpSpPr>
+        <p:cNvPr id="1" name=""/>
+        <p:cNvGrpSpPr/>
+        <p:nvPr/>
+      </p:nvGrpSpPr>
+      <p:grpSpPr>
+        <a:xfrm>
+          <a:off x="0" y="0"/>
+          <a:ext cx="0" cy="0"/>
+          <a:chOff x="0" y="0"/>
+          <a:chExt cx="0" cy="0"/>
+        </a:xfrm>
+      </p:grpSpPr>
+      <p:sp>
+        <p:nvSpPr>
+          <p:cNvPr id="2" name="Titel 1">
+            <a:extLst>
+              <a:ext uri="{FF2B5EF4-FFF2-40B4-BE49-F238E27FC236}">
+                <a16:creationId xmlns:a16="http://schemas.microsoft.com/office/drawing/2014/main" id="{E2BC3324-516F-534F-9D90-CC08C0459DDE}"/>
+              </a:ext>
+            </a:extLst>
+          </p:cNvPr>
+          <p:cNvSpPr>
+            <a:spLocks noGrp="1"/>
+          </p:cNvSpPr>
+          <p:nvPr>
+            <p:ph type="title"/>
+          </p:nvPr>
+        </p:nvSpPr>
+        <p:spPr>
+          <a:xfrm>
+            <a:off x="10485" y="-7662"/>
+            <a:ext cx="2170584" cy="707204"/>
+          </a:xfrm>
+        </p:spPr>
+        <p:txBody>
+          <a:bodyPr/>
+          <a:lstStyle/>
+          <a:p>
+            <a:r>
+              <a:rPr lang="nl-NL" dirty="0" err="1"/>
+              <a:t>Differences</a:t>
+            </a:r>
+            <a:endParaRPr lang="nl-NL" dirty="0"/>
+          </a:p>
+        </p:txBody>
+      </p:sp>
+      <p:sp>
+        <p:nvSpPr>
+          <p:cNvPr id="3" name="Tijdelijke aanduiding voor inhoud 2">
+            <a:extLst>
+              <a:ext uri="{FF2B5EF4-FFF2-40B4-BE49-F238E27FC236}">
+                <a16:creationId xmlns:a16="http://schemas.microsoft.com/office/drawing/2014/main" id="{72C88B50-59E0-124E-ABF9-A26DF689B4FD}"/>
+              </a:ext>
+            </a:extLst>
+          </p:cNvPr>
+          <p:cNvSpPr>
+            <a:spLocks noGrp="1"/>
+          </p:cNvSpPr>
+          <p:nvPr>
+            <p:ph idx="1"/>
+          </p:nvPr>
+        </p:nvSpPr>
+        <p:spPr>
+          <a:xfrm>
+            <a:off x="457200" y="897564"/>
+            <a:ext cx="8229600" cy="3348372"/>
+          </a:xfrm>
+        </p:spPr>
+        <p:txBody>
+          <a:bodyPr/>
+          <a:lstStyle/>
+          <a:p>
+            <a:r>
               <a:rPr lang="nl-NL" dirty="0" err="1"/>
               <a:t>Linked</a:t>
             </a:r>
@@ -3576,7 +3930,7 @@
 </p:sld>
 </file>
 
-<file path=ppt/slides/slide11.xml><?xml version="1.0" encoding="utf-8"?>
+<file path=ppt/slides/slide12.xml><?xml version="1.0" encoding="utf-8"?>
 <p:sld xmlns:a="http://schemas.openxmlformats.org/drawingml/2006/main" xmlns:r="http://schemas.openxmlformats.org/officeDocument/2006/relationships" xmlns:p="http://schemas.openxmlformats.org/presentationml/2006/main">
   <p:cSld>
     <p:spTree>
@@ -5073,7 +5427,7 @@
 </p:sld>
 </file>
 
-<file path=ppt/slides/slide12.xml><?xml version="1.0" encoding="utf-8"?>
+<file path=ppt/slides/slide13.xml><?xml version="1.0" encoding="utf-8"?>
 <p:sld xmlns:a="http://schemas.openxmlformats.org/drawingml/2006/main" xmlns:r="http://schemas.openxmlformats.org/officeDocument/2006/relationships" xmlns:p="http://schemas.openxmlformats.org/presentationml/2006/main">
   <p:cSld>
     <p:spTree>
@@ -5156,7 +5510,7 @@
             </a:r>
             <a:r>
               <a:rPr lang="nl-NL" dirty="0" err="1"/>
-              <a:t>cannonical</a:t>
+              <a:t>canonical</a:t>
             </a:r>
             <a:r>
               <a:rPr lang="nl-NL" dirty="0"/>
@@ -5194,7 +5548,7 @@
             </a:r>
             <a:r>
               <a:rPr lang="nl-NL" dirty="0" err="1"/>
-              <a:t>cannonical</a:t>
+              <a:t>canonical</a:t>
             </a:r>
             <a:r>
               <a:rPr lang="nl-NL" dirty="0"/>
@@ -6570,7 +6924,7 @@
 </p:sld>
 </file>
 
-<file path=ppt/slides/slide13.xml><?xml version="1.0" encoding="utf-8"?>
+<file path=ppt/slides/slide14.xml><?xml version="1.0" encoding="utf-8"?>
 <p:sld xmlns:a="http://schemas.openxmlformats.org/drawingml/2006/main" xmlns:r="http://schemas.openxmlformats.org/officeDocument/2006/relationships" xmlns:p="http://schemas.openxmlformats.org/presentationml/2006/main">
   <p:cSld>
     <p:spTree>
@@ -6653,7 +7007,7 @@
             </a:r>
             <a:r>
               <a:rPr lang="nl-NL" dirty="0" err="1"/>
-              <a:t>cannonical</a:t>
+              <a:t>canonical</a:t>
             </a:r>
             <a:r>
               <a:rPr lang="nl-NL" dirty="0"/>
@@ -6691,7 +7045,7 @@
             </a:r>
             <a:r>
               <a:rPr lang="nl-NL" dirty="0" err="1"/>
-              <a:t>cannonical</a:t>
+              <a:t>canonical</a:t>
             </a:r>
             <a:r>
               <a:rPr lang="nl-NL" dirty="0"/>
@@ -8067,7 +8421,7 @@
 </p:sld>
 </file>
 
-<file path=ppt/slides/slide14.xml><?xml version="1.0" encoding="utf-8"?>
+<file path=ppt/slides/slide15.xml><?xml version="1.0" encoding="utf-8"?>
 <p:sld xmlns:a="http://schemas.openxmlformats.org/drawingml/2006/main" xmlns:r="http://schemas.openxmlformats.org/officeDocument/2006/relationships" xmlns:p="http://schemas.openxmlformats.org/presentationml/2006/main">
   <p:cSld>
     <p:spTree>
@@ -8150,7 +8504,7 @@
             </a:r>
             <a:r>
               <a:rPr lang="nl-NL" dirty="0" err="1"/>
-              <a:t>cannonical</a:t>
+              <a:t>canonical</a:t>
             </a:r>
             <a:r>
               <a:rPr lang="nl-NL" dirty="0"/>
@@ -8188,7 +8542,7 @@
             </a:r>
             <a:r>
               <a:rPr lang="nl-NL" dirty="0" err="1"/>
-              <a:t>cannonical</a:t>
+              <a:t>canonical</a:t>
             </a:r>
             <a:r>
               <a:rPr lang="nl-NL" dirty="0"/>
@@ -9584,7 +9938,7 @@
 </p:sld>
 </file>
 
-<file path=ppt/slides/slide15.xml><?xml version="1.0" encoding="utf-8"?>
+<file path=ppt/slides/slide16.xml><?xml version="1.0" encoding="utf-8"?>
 <p:sld xmlns:a="http://schemas.openxmlformats.org/drawingml/2006/main" xmlns:r="http://schemas.openxmlformats.org/officeDocument/2006/relationships" xmlns:p="http://schemas.openxmlformats.org/presentationml/2006/main">
   <p:cSld>
     <p:spTree>
@@ -9667,7 +10021,7 @@
             </a:r>
             <a:r>
               <a:rPr lang="nl-NL" dirty="0" err="1"/>
-              <a:t>cannonical</a:t>
+              <a:t>canonical</a:t>
             </a:r>
             <a:r>
               <a:rPr lang="nl-NL" dirty="0"/>
@@ -9705,7 +10059,7 @@
             </a:r>
             <a:r>
               <a:rPr lang="nl-NL" dirty="0" err="1"/>
-              <a:t>cannonical</a:t>
+              <a:t>canonical</a:t>
             </a:r>
             <a:r>
               <a:rPr lang="nl-NL" dirty="0"/>
@@ -11140,7 +11494,7 @@
 </p:sld>
 </file>
 
-<file path=ppt/slides/slide16.xml><?xml version="1.0" encoding="utf-8"?>
+<file path=ppt/slides/slide17.xml><?xml version="1.0" encoding="utf-8"?>
 <p:sld xmlns:a="http://schemas.openxmlformats.org/drawingml/2006/main" xmlns:r="http://schemas.openxmlformats.org/officeDocument/2006/relationships" xmlns:p="http://schemas.openxmlformats.org/presentationml/2006/main">
   <p:cSld>
     <p:spTree>
@@ -11223,7 +11577,7 @@
             </a:r>
             <a:r>
               <a:rPr lang="nl-NL" dirty="0" err="1"/>
-              <a:t>cannonical</a:t>
+              <a:t>canonical</a:t>
             </a:r>
             <a:r>
               <a:rPr lang="nl-NL" dirty="0"/>
@@ -11261,7 +11615,7 @@
             </a:r>
             <a:r>
               <a:rPr lang="nl-NL" dirty="0" err="1"/>
-              <a:t>cannonical</a:t>
+              <a:t>canonical</a:t>
             </a:r>
             <a:r>
               <a:rPr lang="nl-NL" dirty="0"/>
@@ -12508,7 +12862,7 @@
 </p:sld>
 </file>
 
-<file path=ppt/slides/slide17.xml><?xml version="1.0" encoding="utf-8"?>
+<file path=ppt/slides/slide18.xml><?xml version="1.0" encoding="utf-8"?>
 <p:sld xmlns:a="http://schemas.openxmlformats.org/drawingml/2006/main" xmlns:r="http://schemas.openxmlformats.org/officeDocument/2006/relationships" xmlns:p="http://schemas.openxmlformats.org/presentationml/2006/main">
   <p:cSld>
     <p:spTree>
@@ -14763,7 +15117,7 @@
 </p:sld>
 </file>
 
-<file path=ppt/slides/slide18.xml><?xml version="1.0" encoding="utf-8"?>
+<file path=ppt/slides/slide19.xml><?xml version="1.0" encoding="utf-8"?>
 <p:sld xmlns:a="http://schemas.openxmlformats.org/drawingml/2006/main" xmlns:r="http://schemas.openxmlformats.org/officeDocument/2006/relationships" xmlns:p="http://schemas.openxmlformats.org/presentationml/2006/main">
   <p:cSld>
     <p:spTree>
@@ -14957,1681 +15311,6 @@
     <p:extLst>
       <p:ext uri="{BB962C8B-B14F-4D97-AF65-F5344CB8AC3E}">
         <p14:creationId xmlns:p14="http://schemas.microsoft.com/office/powerpoint/2010/main" val="4276975732"/>
-      </p:ext>
-    </p:extLst>
-  </p:cSld>
-  <p:clrMapOvr>
-    <a:masterClrMapping/>
-  </p:clrMapOvr>
-</p:sld>
-</file>
-
-<file path=ppt/slides/slide19.xml><?xml version="1.0" encoding="utf-8"?>
-<p:sld xmlns:a="http://schemas.openxmlformats.org/drawingml/2006/main" xmlns:r="http://schemas.openxmlformats.org/officeDocument/2006/relationships" xmlns:p="http://schemas.openxmlformats.org/presentationml/2006/main">
-  <p:cSld>
-    <p:spTree>
-      <p:nvGrpSpPr>
-        <p:cNvPr id="1" name=""/>
-        <p:cNvGrpSpPr/>
-        <p:nvPr/>
-      </p:nvGrpSpPr>
-      <p:grpSpPr>
-        <a:xfrm>
-          <a:off x="0" y="0"/>
-          <a:ext cx="0" cy="0"/>
-          <a:chOff x="0" y="0"/>
-          <a:chExt cx="0" cy="0"/>
-        </a:xfrm>
-      </p:grpSpPr>
-      <p:cxnSp>
-        <p:nvCxnSpPr>
-          <p:cNvPr id="82" name="Rechte verbindingslijn met pijl 81"/>
-          <p:cNvCxnSpPr/>
-          <p:nvPr/>
-        </p:nvCxnSpPr>
-        <p:spPr>
-          <a:xfrm flipH="1">
-            <a:off x="4158419" y="3215518"/>
-            <a:ext cx="140228" cy="1042157"/>
-          </a:xfrm>
-          <a:prstGeom prst="straightConnector1">
-            <a:avLst/>
-          </a:prstGeom>
-          <a:ln w="19050">
-            <a:tailEnd type="triangle"/>
-          </a:ln>
-        </p:spPr>
-        <p:style>
-          <a:lnRef idx="1">
-            <a:schemeClr val="accent1"/>
-          </a:lnRef>
-          <a:fillRef idx="0">
-            <a:schemeClr val="accent1"/>
-          </a:fillRef>
-          <a:effectRef idx="0">
-            <a:schemeClr val="accent1"/>
-          </a:effectRef>
-          <a:fontRef idx="minor">
-            <a:schemeClr val="tx1"/>
-          </a:fontRef>
-        </p:style>
-      </p:cxnSp>
-      <p:sp>
-        <p:nvSpPr>
-          <p:cNvPr id="72" name="Afgeronde rechthoek 71"/>
-          <p:cNvSpPr/>
-          <p:nvPr/>
-        </p:nvSpPr>
-        <p:spPr>
-          <a:xfrm>
-            <a:off x="3648075" y="2822555"/>
-            <a:ext cx="1476375" cy="762000"/>
-          </a:xfrm>
-          <a:prstGeom prst="roundRect">
-            <a:avLst/>
-          </a:prstGeom>
-        </p:spPr>
-        <p:style>
-          <a:lnRef idx="1">
-            <a:schemeClr val="accent3"/>
-          </a:lnRef>
-          <a:fillRef idx="2">
-            <a:schemeClr val="accent3"/>
-          </a:fillRef>
-          <a:effectRef idx="1">
-            <a:schemeClr val="accent3"/>
-          </a:effectRef>
-          <a:fontRef idx="minor">
-            <a:schemeClr val="dk1"/>
-          </a:fontRef>
-        </p:style>
-        <p:txBody>
-          <a:bodyPr rtlCol="0" anchor="ctr"/>
-          <a:lstStyle/>
-          <a:p>
-            <a:pPr marL="400050" algn="ctr"/>
-            <a:r>
-              <a:rPr lang="nl-NL" sz="1350" dirty="0"/>
-              <a:t>RDF</a:t>
-            </a:r>
-          </a:p>
-          <a:p>
-            <a:pPr marL="400050" algn="ctr"/>
-            <a:r>
-              <a:rPr lang="nl-NL" sz="1350" dirty="0" err="1"/>
-              <a:t>GeoBase</a:t>
-            </a:r>
-            <a:endParaRPr lang="nl-NL" sz="1350" dirty="0"/>
-          </a:p>
-          <a:p>
-            <a:pPr marL="400050" algn="ctr"/>
-            <a:r>
-              <a:rPr lang="nl-NL" sz="1350" dirty="0"/>
-              <a:t>metamodel</a:t>
-            </a:r>
-          </a:p>
-        </p:txBody>
-      </p:sp>
-      <p:cxnSp>
-        <p:nvCxnSpPr>
-          <p:cNvPr id="85" name="Rechte verbindingslijn met pijl 84"/>
-          <p:cNvCxnSpPr/>
-          <p:nvPr/>
-        </p:nvCxnSpPr>
-        <p:spPr>
-          <a:xfrm flipH="1">
-            <a:off x="4881259" y="2088811"/>
-            <a:ext cx="2885202" cy="2238008"/>
-          </a:xfrm>
-          <a:prstGeom prst="straightConnector1">
-            <a:avLst/>
-          </a:prstGeom>
-          <a:ln w="19050">
-            <a:tailEnd type="triangle"/>
-          </a:ln>
-        </p:spPr>
-        <p:style>
-          <a:lnRef idx="1">
-            <a:schemeClr val="accent1"/>
-          </a:lnRef>
-          <a:fillRef idx="0">
-            <a:schemeClr val="accent1"/>
-          </a:fillRef>
-          <a:effectRef idx="0">
-            <a:schemeClr val="accent1"/>
-          </a:effectRef>
-          <a:fontRef idx="minor">
-            <a:schemeClr val="tx1"/>
-          </a:fontRef>
-        </p:style>
-      </p:cxnSp>
-      <p:cxnSp>
-        <p:nvCxnSpPr>
-          <p:cNvPr id="92" name="Rechte verbindingslijn met pijl 91"/>
-          <p:cNvCxnSpPr/>
-          <p:nvPr/>
-        </p:nvCxnSpPr>
-        <p:spPr>
-          <a:xfrm flipH="1">
-            <a:off x="5124450" y="2005196"/>
-            <a:ext cx="2694918" cy="817359"/>
-          </a:xfrm>
-          <a:prstGeom prst="straightConnector1">
-            <a:avLst/>
-          </a:prstGeom>
-          <a:ln w="19050">
-            <a:tailEnd type="triangle"/>
-          </a:ln>
-        </p:spPr>
-        <p:style>
-          <a:lnRef idx="1">
-            <a:schemeClr val="accent1"/>
-          </a:lnRef>
-          <a:fillRef idx="0">
-            <a:schemeClr val="accent1"/>
-          </a:fillRef>
-          <a:effectRef idx="0">
-            <a:schemeClr val="accent1"/>
-          </a:effectRef>
-          <a:fontRef idx="minor">
-            <a:schemeClr val="tx1"/>
-          </a:fontRef>
-        </p:style>
-      </p:cxnSp>
-      <p:sp>
-        <p:nvSpPr>
-          <p:cNvPr id="6" name="Wolkvormige toelichting 5"/>
-          <p:cNvSpPr/>
-          <p:nvPr/>
-        </p:nvSpPr>
-        <p:spPr>
-          <a:xfrm>
-            <a:off x="1962150" y="85725"/>
-            <a:ext cx="1581150" cy="771525"/>
-          </a:xfrm>
-          <a:prstGeom prst="cloudCallout">
-            <a:avLst>
-              <a:gd name="adj1" fmla="val -120833"/>
-              <a:gd name="adj2" fmla="val 229167"/>
-            </a:avLst>
-          </a:prstGeom>
-        </p:spPr>
-        <p:style>
-          <a:lnRef idx="1">
-            <a:schemeClr val="accent6"/>
-          </a:lnRef>
-          <a:fillRef idx="2">
-            <a:schemeClr val="accent6"/>
-          </a:fillRef>
-          <a:effectRef idx="1">
-            <a:schemeClr val="accent6"/>
-          </a:effectRef>
-          <a:fontRef idx="minor">
-            <a:schemeClr val="dk1"/>
-          </a:fontRef>
-        </p:style>
-        <p:txBody>
-          <a:bodyPr rtlCol="0" anchor="ctr"/>
-          <a:lstStyle/>
-          <a:p>
-            <a:pPr algn="ctr"/>
-            <a:r>
-              <a:rPr lang="nl-NL" sz="1350" dirty="0" err="1"/>
-              <a:t>Universe</a:t>
-            </a:r>
-            <a:r>
-              <a:rPr lang="nl-NL" sz="1350" dirty="0"/>
-              <a:t> of Discourse</a:t>
-            </a:r>
-          </a:p>
-          <a:p>
-            <a:pPr algn="ctr"/>
-            <a:r>
-              <a:rPr lang="nl-NL" sz="1350" dirty="0"/>
-              <a:t>(</a:t>
-            </a:r>
-            <a:r>
-              <a:rPr lang="nl-NL" sz="1350" dirty="0" err="1"/>
-              <a:t>UoD</a:t>
-            </a:r>
-            <a:r>
-              <a:rPr lang="nl-NL" sz="1350" dirty="0"/>
-              <a:t>)</a:t>
-            </a:r>
-          </a:p>
-        </p:txBody>
-      </p:sp>
-      <p:sp>
-        <p:nvSpPr>
-          <p:cNvPr id="12" name="Rechthoek 11"/>
-          <p:cNvSpPr/>
-          <p:nvPr/>
-        </p:nvSpPr>
-        <p:spPr>
-          <a:xfrm>
-            <a:off x="1638300" y="1114425"/>
-            <a:ext cx="542925" cy="381000"/>
-          </a:xfrm>
-          <a:prstGeom prst="rect">
-            <a:avLst/>
-          </a:prstGeom>
-          <a:solidFill>
-            <a:schemeClr val="bg1"/>
-          </a:solidFill>
-          <a:ln>
-            <a:solidFill>
-              <a:schemeClr val="bg1"/>
-            </a:solidFill>
-          </a:ln>
-        </p:spPr>
-        <p:style>
-          <a:lnRef idx="2">
-            <a:schemeClr val="accent1">
-              <a:shade val="50000"/>
-            </a:schemeClr>
-          </a:lnRef>
-          <a:fillRef idx="1">
-            <a:schemeClr val="accent1"/>
-          </a:fillRef>
-          <a:effectRef idx="0">
-            <a:schemeClr val="accent1"/>
-          </a:effectRef>
-          <a:fontRef idx="minor">
-            <a:schemeClr val="lt1"/>
-          </a:fontRef>
-        </p:style>
-        <p:txBody>
-          <a:bodyPr rtlCol="0" anchor="ctr"/>
-          <a:lstStyle/>
-          <a:p>
-            <a:pPr algn="ctr"/>
-            <a:endParaRPr lang="nl-NL" sz="1350"/>
-          </a:p>
-        </p:txBody>
-      </p:sp>
-      <p:cxnSp>
-        <p:nvCxnSpPr>
-          <p:cNvPr id="14" name="Rechte verbindingslijn met pijl 13"/>
-          <p:cNvCxnSpPr/>
-          <p:nvPr/>
-        </p:nvCxnSpPr>
-        <p:spPr>
-          <a:xfrm flipV="1">
-            <a:off x="1085850" y="857250"/>
-            <a:ext cx="1171575" cy="1147946"/>
-          </a:xfrm>
-          <a:prstGeom prst="straightConnector1">
-            <a:avLst/>
-          </a:prstGeom>
-          <a:ln w="19050">
-            <a:tailEnd type="triangle"/>
-          </a:ln>
-        </p:spPr>
-        <p:style>
-          <a:lnRef idx="1">
-            <a:schemeClr val="accent1"/>
-          </a:lnRef>
-          <a:fillRef idx="0">
-            <a:schemeClr val="accent1"/>
-          </a:fillRef>
-          <a:effectRef idx="0">
-            <a:schemeClr val="accent1"/>
-          </a:effectRef>
-          <a:fontRef idx="minor">
-            <a:schemeClr val="tx1"/>
-          </a:fontRef>
-        </p:style>
-      </p:cxnSp>
-      <p:cxnSp>
-        <p:nvCxnSpPr>
-          <p:cNvPr id="16" name="Rechte verbindingslijn met pijl 15"/>
-          <p:cNvCxnSpPr/>
-          <p:nvPr/>
-        </p:nvCxnSpPr>
-        <p:spPr>
-          <a:xfrm flipH="1" flipV="1">
-            <a:off x="3648075" y="552450"/>
-            <a:ext cx="4171293" cy="1362075"/>
-          </a:xfrm>
-          <a:prstGeom prst="straightConnector1">
-            <a:avLst/>
-          </a:prstGeom>
-          <a:ln w="19050">
-            <a:tailEnd type="triangle"/>
-          </a:ln>
-        </p:spPr>
-        <p:style>
-          <a:lnRef idx="1">
-            <a:schemeClr val="accent1"/>
-          </a:lnRef>
-          <a:fillRef idx="0">
-            <a:schemeClr val="accent1"/>
-          </a:fillRef>
-          <a:effectRef idx="0">
-            <a:schemeClr val="accent1"/>
-          </a:effectRef>
-          <a:fontRef idx="minor">
-            <a:schemeClr val="tx1"/>
-          </a:fontRef>
-        </p:style>
-      </p:cxnSp>
-      <p:sp>
-        <p:nvSpPr>
-          <p:cNvPr id="17" name="Tekstvak 16"/>
-          <p:cNvSpPr txBox="1"/>
-          <p:nvPr/>
-        </p:nvSpPr>
-        <p:spPr>
-          <a:xfrm>
-            <a:off x="2017323" y="971183"/>
-            <a:ext cx="663964" cy="253916"/>
-          </a:xfrm>
-          <a:prstGeom prst="rect">
-            <a:avLst/>
-          </a:prstGeom>
-          <a:noFill/>
-        </p:spPr>
-        <p:txBody>
-          <a:bodyPr wrap="none" rtlCol="0">
-            <a:spAutoFit/>
-          </a:bodyPr>
-          <a:lstStyle/>
-          <a:p>
-            <a:r>
-              <a:rPr lang="nl-NL" sz="1050" i="1" dirty="0"/>
-              <a:t>model of</a:t>
-            </a:r>
-          </a:p>
-        </p:txBody>
-      </p:sp>
-      <p:sp>
-        <p:nvSpPr>
-          <p:cNvPr id="18" name="Tekstvak 17"/>
-          <p:cNvSpPr txBox="1"/>
-          <p:nvPr/>
-        </p:nvSpPr>
-        <p:spPr>
-          <a:xfrm>
-            <a:off x="5442819" y="883592"/>
-            <a:ext cx="663964" cy="253916"/>
-          </a:xfrm>
-          <a:prstGeom prst="rect">
-            <a:avLst/>
-          </a:prstGeom>
-          <a:noFill/>
-        </p:spPr>
-        <p:txBody>
-          <a:bodyPr wrap="none" rtlCol="0">
-            <a:spAutoFit/>
-          </a:bodyPr>
-          <a:lstStyle/>
-          <a:p>
-            <a:r>
-              <a:rPr lang="nl-NL" sz="1050" i="1" dirty="0"/>
-              <a:t>model of</a:t>
-            </a:r>
-          </a:p>
-        </p:txBody>
-      </p:sp>
-      <p:sp>
-        <p:nvSpPr>
-          <p:cNvPr id="19" name="PIJL-RECHTS 18"/>
-          <p:cNvSpPr/>
-          <p:nvPr/>
-        </p:nvSpPr>
-        <p:spPr>
-          <a:xfrm>
-            <a:off x="1819275" y="1821931"/>
-            <a:ext cx="1724025" cy="395471"/>
-          </a:xfrm>
-          <a:prstGeom prst="rightArrow">
-            <a:avLst/>
-          </a:prstGeom>
-        </p:spPr>
-        <p:style>
-          <a:lnRef idx="2">
-            <a:schemeClr val="accent1">
-              <a:shade val="50000"/>
-            </a:schemeClr>
-          </a:lnRef>
-          <a:fillRef idx="1">
-            <a:schemeClr val="accent1"/>
-          </a:fillRef>
-          <a:effectRef idx="0">
-            <a:schemeClr val="accent1"/>
-          </a:effectRef>
-          <a:fontRef idx="minor">
-            <a:schemeClr val="lt1"/>
-          </a:fontRef>
-        </p:style>
-        <p:txBody>
-          <a:bodyPr rtlCol="0" anchor="ctr"/>
-          <a:lstStyle/>
-          <a:p>
-            <a:pPr algn="ctr"/>
-            <a:r>
-              <a:rPr lang="nl-NL" sz="1200" dirty="0" err="1"/>
-              <a:t>autom</a:t>
-            </a:r>
-            <a:r>
-              <a:rPr lang="nl-NL" sz="1200" dirty="0"/>
-              <a:t>. </a:t>
-            </a:r>
-            <a:r>
-              <a:rPr lang="nl-NL" sz="1200" dirty="0" err="1"/>
-              <a:t>transformation</a:t>
-            </a:r>
-            <a:endParaRPr lang="nl-NL" sz="1200" dirty="0"/>
-          </a:p>
-        </p:txBody>
-      </p:sp>
-      <p:sp>
-        <p:nvSpPr>
-          <p:cNvPr id="22" name="PIJL-RECHTS 21"/>
-          <p:cNvSpPr/>
-          <p:nvPr/>
-        </p:nvSpPr>
-        <p:spPr>
-          <a:xfrm>
-            <a:off x="5264715" y="1807460"/>
-            <a:ext cx="1724025" cy="395471"/>
-          </a:xfrm>
-          <a:prstGeom prst="rightArrow">
-            <a:avLst/>
-          </a:prstGeom>
-        </p:spPr>
-        <p:style>
-          <a:lnRef idx="2">
-            <a:schemeClr val="accent1">
-              <a:shade val="50000"/>
-            </a:schemeClr>
-          </a:lnRef>
-          <a:fillRef idx="1">
-            <a:schemeClr val="accent1"/>
-          </a:fillRef>
-          <a:effectRef idx="0">
-            <a:schemeClr val="accent1"/>
-          </a:effectRef>
-          <a:fontRef idx="minor">
-            <a:schemeClr val="lt1"/>
-          </a:fontRef>
-        </p:style>
-        <p:txBody>
-          <a:bodyPr rtlCol="0" anchor="ctr"/>
-          <a:lstStyle/>
-          <a:p>
-            <a:pPr algn="ctr"/>
-            <a:r>
-              <a:rPr lang="nl-NL" sz="1200" dirty="0"/>
-              <a:t>manual </a:t>
-            </a:r>
-            <a:r>
-              <a:rPr lang="nl-NL" sz="1200" dirty="0" err="1"/>
-              <a:t>refinement</a:t>
-            </a:r>
-            <a:endParaRPr lang="nl-NL" sz="1200" dirty="0"/>
-          </a:p>
-        </p:txBody>
-      </p:sp>
-      <p:grpSp>
-        <p:nvGrpSpPr>
-          <p:cNvPr id="15" name="Groep 14"/>
-          <p:cNvGrpSpPr/>
-          <p:nvPr/>
-        </p:nvGrpSpPr>
-        <p:grpSpPr>
-          <a:xfrm>
-            <a:off x="7129005" y="1624195"/>
-            <a:ext cx="1476375" cy="762000"/>
-            <a:chOff x="6731000" y="2508495"/>
-            <a:chExt cx="1968500" cy="1016000"/>
-          </a:xfrm>
-        </p:grpSpPr>
-        <p:sp>
-          <p:nvSpPr>
-            <p:cNvPr id="20" name="Afgeronde rechthoek 19"/>
-            <p:cNvSpPr/>
-            <p:nvPr/>
-          </p:nvSpPr>
-          <p:spPr>
-            <a:xfrm>
-              <a:off x="6731000" y="2508495"/>
-              <a:ext cx="1968500" cy="1016000"/>
-            </a:xfrm>
-            <a:prstGeom prst="roundRect">
-              <a:avLst/>
-            </a:prstGeom>
-          </p:spPr>
-          <p:style>
-            <a:lnRef idx="1">
-              <a:schemeClr val="accent1"/>
-            </a:lnRef>
-            <a:fillRef idx="2">
-              <a:schemeClr val="accent1"/>
-            </a:fillRef>
-            <a:effectRef idx="1">
-              <a:schemeClr val="accent1"/>
-            </a:effectRef>
-            <a:fontRef idx="minor">
-              <a:schemeClr val="dk1"/>
-            </a:fontRef>
-          </p:style>
-          <p:txBody>
-            <a:bodyPr rtlCol="0" anchor="ctr"/>
-            <a:lstStyle/>
-            <a:p>
-              <a:pPr marL="466725" algn="ctr"/>
-              <a:r>
-                <a:rPr lang="nl-NL" sz="1350" dirty="0"/>
-                <a:t>RDF</a:t>
-              </a:r>
-            </a:p>
-            <a:p>
-              <a:pPr marL="466725" algn="ctr"/>
-              <a:r>
-                <a:rPr lang="nl-NL" sz="1350" dirty="0"/>
-                <a:t>model</a:t>
-              </a:r>
-            </a:p>
-            <a:p>
-              <a:pPr marL="466725" algn="ctr"/>
-              <a:r>
-                <a:rPr lang="nl-NL" sz="1350" dirty="0"/>
-                <a:t>#2</a:t>
-              </a:r>
-            </a:p>
-          </p:txBody>
-        </p:sp>
-        <p:pic>
-          <p:nvPicPr>
-            <p:cNvPr id="21" name="Afbeelding 20"/>
-            <p:cNvPicPr>
-              <a:picLocks noChangeAspect="1"/>
-            </p:cNvPicPr>
-            <p:nvPr/>
-          </p:nvPicPr>
-          <p:blipFill>
-            <a:blip r:embed="rId2" cstate="print">
-              <a:extLst>
-                <a:ext uri="{28A0092B-C50C-407E-A947-70E740481C1C}">
-                  <a14:useLocalDpi xmlns:a14="http://schemas.microsoft.com/office/drawing/2010/main" val="0"/>
-                </a:ext>
-              </a:extLst>
-            </a:blip>
-            <a:stretch>
-              <a:fillRect/>
-            </a:stretch>
-          </p:blipFill>
-          <p:spPr>
-            <a:xfrm>
-              <a:off x="6876845" y="2695942"/>
-              <a:ext cx="587275" cy="641105"/>
-            </a:xfrm>
-            <a:prstGeom prst="rect">
-              <a:avLst/>
-            </a:prstGeom>
-          </p:spPr>
-        </p:pic>
-      </p:grpSp>
-      <p:grpSp>
-        <p:nvGrpSpPr>
-          <p:cNvPr id="11" name="Groep 10"/>
-          <p:cNvGrpSpPr/>
-          <p:nvPr/>
-        </p:nvGrpSpPr>
-        <p:grpSpPr>
-          <a:xfrm>
-            <a:off x="3648075" y="1624196"/>
-            <a:ext cx="1476375" cy="762000"/>
-            <a:chOff x="6731000" y="2508495"/>
-            <a:chExt cx="1968500" cy="1016000"/>
-          </a:xfrm>
-        </p:grpSpPr>
-        <p:sp>
-          <p:nvSpPr>
-            <p:cNvPr id="8" name="Afgeronde rechthoek 7"/>
-            <p:cNvSpPr/>
-            <p:nvPr/>
-          </p:nvSpPr>
-          <p:spPr>
-            <a:xfrm>
-              <a:off x="6731000" y="2508495"/>
-              <a:ext cx="1968500" cy="1016000"/>
-            </a:xfrm>
-            <a:prstGeom prst="roundRect">
-              <a:avLst/>
-            </a:prstGeom>
-          </p:spPr>
-          <p:style>
-            <a:lnRef idx="1">
-              <a:schemeClr val="accent1"/>
-            </a:lnRef>
-            <a:fillRef idx="2">
-              <a:schemeClr val="accent1"/>
-            </a:fillRef>
-            <a:effectRef idx="1">
-              <a:schemeClr val="accent1"/>
-            </a:effectRef>
-            <a:fontRef idx="minor">
-              <a:schemeClr val="dk1"/>
-            </a:fontRef>
-          </p:style>
-          <p:txBody>
-            <a:bodyPr rtlCol="0" anchor="ctr"/>
-            <a:lstStyle/>
-            <a:p>
-              <a:pPr marL="466725" algn="ctr"/>
-              <a:r>
-                <a:rPr lang="nl-NL" sz="1350" dirty="0"/>
-                <a:t>RDF</a:t>
-              </a:r>
-            </a:p>
-            <a:p>
-              <a:pPr marL="466725" algn="ctr"/>
-              <a:r>
-                <a:rPr lang="nl-NL" sz="1350" dirty="0"/>
-                <a:t>model</a:t>
-              </a:r>
-            </a:p>
-            <a:p>
-              <a:pPr marL="466725" algn="ctr"/>
-              <a:r>
-                <a:rPr lang="nl-NL" sz="1350" dirty="0"/>
-                <a:t>#1</a:t>
-              </a:r>
-            </a:p>
-          </p:txBody>
-        </p:sp>
-        <p:pic>
-          <p:nvPicPr>
-            <p:cNvPr id="10" name="Afbeelding 9"/>
-            <p:cNvPicPr>
-              <a:picLocks noChangeAspect="1"/>
-            </p:cNvPicPr>
-            <p:nvPr/>
-          </p:nvPicPr>
-          <p:blipFill>
-            <a:blip r:embed="rId2" cstate="print">
-              <a:extLst>
-                <a:ext uri="{28A0092B-C50C-407E-A947-70E740481C1C}">
-                  <a14:useLocalDpi xmlns:a14="http://schemas.microsoft.com/office/drawing/2010/main" val="0"/>
-                </a:ext>
-              </a:extLst>
-            </a:blip>
-            <a:stretch>
-              <a:fillRect/>
-            </a:stretch>
-          </p:blipFill>
-          <p:spPr>
-            <a:xfrm>
-              <a:off x="6876845" y="2695942"/>
-              <a:ext cx="587275" cy="641105"/>
-            </a:xfrm>
-            <a:prstGeom prst="rect">
-              <a:avLst/>
-            </a:prstGeom>
-          </p:spPr>
-        </p:pic>
-      </p:grpSp>
-      <p:grpSp>
-        <p:nvGrpSpPr>
-          <p:cNvPr id="7" name="Groep 6"/>
-          <p:cNvGrpSpPr/>
-          <p:nvPr/>
-        </p:nvGrpSpPr>
-        <p:grpSpPr>
-          <a:xfrm>
-            <a:off x="257175" y="3040578"/>
-            <a:ext cx="1476375" cy="762000"/>
-            <a:chOff x="355600" y="4521689"/>
-            <a:chExt cx="1968500" cy="1016000"/>
-          </a:xfrm>
-        </p:grpSpPr>
-        <p:sp>
-          <p:nvSpPr>
-            <p:cNvPr id="37" name="Afgeronde rechthoek 36"/>
-            <p:cNvSpPr/>
-            <p:nvPr/>
-          </p:nvSpPr>
-          <p:spPr>
-            <a:xfrm>
-              <a:off x="355600" y="4521689"/>
-              <a:ext cx="1968500" cy="1016000"/>
-            </a:xfrm>
-            <a:prstGeom prst="roundRect">
-              <a:avLst/>
-            </a:prstGeom>
-          </p:spPr>
-          <p:style>
-            <a:lnRef idx="1">
-              <a:schemeClr val="accent1"/>
-            </a:lnRef>
-            <a:fillRef idx="2">
-              <a:schemeClr val="accent1"/>
-            </a:fillRef>
-            <a:effectRef idx="1">
-              <a:schemeClr val="accent1"/>
-            </a:effectRef>
-            <a:fontRef idx="minor">
-              <a:schemeClr val="dk1"/>
-            </a:fontRef>
-          </p:style>
-          <p:txBody>
-            <a:bodyPr rtlCol="0" anchor="ctr"/>
-            <a:lstStyle/>
-            <a:p>
-              <a:pPr marL="466725" algn="ctr"/>
-              <a:r>
-                <a:rPr lang="nl-NL" sz="1350" dirty="0"/>
-                <a:t>XSD</a:t>
-              </a:r>
-            </a:p>
-            <a:p>
-              <a:pPr marL="466725" algn="ctr"/>
-              <a:r>
-                <a:rPr lang="nl-NL" sz="1350" dirty="0"/>
-                <a:t>data</a:t>
-              </a:r>
-            </a:p>
-            <a:p>
-              <a:pPr marL="466725" algn="ctr"/>
-              <a:r>
-                <a:rPr lang="nl-NL" sz="1350" dirty="0"/>
-                <a:t>structuur</a:t>
-              </a:r>
-            </a:p>
-          </p:txBody>
-        </p:sp>
-        <p:pic>
-          <p:nvPicPr>
-            <p:cNvPr id="2" name="Afbeelding 1"/>
-            <p:cNvPicPr>
-              <a:picLocks noChangeAspect="1"/>
-            </p:cNvPicPr>
-            <p:nvPr/>
-          </p:nvPicPr>
-          <p:blipFill>
-            <a:blip r:embed="rId3" cstate="print">
-              <a:extLst>
-                <a:ext uri="{28A0092B-C50C-407E-A947-70E740481C1C}">
-                  <a14:useLocalDpi xmlns:a14="http://schemas.microsoft.com/office/drawing/2010/main" val="0"/>
-                </a:ext>
-              </a:extLst>
-            </a:blip>
-            <a:stretch>
-              <a:fillRect/>
-            </a:stretch>
-          </p:blipFill>
-          <p:spPr>
-            <a:xfrm>
-              <a:off x="457200" y="4738991"/>
-              <a:ext cx="619985" cy="619985"/>
-            </a:xfrm>
-            <a:prstGeom prst="rect">
-              <a:avLst/>
-            </a:prstGeom>
-          </p:spPr>
-        </p:pic>
-      </p:grpSp>
-      <p:sp>
-        <p:nvSpPr>
-          <p:cNvPr id="41" name="Afgeronde rechthoek 40"/>
-          <p:cNvSpPr/>
-          <p:nvPr/>
-        </p:nvSpPr>
-        <p:spPr>
-          <a:xfrm>
-            <a:off x="257175" y="4326820"/>
-            <a:ext cx="1476375" cy="762000"/>
-          </a:xfrm>
-          <a:prstGeom prst="roundRect">
-            <a:avLst/>
-          </a:prstGeom>
-        </p:spPr>
-        <p:style>
-          <a:lnRef idx="1">
-            <a:schemeClr val="accent2"/>
-          </a:lnRef>
-          <a:fillRef idx="2">
-            <a:schemeClr val="accent2"/>
-          </a:fillRef>
-          <a:effectRef idx="1">
-            <a:schemeClr val="accent2"/>
-          </a:effectRef>
-          <a:fontRef idx="minor">
-            <a:schemeClr val="dk1"/>
-          </a:fontRef>
-        </p:style>
-        <p:txBody>
-          <a:bodyPr rtlCol="0" anchor="ctr"/>
-          <a:lstStyle/>
-          <a:p>
-            <a:pPr marL="466725" algn="ctr"/>
-            <a:r>
-              <a:rPr lang="nl-NL" sz="1350" dirty="0"/>
-              <a:t>XML</a:t>
-            </a:r>
-          </a:p>
-          <a:p>
-            <a:pPr marL="466725" algn="ctr"/>
-            <a:r>
-              <a:rPr lang="nl-NL" sz="1350" dirty="0"/>
-              <a:t>data</a:t>
-            </a:r>
-          </a:p>
-        </p:txBody>
-      </p:sp>
-      <p:pic>
-        <p:nvPicPr>
-          <p:cNvPr id="43" name="Afbeelding 42"/>
-          <p:cNvPicPr>
-            <a:picLocks noChangeAspect="1"/>
-          </p:cNvPicPr>
-          <p:nvPr/>
-        </p:nvPicPr>
-        <p:blipFill>
-          <a:blip r:embed="rId3" cstate="print">
-            <a:extLst>
-              <a:ext uri="{28A0092B-C50C-407E-A947-70E740481C1C}">
-                <a14:useLocalDpi xmlns:a14="http://schemas.microsoft.com/office/drawing/2010/main" val="0"/>
-              </a:ext>
-            </a:extLst>
-          </a:blip>
-          <a:stretch>
-            <a:fillRect/>
-          </a:stretch>
-        </p:blipFill>
-        <p:spPr>
-          <a:xfrm>
-            <a:off x="333375" y="4489797"/>
-            <a:ext cx="464989" cy="464989"/>
-          </a:xfrm>
-          <a:prstGeom prst="rect">
-            <a:avLst/>
-          </a:prstGeom>
-        </p:spPr>
-      </p:pic>
-      <p:sp>
-        <p:nvSpPr>
-          <p:cNvPr id="45" name="Afgeronde rechthoek 44"/>
-          <p:cNvSpPr/>
-          <p:nvPr/>
-        </p:nvSpPr>
-        <p:spPr>
-          <a:xfrm>
-            <a:off x="7129005" y="4326820"/>
-            <a:ext cx="1476375" cy="762000"/>
-          </a:xfrm>
-          <a:prstGeom prst="roundRect">
-            <a:avLst/>
-          </a:prstGeom>
-        </p:spPr>
-        <p:style>
-          <a:lnRef idx="1">
-            <a:schemeClr val="accent2"/>
-          </a:lnRef>
-          <a:fillRef idx="2">
-            <a:schemeClr val="accent2"/>
-          </a:fillRef>
-          <a:effectRef idx="1">
-            <a:schemeClr val="accent2"/>
-          </a:effectRef>
-          <a:fontRef idx="minor">
-            <a:schemeClr val="dk1"/>
-          </a:fontRef>
-        </p:style>
-        <p:txBody>
-          <a:bodyPr rtlCol="0" anchor="ctr"/>
-          <a:lstStyle/>
-          <a:p>
-            <a:pPr marL="466725" algn="ctr"/>
-            <a:r>
-              <a:rPr lang="nl-NL" sz="1350" dirty="0"/>
-              <a:t>RDF</a:t>
-            </a:r>
-          </a:p>
-          <a:p>
-            <a:pPr marL="466725" algn="ctr"/>
-            <a:r>
-              <a:rPr lang="nl-NL" sz="1350" dirty="0"/>
-              <a:t>data</a:t>
-            </a:r>
-          </a:p>
-        </p:txBody>
-      </p:sp>
-      <p:pic>
-        <p:nvPicPr>
-          <p:cNvPr id="49" name="Afbeelding 48"/>
-          <p:cNvPicPr>
-            <a:picLocks noChangeAspect="1"/>
-          </p:cNvPicPr>
-          <p:nvPr/>
-        </p:nvPicPr>
-        <p:blipFill>
-          <a:blip r:embed="rId2" cstate="print">
-            <a:extLst>
-              <a:ext uri="{28A0092B-C50C-407E-A947-70E740481C1C}">
-                <a14:useLocalDpi xmlns:a14="http://schemas.microsoft.com/office/drawing/2010/main" val="0"/>
-              </a:ext>
-            </a:extLst>
-          </a:blip>
-          <a:stretch>
-            <a:fillRect/>
-          </a:stretch>
-        </p:blipFill>
-        <p:spPr>
-          <a:xfrm>
-            <a:off x="7238389" y="4467405"/>
-            <a:ext cx="440456" cy="480829"/>
-          </a:xfrm>
-          <a:prstGeom prst="rect">
-            <a:avLst/>
-          </a:prstGeom>
-        </p:spPr>
-      </p:pic>
-      <p:cxnSp>
-        <p:nvCxnSpPr>
-          <p:cNvPr id="50" name="Rechte verbindingslijn met pijl 49"/>
-          <p:cNvCxnSpPr>
-            <a:stCxn id="37" idx="0"/>
-            <a:endCxn id="3" idx="2"/>
-          </p:cNvCxnSpPr>
-          <p:nvPr/>
-        </p:nvCxnSpPr>
-        <p:spPr>
-          <a:xfrm flipV="1">
-            <a:off x="995363" y="2400667"/>
-            <a:ext cx="0" cy="639911"/>
-          </a:xfrm>
-          <a:prstGeom prst="straightConnector1">
-            <a:avLst/>
-          </a:prstGeom>
-          <a:ln w="19050">
-            <a:tailEnd type="triangle"/>
-          </a:ln>
-        </p:spPr>
-        <p:style>
-          <a:lnRef idx="1">
-            <a:schemeClr val="accent1"/>
-          </a:lnRef>
-          <a:fillRef idx="0">
-            <a:schemeClr val="accent1"/>
-          </a:fillRef>
-          <a:effectRef idx="0">
-            <a:schemeClr val="accent1"/>
-          </a:effectRef>
-          <a:fontRef idx="minor">
-            <a:schemeClr val="tx1"/>
-          </a:fontRef>
-        </p:style>
-      </p:cxnSp>
-      <p:cxnSp>
-        <p:nvCxnSpPr>
-          <p:cNvPr id="51" name="Rechte verbindingslijn met pijl 50"/>
-          <p:cNvCxnSpPr>
-            <a:stCxn id="41" idx="0"/>
-            <a:endCxn id="37" idx="2"/>
-          </p:cNvCxnSpPr>
-          <p:nvPr/>
-        </p:nvCxnSpPr>
-        <p:spPr>
-          <a:xfrm flipV="1">
-            <a:off x="995363" y="3802578"/>
-            <a:ext cx="0" cy="524242"/>
-          </a:xfrm>
-          <a:prstGeom prst="straightConnector1">
-            <a:avLst/>
-          </a:prstGeom>
-          <a:ln w="19050">
-            <a:tailEnd type="triangle"/>
-          </a:ln>
-        </p:spPr>
-        <p:style>
-          <a:lnRef idx="1">
-            <a:schemeClr val="accent1"/>
-          </a:lnRef>
-          <a:fillRef idx="0">
-            <a:schemeClr val="accent1"/>
-          </a:fillRef>
-          <a:effectRef idx="0">
-            <a:schemeClr val="accent1"/>
-          </a:effectRef>
-          <a:fontRef idx="minor">
-            <a:schemeClr val="tx1"/>
-          </a:fontRef>
-        </p:style>
-      </p:cxnSp>
-      <p:sp>
-        <p:nvSpPr>
-          <p:cNvPr id="52" name="Tekstvak 51"/>
-          <p:cNvSpPr txBox="1"/>
-          <p:nvPr/>
-        </p:nvSpPr>
-        <p:spPr>
-          <a:xfrm>
-            <a:off x="995090" y="2645107"/>
-            <a:ext cx="880369" cy="253916"/>
-          </a:xfrm>
-          <a:prstGeom prst="rect">
-            <a:avLst/>
-          </a:prstGeom>
-          <a:noFill/>
-        </p:spPr>
-        <p:txBody>
-          <a:bodyPr wrap="none" rtlCol="0">
-            <a:spAutoFit/>
-          </a:bodyPr>
-          <a:lstStyle/>
-          <a:p>
-            <a:r>
-              <a:rPr lang="nl-NL" sz="1050" i="1" dirty="0" err="1"/>
-              <a:t>derived</a:t>
-            </a:r>
-            <a:r>
-              <a:rPr lang="nl-NL" sz="1050" i="1" dirty="0"/>
-              <a:t> </a:t>
-            </a:r>
-            <a:r>
-              <a:rPr lang="nl-NL" sz="1050" i="1" dirty="0" err="1"/>
-              <a:t>from</a:t>
-            </a:r>
-            <a:endParaRPr lang="nl-NL" sz="1050" i="1" dirty="0"/>
-          </a:p>
-        </p:txBody>
-      </p:sp>
-      <p:sp>
-        <p:nvSpPr>
-          <p:cNvPr id="57" name="Tekstvak 56"/>
-          <p:cNvSpPr txBox="1"/>
-          <p:nvPr/>
-        </p:nvSpPr>
-        <p:spPr>
-          <a:xfrm>
-            <a:off x="995090" y="3949282"/>
-            <a:ext cx="838691" cy="253916"/>
-          </a:xfrm>
-          <a:prstGeom prst="rect">
-            <a:avLst/>
-          </a:prstGeom>
-          <a:noFill/>
-        </p:spPr>
-        <p:txBody>
-          <a:bodyPr wrap="none" rtlCol="0">
-            <a:spAutoFit/>
-          </a:bodyPr>
-          <a:lstStyle/>
-          <a:p>
-            <a:r>
-              <a:rPr lang="nl-NL" sz="1050" i="1" dirty="0"/>
-              <a:t>conforms </a:t>
-            </a:r>
-            <a:r>
-              <a:rPr lang="nl-NL" sz="1050" i="1" dirty="0" err="1"/>
-              <a:t>to</a:t>
-            </a:r>
-            <a:endParaRPr lang="nl-NL" sz="1050" i="1" dirty="0"/>
-          </a:p>
-        </p:txBody>
-      </p:sp>
-      <p:cxnSp>
-        <p:nvCxnSpPr>
-          <p:cNvPr id="58" name="Rechte verbindingslijn met pijl 57"/>
-          <p:cNvCxnSpPr>
-            <a:stCxn id="45" idx="0"/>
-            <a:endCxn id="20" idx="2"/>
-          </p:cNvCxnSpPr>
-          <p:nvPr/>
-        </p:nvCxnSpPr>
-        <p:spPr>
-          <a:xfrm flipV="1">
-            <a:off x="7867193" y="2386195"/>
-            <a:ext cx="0" cy="1940625"/>
-          </a:xfrm>
-          <a:prstGeom prst="straightConnector1">
-            <a:avLst/>
-          </a:prstGeom>
-          <a:ln w="19050">
-            <a:tailEnd type="triangle"/>
-          </a:ln>
-        </p:spPr>
-        <p:style>
-          <a:lnRef idx="1">
-            <a:schemeClr val="accent1"/>
-          </a:lnRef>
-          <a:fillRef idx="0">
-            <a:schemeClr val="accent1"/>
-          </a:fillRef>
-          <a:effectRef idx="0">
-            <a:schemeClr val="accent1"/>
-          </a:effectRef>
-          <a:fontRef idx="minor">
-            <a:schemeClr val="tx1"/>
-          </a:fontRef>
-        </p:style>
-      </p:cxnSp>
-      <p:sp>
-        <p:nvSpPr>
-          <p:cNvPr id="61" name="Tekstvak 60"/>
-          <p:cNvSpPr txBox="1"/>
-          <p:nvPr/>
-        </p:nvSpPr>
-        <p:spPr>
-          <a:xfrm>
-            <a:off x="6927770" y="3929225"/>
-            <a:ext cx="838691" cy="253916"/>
-          </a:xfrm>
-          <a:prstGeom prst="rect">
-            <a:avLst/>
-          </a:prstGeom>
-          <a:noFill/>
-        </p:spPr>
-        <p:txBody>
-          <a:bodyPr wrap="none" rtlCol="0">
-            <a:spAutoFit/>
-          </a:bodyPr>
-          <a:lstStyle/>
-          <a:p>
-            <a:r>
-              <a:rPr lang="nl-NL" sz="1050" i="1" dirty="0"/>
-              <a:t>conforms </a:t>
-            </a:r>
-            <a:r>
-              <a:rPr lang="nl-NL" sz="1050" i="1" dirty="0" err="1"/>
-              <a:t>to</a:t>
-            </a:r>
-            <a:endParaRPr lang="nl-NL" sz="1050" i="1" dirty="0"/>
-          </a:p>
-        </p:txBody>
-      </p:sp>
-      <p:sp>
-        <p:nvSpPr>
-          <p:cNvPr id="63" name="Vijfhoek 62"/>
-          <p:cNvSpPr/>
-          <p:nvPr/>
-        </p:nvSpPr>
-        <p:spPr>
-          <a:xfrm>
-            <a:off x="3648076" y="4326820"/>
-            <a:ext cx="1476374" cy="762000"/>
-          </a:xfrm>
-          <a:prstGeom prst="homePlate">
-            <a:avLst/>
-          </a:prstGeom>
-        </p:spPr>
-        <p:style>
-          <a:lnRef idx="0">
-            <a:schemeClr val="dk1"/>
-          </a:lnRef>
-          <a:fillRef idx="3">
-            <a:schemeClr val="dk1"/>
-          </a:fillRef>
-          <a:effectRef idx="3">
-            <a:schemeClr val="dk1"/>
-          </a:effectRef>
-          <a:fontRef idx="minor">
-            <a:schemeClr val="lt1"/>
-          </a:fontRef>
-        </p:style>
-        <p:txBody>
-          <a:bodyPr rtlCol="0" anchor="ctr"/>
-          <a:lstStyle/>
-          <a:p>
-            <a:pPr algn="ctr"/>
-            <a:r>
-              <a:rPr lang="nl-NL" sz="1350" dirty="0" err="1"/>
-              <a:t>Automated</a:t>
-            </a:r>
-            <a:r>
-              <a:rPr lang="nl-NL" sz="1350" dirty="0"/>
-              <a:t> </a:t>
-            </a:r>
-            <a:r>
-              <a:rPr lang="nl-NL" sz="1350" dirty="0" err="1"/>
-              <a:t>conversion</a:t>
-            </a:r>
-            <a:endParaRPr lang="nl-NL" sz="1350" dirty="0"/>
-          </a:p>
-        </p:txBody>
-      </p:sp>
-      <p:sp>
-        <p:nvSpPr>
-          <p:cNvPr id="64" name="PIJL-RECHTS 63"/>
-          <p:cNvSpPr/>
-          <p:nvPr/>
-        </p:nvSpPr>
-        <p:spPr>
-          <a:xfrm>
-            <a:off x="1847849" y="4510084"/>
-            <a:ext cx="1724025" cy="395471"/>
-          </a:xfrm>
-          <a:prstGeom prst="rightArrow">
-            <a:avLst/>
-          </a:prstGeom>
-        </p:spPr>
-        <p:style>
-          <a:lnRef idx="1">
-            <a:schemeClr val="accent2"/>
-          </a:lnRef>
-          <a:fillRef idx="2">
-            <a:schemeClr val="accent2"/>
-          </a:fillRef>
-          <a:effectRef idx="1">
-            <a:schemeClr val="accent2"/>
-          </a:effectRef>
-          <a:fontRef idx="minor">
-            <a:schemeClr val="dk1"/>
-          </a:fontRef>
-        </p:style>
-        <p:txBody>
-          <a:bodyPr rtlCol="0" anchor="ctr"/>
-          <a:lstStyle/>
-          <a:p>
-            <a:pPr algn="ctr"/>
-            <a:r>
-              <a:rPr lang="nl-NL" sz="1350" dirty="0"/>
-              <a:t>input</a:t>
-            </a:r>
-          </a:p>
-        </p:txBody>
-      </p:sp>
-      <p:sp>
-        <p:nvSpPr>
-          <p:cNvPr id="65" name="PIJL-RECHTS 64"/>
-          <p:cNvSpPr/>
-          <p:nvPr/>
-        </p:nvSpPr>
-        <p:spPr>
-          <a:xfrm>
-            <a:off x="5237444" y="4489797"/>
-            <a:ext cx="1724025" cy="395471"/>
-          </a:xfrm>
-          <a:prstGeom prst="rightArrow">
-            <a:avLst/>
-          </a:prstGeom>
-        </p:spPr>
-        <p:style>
-          <a:lnRef idx="1">
-            <a:schemeClr val="accent2"/>
-          </a:lnRef>
-          <a:fillRef idx="2">
-            <a:schemeClr val="accent2"/>
-          </a:fillRef>
-          <a:effectRef idx="1">
-            <a:schemeClr val="accent2"/>
-          </a:effectRef>
-          <a:fontRef idx="minor">
-            <a:schemeClr val="dk1"/>
-          </a:fontRef>
-        </p:style>
-        <p:txBody>
-          <a:bodyPr rtlCol="0" anchor="ctr"/>
-          <a:lstStyle/>
-          <a:p>
-            <a:pPr algn="ctr"/>
-            <a:r>
-              <a:rPr lang="nl-NL" sz="1350" dirty="0"/>
-              <a:t>output</a:t>
-            </a:r>
-          </a:p>
-        </p:txBody>
-      </p:sp>
-      <p:pic>
-        <p:nvPicPr>
-          <p:cNvPr id="73" name="Afbeelding 72"/>
-          <p:cNvPicPr>
-            <a:picLocks noChangeAspect="1"/>
-          </p:cNvPicPr>
-          <p:nvPr/>
-        </p:nvPicPr>
-        <p:blipFill>
-          <a:blip r:embed="rId2" cstate="print">
-            <a:extLst>
-              <a:ext uri="{28A0092B-C50C-407E-A947-70E740481C1C}">
-                <a14:useLocalDpi xmlns:a14="http://schemas.microsoft.com/office/drawing/2010/main" val="0"/>
-              </a:ext>
-            </a:extLst>
-          </a:blip>
-          <a:stretch>
-            <a:fillRect/>
-          </a:stretch>
-        </p:blipFill>
-        <p:spPr>
-          <a:xfrm>
-            <a:off x="3757459" y="2963140"/>
-            <a:ext cx="440456" cy="480829"/>
-          </a:xfrm>
-          <a:prstGeom prst="rect">
-            <a:avLst/>
-          </a:prstGeom>
-        </p:spPr>
-      </p:pic>
-      <p:cxnSp>
-        <p:nvCxnSpPr>
-          <p:cNvPr id="79" name="Rechte verbindingslijn met pijl 78"/>
-          <p:cNvCxnSpPr/>
-          <p:nvPr/>
-        </p:nvCxnSpPr>
-        <p:spPr>
-          <a:xfrm>
-            <a:off x="1536551" y="2181775"/>
-            <a:ext cx="2220908" cy="2075900"/>
-          </a:xfrm>
-          <a:prstGeom prst="straightConnector1">
-            <a:avLst/>
-          </a:prstGeom>
-          <a:ln w="19050">
-            <a:tailEnd type="triangle"/>
-          </a:ln>
-        </p:spPr>
-        <p:style>
-          <a:lnRef idx="1">
-            <a:schemeClr val="accent1"/>
-          </a:lnRef>
-          <a:fillRef idx="0">
-            <a:schemeClr val="accent1"/>
-          </a:fillRef>
-          <a:effectRef idx="0">
-            <a:schemeClr val="accent1"/>
-          </a:effectRef>
-          <a:fontRef idx="minor">
-            <a:schemeClr val="tx1"/>
-          </a:fontRef>
-        </p:style>
-      </p:cxnSp>
-      <p:cxnSp>
-        <p:nvCxnSpPr>
-          <p:cNvPr id="88" name="Rechte verbindingslijn met pijl 87"/>
-          <p:cNvCxnSpPr>
-            <a:stCxn id="8" idx="2"/>
-            <a:endCxn id="72" idx="0"/>
-          </p:cNvCxnSpPr>
-          <p:nvPr/>
-        </p:nvCxnSpPr>
-        <p:spPr>
-          <a:xfrm>
-            <a:off x="4386263" y="2386197"/>
-            <a:ext cx="0" cy="436358"/>
-          </a:xfrm>
-          <a:prstGeom prst="straightConnector1">
-            <a:avLst/>
-          </a:prstGeom>
-          <a:ln w="19050">
-            <a:tailEnd type="triangle"/>
-          </a:ln>
-        </p:spPr>
-        <p:style>
-          <a:lnRef idx="1">
-            <a:schemeClr val="accent1"/>
-          </a:lnRef>
-          <a:fillRef idx="0">
-            <a:schemeClr val="accent1"/>
-          </a:fillRef>
-          <a:effectRef idx="0">
-            <a:schemeClr val="accent1"/>
-          </a:effectRef>
-          <a:fontRef idx="minor">
-            <a:schemeClr val="tx1"/>
-          </a:fontRef>
-        </p:style>
-      </p:cxnSp>
-      <p:sp>
-        <p:nvSpPr>
-          <p:cNvPr id="95" name="Tekstvak 94"/>
-          <p:cNvSpPr txBox="1"/>
-          <p:nvPr/>
-        </p:nvSpPr>
-        <p:spPr>
-          <a:xfrm>
-            <a:off x="3611975" y="2411365"/>
-            <a:ext cx="838691" cy="253916"/>
-          </a:xfrm>
-          <a:prstGeom prst="rect">
-            <a:avLst/>
-          </a:prstGeom>
-          <a:noFill/>
-        </p:spPr>
-        <p:txBody>
-          <a:bodyPr wrap="none" rtlCol="0">
-            <a:spAutoFit/>
-          </a:bodyPr>
-          <a:lstStyle/>
-          <a:p>
-            <a:r>
-              <a:rPr lang="nl-NL" sz="1050" i="1" dirty="0"/>
-              <a:t>conforms </a:t>
-            </a:r>
-            <a:r>
-              <a:rPr lang="nl-NL" sz="1050" i="1" dirty="0" err="1"/>
-              <a:t>to</a:t>
-            </a:r>
-            <a:endParaRPr lang="nl-NL" sz="1050" i="1" dirty="0"/>
-          </a:p>
-        </p:txBody>
-      </p:sp>
-      <p:sp>
-        <p:nvSpPr>
-          <p:cNvPr id="96" name="Tekstvak 95"/>
-          <p:cNvSpPr txBox="1"/>
-          <p:nvPr/>
-        </p:nvSpPr>
-        <p:spPr>
-          <a:xfrm>
-            <a:off x="5355405" y="2341481"/>
-            <a:ext cx="853119" cy="253916"/>
-          </a:xfrm>
-          <a:prstGeom prst="rect">
-            <a:avLst/>
-          </a:prstGeom>
-          <a:noFill/>
-        </p:spPr>
-        <p:txBody>
-          <a:bodyPr wrap="none" rtlCol="0">
-            <a:spAutoFit/>
-          </a:bodyPr>
-          <a:lstStyle/>
-          <a:p>
-            <a:r>
-              <a:rPr lang="nl-NL" sz="1050" i="1" dirty="0"/>
-              <a:t>conforms </a:t>
-            </a:r>
-            <a:r>
-              <a:rPr lang="nl-NL" sz="1050" i="1" dirty="0" err="1"/>
-              <a:t>to</a:t>
-            </a:r>
-            <a:endParaRPr lang="nl-NL" sz="1050" i="1" dirty="0"/>
-          </a:p>
-        </p:txBody>
-      </p:sp>
-      <p:sp>
-        <p:nvSpPr>
-          <p:cNvPr id="97" name="Tekstvak 96"/>
-          <p:cNvSpPr txBox="1"/>
-          <p:nvPr/>
-        </p:nvSpPr>
-        <p:spPr>
-          <a:xfrm>
-            <a:off x="3524697" y="3905496"/>
-            <a:ext cx="470000" cy="253916"/>
-          </a:xfrm>
-          <a:prstGeom prst="rect">
-            <a:avLst/>
-          </a:prstGeom>
-          <a:noFill/>
-        </p:spPr>
-        <p:txBody>
-          <a:bodyPr wrap="none" rtlCol="0">
-            <a:spAutoFit/>
-          </a:bodyPr>
-          <a:lstStyle/>
-          <a:p>
-            <a:r>
-              <a:rPr lang="nl-NL" sz="1050" i="1" dirty="0"/>
-              <a:t>Input</a:t>
-            </a:r>
-          </a:p>
-        </p:txBody>
-      </p:sp>
-      <p:sp>
-        <p:nvSpPr>
-          <p:cNvPr id="98" name="Tekstvak 97"/>
-          <p:cNvSpPr txBox="1"/>
-          <p:nvPr/>
-        </p:nvSpPr>
-        <p:spPr>
-          <a:xfrm>
-            <a:off x="4593613" y="3885326"/>
-            <a:ext cx="500458" cy="253916"/>
-          </a:xfrm>
-          <a:prstGeom prst="rect">
-            <a:avLst/>
-          </a:prstGeom>
-          <a:noFill/>
-        </p:spPr>
-        <p:txBody>
-          <a:bodyPr wrap="none" rtlCol="0">
-            <a:spAutoFit/>
-          </a:bodyPr>
-          <a:lstStyle/>
-          <a:p>
-            <a:r>
-              <a:rPr lang="nl-NL" sz="1050" i="1" dirty="0"/>
-              <a:t>Input </a:t>
-            </a:r>
-          </a:p>
-        </p:txBody>
-      </p:sp>
-      <p:grpSp>
-        <p:nvGrpSpPr>
-          <p:cNvPr id="5" name="Groep 4"/>
-          <p:cNvGrpSpPr/>
-          <p:nvPr/>
-        </p:nvGrpSpPr>
-        <p:grpSpPr>
-          <a:xfrm>
-            <a:off x="257175" y="1638667"/>
-            <a:ext cx="1476375" cy="762000"/>
-            <a:chOff x="1193800" y="1003300"/>
-            <a:chExt cx="1968500" cy="1016000"/>
-          </a:xfrm>
-        </p:grpSpPr>
-        <p:sp>
-          <p:nvSpPr>
-            <p:cNvPr id="3" name="Afgeronde rechthoek 2"/>
-            <p:cNvSpPr/>
-            <p:nvPr/>
-          </p:nvSpPr>
-          <p:spPr>
-            <a:xfrm>
-              <a:off x="1193800" y="1003300"/>
-              <a:ext cx="1968500" cy="1016000"/>
-            </a:xfrm>
-            <a:prstGeom prst="roundRect">
-              <a:avLst/>
-            </a:prstGeom>
-          </p:spPr>
-          <p:style>
-            <a:lnRef idx="1">
-              <a:schemeClr val="accent1"/>
-            </a:lnRef>
-            <a:fillRef idx="2">
-              <a:schemeClr val="accent1"/>
-            </a:fillRef>
-            <a:effectRef idx="1">
-              <a:schemeClr val="accent1"/>
-            </a:effectRef>
-            <a:fontRef idx="minor">
-              <a:schemeClr val="dk1"/>
-            </a:fontRef>
-          </p:style>
-          <p:txBody>
-            <a:bodyPr rtlCol="0" anchor="ctr"/>
-            <a:lstStyle/>
-            <a:p>
-              <a:pPr marL="466725" algn="ctr"/>
-              <a:r>
-                <a:rPr lang="nl-NL" sz="1350" dirty="0"/>
-                <a:t>UML</a:t>
-              </a:r>
-            </a:p>
-            <a:p>
-              <a:pPr marL="466725" algn="ctr"/>
-              <a:r>
-                <a:rPr lang="nl-NL" sz="1350" dirty="0"/>
-                <a:t>model</a:t>
-              </a:r>
-            </a:p>
-          </p:txBody>
-        </p:sp>
-        <p:pic>
-          <p:nvPicPr>
-            <p:cNvPr id="4" name="Afbeelding 3"/>
-            <p:cNvPicPr>
-              <a:picLocks noChangeAspect="1"/>
-            </p:cNvPicPr>
-            <p:nvPr/>
-          </p:nvPicPr>
-          <p:blipFill rotWithShape="1">
-            <a:blip r:embed="rId4" cstate="print">
-              <a:extLst>
-                <a:ext uri="{28A0092B-C50C-407E-A947-70E740481C1C}">
-                  <a14:useLocalDpi xmlns:a14="http://schemas.microsoft.com/office/drawing/2010/main" val="0"/>
-                </a:ext>
-              </a:extLst>
-            </a:blip>
-            <a:srcRect l="44477"/>
-            <a:stretch/>
-          </p:blipFill>
-          <p:spPr>
-            <a:xfrm>
-              <a:off x="1308100" y="1136895"/>
-              <a:ext cx="571500" cy="748810"/>
-            </a:xfrm>
-            <a:prstGeom prst="rect">
-              <a:avLst/>
-            </a:prstGeom>
-          </p:spPr>
-        </p:pic>
-      </p:grpSp>
-      <p:pic>
-        <p:nvPicPr>
-          <p:cNvPr id="47" name="Afbeelding 46">
-            <a:extLst>
-              <a:ext uri="{FF2B5EF4-FFF2-40B4-BE49-F238E27FC236}">
-                <a16:creationId xmlns:a16="http://schemas.microsoft.com/office/drawing/2014/main" id="{C49E36C7-2059-824E-BA03-F09CA97764FA}"/>
-              </a:ext>
-            </a:extLst>
-          </p:cNvPr>
-          <p:cNvPicPr>
-            <a:picLocks noChangeAspect="1"/>
-          </p:cNvPicPr>
-          <p:nvPr/>
-        </p:nvPicPr>
-        <p:blipFill>
-          <a:blip r:embed="rId5">
-            <a:extLst>
-              <a:ext uri="{28A0092B-C50C-407E-A947-70E740481C1C}">
-                <a14:useLocalDpi xmlns:a14="http://schemas.microsoft.com/office/drawing/2010/main" val="0"/>
-              </a:ext>
-            </a:extLst>
-          </a:blip>
-          <a:stretch>
-            <a:fillRect/>
-          </a:stretch>
-        </p:blipFill>
-        <p:spPr>
-          <a:xfrm>
-            <a:off x="251521" y="568800"/>
-            <a:ext cx="1475655" cy="679592"/>
-          </a:xfrm>
-          <a:prstGeom prst="rect">
-            <a:avLst/>
-          </a:prstGeom>
-        </p:spPr>
-      </p:pic>
-    </p:spTree>
-    <p:extLst>
-      <p:ext uri="{BB962C8B-B14F-4D97-AF65-F5344CB8AC3E}">
-        <p14:creationId xmlns:p14="http://schemas.microsoft.com/office/powerpoint/2010/main" val="2622629584"/>
       </p:ext>
     </p:extLst>
   </p:cSld>
@@ -20267,6 +18946,1681 @@
           <a:chExt cx="0" cy="0"/>
         </a:xfrm>
       </p:grpSpPr>
+      <p:cxnSp>
+        <p:nvCxnSpPr>
+          <p:cNvPr id="82" name="Rechte verbindingslijn met pijl 81"/>
+          <p:cNvCxnSpPr/>
+          <p:nvPr/>
+        </p:nvCxnSpPr>
+        <p:spPr>
+          <a:xfrm flipH="1">
+            <a:off x="4158419" y="3215518"/>
+            <a:ext cx="140228" cy="1042157"/>
+          </a:xfrm>
+          <a:prstGeom prst="straightConnector1">
+            <a:avLst/>
+          </a:prstGeom>
+          <a:ln w="19050">
+            <a:tailEnd type="triangle"/>
+          </a:ln>
+        </p:spPr>
+        <p:style>
+          <a:lnRef idx="1">
+            <a:schemeClr val="accent1"/>
+          </a:lnRef>
+          <a:fillRef idx="0">
+            <a:schemeClr val="accent1"/>
+          </a:fillRef>
+          <a:effectRef idx="0">
+            <a:schemeClr val="accent1"/>
+          </a:effectRef>
+          <a:fontRef idx="minor">
+            <a:schemeClr val="tx1"/>
+          </a:fontRef>
+        </p:style>
+      </p:cxnSp>
+      <p:sp>
+        <p:nvSpPr>
+          <p:cNvPr id="72" name="Afgeronde rechthoek 71"/>
+          <p:cNvSpPr/>
+          <p:nvPr/>
+        </p:nvSpPr>
+        <p:spPr>
+          <a:xfrm>
+            <a:off x="3648075" y="2822555"/>
+            <a:ext cx="1476375" cy="762000"/>
+          </a:xfrm>
+          <a:prstGeom prst="roundRect">
+            <a:avLst/>
+          </a:prstGeom>
+        </p:spPr>
+        <p:style>
+          <a:lnRef idx="1">
+            <a:schemeClr val="accent3"/>
+          </a:lnRef>
+          <a:fillRef idx="2">
+            <a:schemeClr val="accent3"/>
+          </a:fillRef>
+          <a:effectRef idx="1">
+            <a:schemeClr val="accent3"/>
+          </a:effectRef>
+          <a:fontRef idx="minor">
+            <a:schemeClr val="dk1"/>
+          </a:fontRef>
+        </p:style>
+        <p:txBody>
+          <a:bodyPr rtlCol="0" anchor="ctr"/>
+          <a:lstStyle/>
+          <a:p>
+            <a:pPr marL="400050" algn="ctr"/>
+            <a:r>
+              <a:rPr lang="nl-NL" sz="1350" dirty="0"/>
+              <a:t>RDF</a:t>
+            </a:r>
+          </a:p>
+          <a:p>
+            <a:pPr marL="400050" algn="ctr"/>
+            <a:r>
+              <a:rPr lang="nl-NL" sz="1350" dirty="0" err="1"/>
+              <a:t>GeoBase</a:t>
+            </a:r>
+            <a:endParaRPr lang="nl-NL" sz="1350" dirty="0"/>
+          </a:p>
+          <a:p>
+            <a:pPr marL="400050" algn="ctr"/>
+            <a:r>
+              <a:rPr lang="nl-NL" sz="1350" dirty="0"/>
+              <a:t>metamodel</a:t>
+            </a:r>
+          </a:p>
+        </p:txBody>
+      </p:sp>
+      <p:cxnSp>
+        <p:nvCxnSpPr>
+          <p:cNvPr id="85" name="Rechte verbindingslijn met pijl 84"/>
+          <p:cNvCxnSpPr/>
+          <p:nvPr/>
+        </p:nvCxnSpPr>
+        <p:spPr>
+          <a:xfrm flipH="1">
+            <a:off x="4881259" y="2088811"/>
+            <a:ext cx="2885202" cy="2238008"/>
+          </a:xfrm>
+          <a:prstGeom prst="straightConnector1">
+            <a:avLst/>
+          </a:prstGeom>
+          <a:ln w="19050">
+            <a:tailEnd type="triangle"/>
+          </a:ln>
+        </p:spPr>
+        <p:style>
+          <a:lnRef idx="1">
+            <a:schemeClr val="accent1"/>
+          </a:lnRef>
+          <a:fillRef idx="0">
+            <a:schemeClr val="accent1"/>
+          </a:fillRef>
+          <a:effectRef idx="0">
+            <a:schemeClr val="accent1"/>
+          </a:effectRef>
+          <a:fontRef idx="minor">
+            <a:schemeClr val="tx1"/>
+          </a:fontRef>
+        </p:style>
+      </p:cxnSp>
+      <p:cxnSp>
+        <p:nvCxnSpPr>
+          <p:cNvPr id="92" name="Rechte verbindingslijn met pijl 91"/>
+          <p:cNvCxnSpPr/>
+          <p:nvPr/>
+        </p:nvCxnSpPr>
+        <p:spPr>
+          <a:xfrm flipH="1">
+            <a:off x="5124450" y="2005196"/>
+            <a:ext cx="2694918" cy="817359"/>
+          </a:xfrm>
+          <a:prstGeom prst="straightConnector1">
+            <a:avLst/>
+          </a:prstGeom>
+          <a:ln w="19050">
+            <a:tailEnd type="triangle"/>
+          </a:ln>
+        </p:spPr>
+        <p:style>
+          <a:lnRef idx="1">
+            <a:schemeClr val="accent1"/>
+          </a:lnRef>
+          <a:fillRef idx="0">
+            <a:schemeClr val="accent1"/>
+          </a:fillRef>
+          <a:effectRef idx="0">
+            <a:schemeClr val="accent1"/>
+          </a:effectRef>
+          <a:fontRef idx="minor">
+            <a:schemeClr val="tx1"/>
+          </a:fontRef>
+        </p:style>
+      </p:cxnSp>
+      <p:sp>
+        <p:nvSpPr>
+          <p:cNvPr id="6" name="Wolkvormige toelichting 5"/>
+          <p:cNvSpPr/>
+          <p:nvPr/>
+        </p:nvSpPr>
+        <p:spPr>
+          <a:xfrm>
+            <a:off x="1962150" y="85725"/>
+            <a:ext cx="1581150" cy="771525"/>
+          </a:xfrm>
+          <a:prstGeom prst="cloudCallout">
+            <a:avLst>
+              <a:gd name="adj1" fmla="val -120833"/>
+              <a:gd name="adj2" fmla="val 229167"/>
+            </a:avLst>
+          </a:prstGeom>
+        </p:spPr>
+        <p:style>
+          <a:lnRef idx="1">
+            <a:schemeClr val="accent6"/>
+          </a:lnRef>
+          <a:fillRef idx="2">
+            <a:schemeClr val="accent6"/>
+          </a:fillRef>
+          <a:effectRef idx="1">
+            <a:schemeClr val="accent6"/>
+          </a:effectRef>
+          <a:fontRef idx="minor">
+            <a:schemeClr val="dk1"/>
+          </a:fontRef>
+        </p:style>
+        <p:txBody>
+          <a:bodyPr rtlCol="0" anchor="ctr"/>
+          <a:lstStyle/>
+          <a:p>
+            <a:pPr algn="ctr"/>
+            <a:r>
+              <a:rPr lang="nl-NL" sz="1350" dirty="0" err="1"/>
+              <a:t>Universe</a:t>
+            </a:r>
+            <a:r>
+              <a:rPr lang="nl-NL" sz="1350" dirty="0"/>
+              <a:t> of Discourse</a:t>
+            </a:r>
+          </a:p>
+          <a:p>
+            <a:pPr algn="ctr"/>
+            <a:r>
+              <a:rPr lang="nl-NL" sz="1350" dirty="0"/>
+              <a:t>(</a:t>
+            </a:r>
+            <a:r>
+              <a:rPr lang="nl-NL" sz="1350" dirty="0" err="1"/>
+              <a:t>UoD</a:t>
+            </a:r>
+            <a:r>
+              <a:rPr lang="nl-NL" sz="1350" dirty="0"/>
+              <a:t>)</a:t>
+            </a:r>
+          </a:p>
+        </p:txBody>
+      </p:sp>
+      <p:sp>
+        <p:nvSpPr>
+          <p:cNvPr id="12" name="Rechthoek 11"/>
+          <p:cNvSpPr/>
+          <p:nvPr/>
+        </p:nvSpPr>
+        <p:spPr>
+          <a:xfrm>
+            <a:off x="1638300" y="1114425"/>
+            <a:ext cx="542925" cy="381000"/>
+          </a:xfrm>
+          <a:prstGeom prst="rect">
+            <a:avLst/>
+          </a:prstGeom>
+          <a:solidFill>
+            <a:schemeClr val="bg1"/>
+          </a:solidFill>
+          <a:ln>
+            <a:solidFill>
+              <a:schemeClr val="bg1"/>
+            </a:solidFill>
+          </a:ln>
+        </p:spPr>
+        <p:style>
+          <a:lnRef idx="2">
+            <a:schemeClr val="accent1">
+              <a:shade val="50000"/>
+            </a:schemeClr>
+          </a:lnRef>
+          <a:fillRef idx="1">
+            <a:schemeClr val="accent1"/>
+          </a:fillRef>
+          <a:effectRef idx="0">
+            <a:schemeClr val="accent1"/>
+          </a:effectRef>
+          <a:fontRef idx="minor">
+            <a:schemeClr val="lt1"/>
+          </a:fontRef>
+        </p:style>
+        <p:txBody>
+          <a:bodyPr rtlCol="0" anchor="ctr"/>
+          <a:lstStyle/>
+          <a:p>
+            <a:pPr algn="ctr"/>
+            <a:endParaRPr lang="nl-NL" sz="1350"/>
+          </a:p>
+        </p:txBody>
+      </p:sp>
+      <p:cxnSp>
+        <p:nvCxnSpPr>
+          <p:cNvPr id="14" name="Rechte verbindingslijn met pijl 13"/>
+          <p:cNvCxnSpPr/>
+          <p:nvPr/>
+        </p:nvCxnSpPr>
+        <p:spPr>
+          <a:xfrm flipV="1">
+            <a:off x="1085850" y="857250"/>
+            <a:ext cx="1171575" cy="1147946"/>
+          </a:xfrm>
+          <a:prstGeom prst="straightConnector1">
+            <a:avLst/>
+          </a:prstGeom>
+          <a:ln w="19050">
+            <a:tailEnd type="triangle"/>
+          </a:ln>
+        </p:spPr>
+        <p:style>
+          <a:lnRef idx="1">
+            <a:schemeClr val="accent1"/>
+          </a:lnRef>
+          <a:fillRef idx="0">
+            <a:schemeClr val="accent1"/>
+          </a:fillRef>
+          <a:effectRef idx="0">
+            <a:schemeClr val="accent1"/>
+          </a:effectRef>
+          <a:fontRef idx="minor">
+            <a:schemeClr val="tx1"/>
+          </a:fontRef>
+        </p:style>
+      </p:cxnSp>
+      <p:cxnSp>
+        <p:nvCxnSpPr>
+          <p:cNvPr id="16" name="Rechte verbindingslijn met pijl 15"/>
+          <p:cNvCxnSpPr/>
+          <p:nvPr/>
+        </p:nvCxnSpPr>
+        <p:spPr>
+          <a:xfrm flipH="1" flipV="1">
+            <a:off x="3648075" y="552450"/>
+            <a:ext cx="4171293" cy="1362075"/>
+          </a:xfrm>
+          <a:prstGeom prst="straightConnector1">
+            <a:avLst/>
+          </a:prstGeom>
+          <a:ln w="19050">
+            <a:tailEnd type="triangle"/>
+          </a:ln>
+        </p:spPr>
+        <p:style>
+          <a:lnRef idx="1">
+            <a:schemeClr val="accent1"/>
+          </a:lnRef>
+          <a:fillRef idx="0">
+            <a:schemeClr val="accent1"/>
+          </a:fillRef>
+          <a:effectRef idx="0">
+            <a:schemeClr val="accent1"/>
+          </a:effectRef>
+          <a:fontRef idx="minor">
+            <a:schemeClr val="tx1"/>
+          </a:fontRef>
+        </p:style>
+      </p:cxnSp>
+      <p:sp>
+        <p:nvSpPr>
+          <p:cNvPr id="17" name="Tekstvak 16"/>
+          <p:cNvSpPr txBox="1"/>
+          <p:nvPr/>
+        </p:nvSpPr>
+        <p:spPr>
+          <a:xfrm>
+            <a:off x="2017323" y="971183"/>
+            <a:ext cx="663964" cy="253916"/>
+          </a:xfrm>
+          <a:prstGeom prst="rect">
+            <a:avLst/>
+          </a:prstGeom>
+          <a:noFill/>
+        </p:spPr>
+        <p:txBody>
+          <a:bodyPr wrap="none" rtlCol="0">
+            <a:spAutoFit/>
+          </a:bodyPr>
+          <a:lstStyle/>
+          <a:p>
+            <a:r>
+              <a:rPr lang="nl-NL" sz="1050" i="1" dirty="0"/>
+              <a:t>model of</a:t>
+            </a:r>
+          </a:p>
+        </p:txBody>
+      </p:sp>
+      <p:sp>
+        <p:nvSpPr>
+          <p:cNvPr id="18" name="Tekstvak 17"/>
+          <p:cNvSpPr txBox="1"/>
+          <p:nvPr/>
+        </p:nvSpPr>
+        <p:spPr>
+          <a:xfrm>
+            <a:off x="5442819" y="883592"/>
+            <a:ext cx="663964" cy="253916"/>
+          </a:xfrm>
+          <a:prstGeom prst="rect">
+            <a:avLst/>
+          </a:prstGeom>
+          <a:noFill/>
+        </p:spPr>
+        <p:txBody>
+          <a:bodyPr wrap="none" rtlCol="0">
+            <a:spAutoFit/>
+          </a:bodyPr>
+          <a:lstStyle/>
+          <a:p>
+            <a:r>
+              <a:rPr lang="nl-NL" sz="1050" i="1" dirty="0"/>
+              <a:t>model of</a:t>
+            </a:r>
+          </a:p>
+        </p:txBody>
+      </p:sp>
+      <p:sp>
+        <p:nvSpPr>
+          <p:cNvPr id="19" name="PIJL-RECHTS 18"/>
+          <p:cNvSpPr/>
+          <p:nvPr/>
+        </p:nvSpPr>
+        <p:spPr>
+          <a:xfrm>
+            <a:off x="1819275" y="1821931"/>
+            <a:ext cx="1724025" cy="395471"/>
+          </a:xfrm>
+          <a:prstGeom prst="rightArrow">
+            <a:avLst/>
+          </a:prstGeom>
+        </p:spPr>
+        <p:style>
+          <a:lnRef idx="2">
+            <a:schemeClr val="accent1">
+              <a:shade val="50000"/>
+            </a:schemeClr>
+          </a:lnRef>
+          <a:fillRef idx="1">
+            <a:schemeClr val="accent1"/>
+          </a:fillRef>
+          <a:effectRef idx="0">
+            <a:schemeClr val="accent1"/>
+          </a:effectRef>
+          <a:fontRef idx="minor">
+            <a:schemeClr val="lt1"/>
+          </a:fontRef>
+        </p:style>
+        <p:txBody>
+          <a:bodyPr rtlCol="0" anchor="ctr"/>
+          <a:lstStyle/>
+          <a:p>
+            <a:pPr algn="ctr"/>
+            <a:r>
+              <a:rPr lang="nl-NL" sz="1200" dirty="0" err="1"/>
+              <a:t>autom</a:t>
+            </a:r>
+            <a:r>
+              <a:rPr lang="nl-NL" sz="1200" dirty="0"/>
+              <a:t>. </a:t>
+            </a:r>
+            <a:r>
+              <a:rPr lang="nl-NL" sz="1200" dirty="0" err="1"/>
+              <a:t>transformation</a:t>
+            </a:r>
+            <a:endParaRPr lang="nl-NL" sz="1200" dirty="0"/>
+          </a:p>
+        </p:txBody>
+      </p:sp>
+      <p:sp>
+        <p:nvSpPr>
+          <p:cNvPr id="22" name="PIJL-RECHTS 21"/>
+          <p:cNvSpPr/>
+          <p:nvPr/>
+        </p:nvSpPr>
+        <p:spPr>
+          <a:xfrm>
+            <a:off x="5264715" y="1807460"/>
+            <a:ext cx="1724025" cy="395471"/>
+          </a:xfrm>
+          <a:prstGeom prst="rightArrow">
+            <a:avLst/>
+          </a:prstGeom>
+        </p:spPr>
+        <p:style>
+          <a:lnRef idx="2">
+            <a:schemeClr val="accent1">
+              <a:shade val="50000"/>
+            </a:schemeClr>
+          </a:lnRef>
+          <a:fillRef idx="1">
+            <a:schemeClr val="accent1"/>
+          </a:fillRef>
+          <a:effectRef idx="0">
+            <a:schemeClr val="accent1"/>
+          </a:effectRef>
+          <a:fontRef idx="minor">
+            <a:schemeClr val="lt1"/>
+          </a:fontRef>
+        </p:style>
+        <p:txBody>
+          <a:bodyPr rtlCol="0" anchor="ctr"/>
+          <a:lstStyle/>
+          <a:p>
+            <a:pPr algn="ctr"/>
+            <a:r>
+              <a:rPr lang="nl-NL" sz="1200" dirty="0"/>
+              <a:t>manual </a:t>
+            </a:r>
+            <a:r>
+              <a:rPr lang="nl-NL" sz="1200" dirty="0" err="1"/>
+              <a:t>refinement</a:t>
+            </a:r>
+            <a:endParaRPr lang="nl-NL" sz="1200" dirty="0"/>
+          </a:p>
+        </p:txBody>
+      </p:sp>
+      <p:grpSp>
+        <p:nvGrpSpPr>
+          <p:cNvPr id="15" name="Groep 14"/>
+          <p:cNvGrpSpPr/>
+          <p:nvPr/>
+        </p:nvGrpSpPr>
+        <p:grpSpPr>
+          <a:xfrm>
+            <a:off x="7129005" y="1624195"/>
+            <a:ext cx="1476375" cy="762000"/>
+            <a:chOff x="6731000" y="2508495"/>
+            <a:chExt cx="1968500" cy="1016000"/>
+          </a:xfrm>
+        </p:grpSpPr>
+        <p:sp>
+          <p:nvSpPr>
+            <p:cNvPr id="20" name="Afgeronde rechthoek 19"/>
+            <p:cNvSpPr/>
+            <p:nvPr/>
+          </p:nvSpPr>
+          <p:spPr>
+            <a:xfrm>
+              <a:off x="6731000" y="2508495"/>
+              <a:ext cx="1968500" cy="1016000"/>
+            </a:xfrm>
+            <a:prstGeom prst="roundRect">
+              <a:avLst/>
+            </a:prstGeom>
+          </p:spPr>
+          <p:style>
+            <a:lnRef idx="1">
+              <a:schemeClr val="accent1"/>
+            </a:lnRef>
+            <a:fillRef idx="2">
+              <a:schemeClr val="accent1"/>
+            </a:fillRef>
+            <a:effectRef idx="1">
+              <a:schemeClr val="accent1"/>
+            </a:effectRef>
+            <a:fontRef idx="minor">
+              <a:schemeClr val="dk1"/>
+            </a:fontRef>
+          </p:style>
+          <p:txBody>
+            <a:bodyPr rtlCol="0" anchor="ctr"/>
+            <a:lstStyle/>
+            <a:p>
+              <a:pPr marL="466725" algn="ctr"/>
+              <a:r>
+                <a:rPr lang="nl-NL" sz="1350" dirty="0"/>
+                <a:t>RDF</a:t>
+              </a:r>
+            </a:p>
+            <a:p>
+              <a:pPr marL="466725" algn="ctr"/>
+              <a:r>
+                <a:rPr lang="nl-NL" sz="1350" dirty="0"/>
+                <a:t>model</a:t>
+              </a:r>
+            </a:p>
+            <a:p>
+              <a:pPr marL="466725" algn="ctr"/>
+              <a:r>
+                <a:rPr lang="nl-NL" sz="1350" dirty="0"/>
+                <a:t>#2</a:t>
+              </a:r>
+            </a:p>
+          </p:txBody>
+        </p:sp>
+        <p:pic>
+          <p:nvPicPr>
+            <p:cNvPr id="21" name="Afbeelding 20"/>
+            <p:cNvPicPr>
+              <a:picLocks noChangeAspect="1"/>
+            </p:cNvPicPr>
+            <p:nvPr/>
+          </p:nvPicPr>
+          <p:blipFill>
+            <a:blip r:embed="rId2" cstate="print">
+              <a:extLst>
+                <a:ext uri="{28A0092B-C50C-407E-A947-70E740481C1C}">
+                  <a14:useLocalDpi xmlns:a14="http://schemas.microsoft.com/office/drawing/2010/main" val="0"/>
+                </a:ext>
+              </a:extLst>
+            </a:blip>
+            <a:stretch>
+              <a:fillRect/>
+            </a:stretch>
+          </p:blipFill>
+          <p:spPr>
+            <a:xfrm>
+              <a:off x="6876845" y="2695942"/>
+              <a:ext cx="587275" cy="641105"/>
+            </a:xfrm>
+            <a:prstGeom prst="rect">
+              <a:avLst/>
+            </a:prstGeom>
+          </p:spPr>
+        </p:pic>
+      </p:grpSp>
+      <p:grpSp>
+        <p:nvGrpSpPr>
+          <p:cNvPr id="11" name="Groep 10"/>
+          <p:cNvGrpSpPr/>
+          <p:nvPr/>
+        </p:nvGrpSpPr>
+        <p:grpSpPr>
+          <a:xfrm>
+            <a:off x="3648075" y="1624196"/>
+            <a:ext cx="1476375" cy="762000"/>
+            <a:chOff x="6731000" y="2508495"/>
+            <a:chExt cx="1968500" cy="1016000"/>
+          </a:xfrm>
+        </p:grpSpPr>
+        <p:sp>
+          <p:nvSpPr>
+            <p:cNvPr id="8" name="Afgeronde rechthoek 7"/>
+            <p:cNvSpPr/>
+            <p:nvPr/>
+          </p:nvSpPr>
+          <p:spPr>
+            <a:xfrm>
+              <a:off x="6731000" y="2508495"/>
+              <a:ext cx="1968500" cy="1016000"/>
+            </a:xfrm>
+            <a:prstGeom prst="roundRect">
+              <a:avLst/>
+            </a:prstGeom>
+          </p:spPr>
+          <p:style>
+            <a:lnRef idx="1">
+              <a:schemeClr val="accent1"/>
+            </a:lnRef>
+            <a:fillRef idx="2">
+              <a:schemeClr val="accent1"/>
+            </a:fillRef>
+            <a:effectRef idx="1">
+              <a:schemeClr val="accent1"/>
+            </a:effectRef>
+            <a:fontRef idx="minor">
+              <a:schemeClr val="dk1"/>
+            </a:fontRef>
+          </p:style>
+          <p:txBody>
+            <a:bodyPr rtlCol="0" anchor="ctr"/>
+            <a:lstStyle/>
+            <a:p>
+              <a:pPr marL="466725" algn="ctr"/>
+              <a:r>
+                <a:rPr lang="nl-NL" sz="1350" dirty="0"/>
+                <a:t>RDF</a:t>
+              </a:r>
+            </a:p>
+            <a:p>
+              <a:pPr marL="466725" algn="ctr"/>
+              <a:r>
+                <a:rPr lang="nl-NL" sz="1350" dirty="0"/>
+                <a:t>model</a:t>
+              </a:r>
+            </a:p>
+            <a:p>
+              <a:pPr marL="466725" algn="ctr"/>
+              <a:r>
+                <a:rPr lang="nl-NL" sz="1350" dirty="0"/>
+                <a:t>#1</a:t>
+              </a:r>
+            </a:p>
+          </p:txBody>
+        </p:sp>
+        <p:pic>
+          <p:nvPicPr>
+            <p:cNvPr id="10" name="Afbeelding 9"/>
+            <p:cNvPicPr>
+              <a:picLocks noChangeAspect="1"/>
+            </p:cNvPicPr>
+            <p:nvPr/>
+          </p:nvPicPr>
+          <p:blipFill>
+            <a:blip r:embed="rId2" cstate="print">
+              <a:extLst>
+                <a:ext uri="{28A0092B-C50C-407E-A947-70E740481C1C}">
+                  <a14:useLocalDpi xmlns:a14="http://schemas.microsoft.com/office/drawing/2010/main" val="0"/>
+                </a:ext>
+              </a:extLst>
+            </a:blip>
+            <a:stretch>
+              <a:fillRect/>
+            </a:stretch>
+          </p:blipFill>
+          <p:spPr>
+            <a:xfrm>
+              <a:off x="6876845" y="2695942"/>
+              <a:ext cx="587275" cy="641105"/>
+            </a:xfrm>
+            <a:prstGeom prst="rect">
+              <a:avLst/>
+            </a:prstGeom>
+          </p:spPr>
+        </p:pic>
+      </p:grpSp>
+      <p:grpSp>
+        <p:nvGrpSpPr>
+          <p:cNvPr id="7" name="Groep 6"/>
+          <p:cNvGrpSpPr/>
+          <p:nvPr/>
+        </p:nvGrpSpPr>
+        <p:grpSpPr>
+          <a:xfrm>
+            <a:off x="257175" y="3040578"/>
+            <a:ext cx="1476375" cy="762000"/>
+            <a:chOff x="355600" y="4521689"/>
+            <a:chExt cx="1968500" cy="1016000"/>
+          </a:xfrm>
+        </p:grpSpPr>
+        <p:sp>
+          <p:nvSpPr>
+            <p:cNvPr id="37" name="Afgeronde rechthoek 36"/>
+            <p:cNvSpPr/>
+            <p:nvPr/>
+          </p:nvSpPr>
+          <p:spPr>
+            <a:xfrm>
+              <a:off x="355600" y="4521689"/>
+              <a:ext cx="1968500" cy="1016000"/>
+            </a:xfrm>
+            <a:prstGeom prst="roundRect">
+              <a:avLst/>
+            </a:prstGeom>
+          </p:spPr>
+          <p:style>
+            <a:lnRef idx="1">
+              <a:schemeClr val="accent1"/>
+            </a:lnRef>
+            <a:fillRef idx="2">
+              <a:schemeClr val="accent1"/>
+            </a:fillRef>
+            <a:effectRef idx="1">
+              <a:schemeClr val="accent1"/>
+            </a:effectRef>
+            <a:fontRef idx="minor">
+              <a:schemeClr val="dk1"/>
+            </a:fontRef>
+          </p:style>
+          <p:txBody>
+            <a:bodyPr rtlCol="0" anchor="ctr"/>
+            <a:lstStyle/>
+            <a:p>
+              <a:pPr marL="466725" algn="ctr"/>
+              <a:r>
+                <a:rPr lang="nl-NL" sz="1350" dirty="0"/>
+                <a:t>XSD</a:t>
+              </a:r>
+            </a:p>
+            <a:p>
+              <a:pPr marL="466725" algn="ctr"/>
+              <a:r>
+                <a:rPr lang="nl-NL" sz="1350" dirty="0"/>
+                <a:t>data</a:t>
+              </a:r>
+            </a:p>
+            <a:p>
+              <a:pPr marL="466725" algn="ctr"/>
+              <a:r>
+                <a:rPr lang="nl-NL" sz="1350" dirty="0"/>
+                <a:t>structuur</a:t>
+              </a:r>
+            </a:p>
+          </p:txBody>
+        </p:sp>
+        <p:pic>
+          <p:nvPicPr>
+            <p:cNvPr id="2" name="Afbeelding 1"/>
+            <p:cNvPicPr>
+              <a:picLocks noChangeAspect="1"/>
+            </p:cNvPicPr>
+            <p:nvPr/>
+          </p:nvPicPr>
+          <p:blipFill>
+            <a:blip r:embed="rId3" cstate="print">
+              <a:extLst>
+                <a:ext uri="{28A0092B-C50C-407E-A947-70E740481C1C}">
+                  <a14:useLocalDpi xmlns:a14="http://schemas.microsoft.com/office/drawing/2010/main" val="0"/>
+                </a:ext>
+              </a:extLst>
+            </a:blip>
+            <a:stretch>
+              <a:fillRect/>
+            </a:stretch>
+          </p:blipFill>
+          <p:spPr>
+            <a:xfrm>
+              <a:off x="457200" y="4738991"/>
+              <a:ext cx="619985" cy="619985"/>
+            </a:xfrm>
+            <a:prstGeom prst="rect">
+              <a:avLst/>
+            </a:prstGeom>
+          </p:spPr>
+        </p:pic>
+      </p:grpSp>
+      <p:sp>
+        <p:nvSpPr>
+          <p:cNvPr id="41" name="Afgeronde rechthoek 40"/>
+          <p:cNvSpPr/>
+          <p:nvPr/>
+        </p:nvSpPr>
+        <p:spPr>
+          <a:xfrm>
+            <a:off x="257175" y="4326820"/>
+            <a:ext cx="1476375" cy="762000"/>
+          </a:xfrm>
+          <a:prstGeom prst="roundRect">
+            <a:avLst/>
+          </a:prstGeom>
+        </p:spPr>
+        <p:style>
+          <a:lnRef idx="1">
+            <a:schemeClr val="accent2"/>
+          </a:lnRef>
+          <a:fillRef idx="2">
+            <a:schemeClr val="accent2"/>
+          </a:fillRef>
+          <a:effectRef idx="1">
+            <a:schemeClr val="accent2"/>
+          </a:effectRef>
+          <a:fontRef idx="minor">
+            <a:schemeClr val="dk1"/>
+          </a:fontRef>
+        </p:style>
+        <p:txBody>
+          <a:bodyPr rtlCol="0" anchor="ctr"/>
+          <a:lstStyle/>
+          <a:p>
+            <a:pPr marL="466725" algn="ctr"/>
+            <a:r>
+              <a:rPr lang="nl-NL" sz="1350" dirty="0"/>
+              <a:t>XML</a:t>
+            </a:r>
+          </a:p>
+          <a:p>
+            <a:pPr marL="466725" algn="ctr"/>
+            <a:r>
+              <a:rPr lang="nl-NL" sz="1350" dirty="0"/>
+              <a:t>data</a:t>
+            </a:r>
+          </a:p>
+        </p:txBody>
+      </p:sp>
+      <p:pic>
+        <p:nvPicPr>
+          <p:cNvPr id="43" name="Afbeelding 42"/>
+          <p:cNvPicPr>
+            <a:picLocks noChangeAspect="1"/>
+          </p:cNvPicPr>
+          <p:nvPr/>
+        </p:nvPicPr>
+        <p:blipFill>
+          <a:blip r:embed="rId3" cstate="print">
+            <a:extLst>
+              <a:ext uri="{28A0092B-C50C-407E-A947-70E740481C1C}">
+                <a14:useLocalDpi xmlns:a14="http://schemas.microsoft.com/office/drawing/2010/main" val="0"/>
+              </a:ext>
+            </a:extLst>
+          </a:blip>
+          <a:stretch>
+            <a:fillRect/>
+          </a:stretch>
+        </p:blipFill>
+        <p:spPr>
+          <a:xfrm>
+            <a:off x="333375" y="4489797"/>
+            <a:ext cx="464989" cy="464989"/>
+          </a:xfrm>
+          <a:prstGeom prst="rect">
+            <a:avLst/>
+          </a:prstGeom>
+        </p:spPr>
+      </p:pic>
+      <p:sp>
+        <p:nvSpPr>
+          <p:cNvPr id="45" name="Afgeronde rechthoek 44"/>
+          <p:cNvSpPr/>
+          <p:nvPr/>
+        </p:nvSpPr>
+        <p:spPr>
+          <a:xfrm>
+            <a:off x="7129005" y="4326820"/>
+            <a:ext cx="1476375" cy="762000"/>
+          </a:xfrm>
+          <a:prstGeom prst="roundRect">
+            <a:avLst/>
+          </a:prstGeom>
+        </p:spPr>
+        <p:style>
+          <a:lnRef idx="1">
+            <a:schemeClr val="accent2"/>
+          </a:lnRef>
+          <a:fillRef idx="2">
+            <a:schemeClr val="accent2"/>
+          </a:fillRef>
+          <a:effectRef idx="1">
+            <a:schemeClr val="accent2"/>
+          </a:effectRef>
+          <a:fontRef idx="minor">
+            <a:schemeClr val="dk1"/>
+          </a:fontRef>
+        </p:style>
+        <p:txBody>
+          <a:bodyPr rtlCol="0" anchor="ctr"/>
+          <a:lstStyle/>
+          <a:p>
+            <a:pPr marL="466725" algn="ctr"/>
+            <a:r>
+              <a:rPr lang="nl-NL" sz="1350" dirty="0"/>
+              <a:t>RDF</a:t>
+            </a:r>
+          </a:p>
+          <a:p>
+            <a:pPr marL="466725" algn="ctr"/>
+            <a:r>
+              <a:rPr lang="nl-NL" sz="1350" dirty="0"/>
+              <a:t>data</a:t>
+            </a:r>
+          </a:p>
+        </p:txBody>
+      </p:sp>
+      <p:pic>
+        <p:nvPicPr>
+          <p:cNvPr id="49" name="Afbeelding 48"/>
+          <p:cNvPicPr>
+            <a:picLocks noChangeAspect="1"/>
+          </p:cNvPicPr>
+          <p:nvPr/>
+        </p:nvPicPr>
+        <p:blipFill>
+          <a:blip r:embed="rId2" cstate="print">
+            <a:extLst>
+              <a:ext uri="{28A0092B-C50C-407E-A947-70E740481C1C}">
+                <a14:useLocalDpi xmlns:a14="http://schemas.microsoft.com/office/drawing/2010/main" val="0"/>
+              </a:ext>
+            </a:extLst>
+          </a:blip>
+          <a:stretch>
+            <a:fillRect/>
+          </a:stretch>
+        </p:blipFill>
+        <p:spPr>
+          <a:xfrm>
+            <a:off x="7238389" y="4467405"/>
+            <a:ext cx="440456" cy="480829"/>
+          </a:xfrm>
+          <a:prstGeom prst="rect">
+            <a:avLst/>
+          </a:prstGeom>
+        </p:spPr>
+      </p:pic>
+      <p:cxnSp>
+        <p:nvCxnSpPr>
+          <p:cNvPr id="50" name="Rechte verbindingslijn met pijl 49"/>
+          <p:cNvCxnSpPr>
+            <a:stCxn id="37" idx="0"/>
+            <a:endCxn id="3" idx="2"/>
+          </p:cNvCxnSpPr>
+          <p:nvPr/>
+        </p:nvCxnSpPr>
+        <p:spPr>
+          <a:xfrm flipV="1">
+            <a:off x="995363" y="2400667"/>
+            <a:ext cx="0" cy="639911"/>
+          </a:xfrm>
+          <a:prstGeom prst="straightConnector1">
+            <a:avLst/>
+          </a:prstGeom>
+          <a:ln w="19050">
+            <a:tailEnd type="triangle"/>
+          </a:ln>
+        </p:spPr>
+        <p:style>
+          <a:lnRef idx="1">
+            <a:schemeClr val="accent1"/>
+          </a:lnRef>
+          <a:fillRef idx="0">
+            <a:schemeClr val="accent1"/>
+          </a:fillRef>
+          <a:effectRef idx="0">
+            <a:schemeClr val="accent1"/>
+          </a:effectRef>
+          <a:fontRef idx="minor">
+            <a:schemeClr val="tx1"/>
+          </a:fontRef>
+        </p:style>
+      </p:cxnSp>
+      <p:cxnSp>
+        <p:nvCxnSpPr>
+          <p:cNvPr id="51" name="Rechte verbindingslijn met pijl 50"/>
+          <p:cNvCxnSpPr>
+            <a:stCxn id="41" idx="0"/>
+            <a:endCxn id="37" idx="2"/>
+          </p:cNvCxnSpPr>
+          <p:nvPr/>
+        </p:nvCxnSpPr>
+        <p:spPr>
+          <a:xfrm flipV="1">
+            <a:off x="995363" y="3802578"/>
+            <a:ext cx="0" cy="524242"/>
+          </a:xfrm>
+          <a:prstGeom prst="straightConnector1">
+            <a:avLst/>
+          </a:prstGeom>
+          <a:ln w="19050">
+            <a:tailEnd type="triangle"/>
+          </a:ln>
+        </p:spPr>
+        <p:style>
+          <a:lnRef idx="1">
+            <a:schemeClr val="accent1"/>
+          </a:lnRef>
+          <a:fillRef idx="0">
+            <a:schemeClr val="accent1"/>
+          </a:fillRef>
+          <a:effectRef idx="0">
+            <a:schemeClr val="accent1"/>
+          </a:effectRef>
+          <a:fontRef idx="minor">
+            <a:schemeClr val="tx1"/>
+          </a:fontRef>
+        </p:style>
+      </p:cxnSp>
+      <p:sp>
+        <p:nvSpPr>
+          <p:cNvPr id="52" name="Tekstvak 51"/>
+          <p:cNvSpPr txBox="1"/>
+          <p:nvPr/>
+        </p:nvSpPr>
+        <p:spPr>
+          <a:xfrm>
+            <a:off x="995090" y="2645107"/>
+            <a:ext cx="880369" cy="253916"/>
+          </a:xfrm>
+          <a:prstGeom prst="rect">
+            <a:avLst/>
+          </a:prstGeom>
+          <a:noFill/>
+        </p:spPr>
+        <p:txBody>
+          <a:bodyPr wrap="none" rtlCol="0">
+            <a:spAutoFit/>
+          </a:bodyPr>
+          <a:lstStyle/>
+          <a:p>
+            <a:r>
+              <a:rPr lang="nl-NL" sz="1050" i="1" dirty="0" err="1"/>
+              <a:t>derived</a:t>
+            </a:r>
+            <a:r>
+              <a:rPr lang="nl-NL" sz="1050" i="1" dirty="0"/>
+              <a:t> </a:t>
+            </a:r>
+            <a:r>
+              <a:rPr lang="nl-NL" sz="1050" i="1" dirty="0" err="1"/>
+              <a:t>from</a:t>
+            </a:r>
+            <a:endParaRPr lang="nl-NL" sz="1050" i="1" dirty="0"/>
+          </a:p>
+        </p:txBody>
+      </p:sp>
+      <p:sp>
+        <p:nvSpPr>
+          <p:cNvPr id="57" name="Tekstvak 56"/>
+          <p:cNvSpPr txBox="1"/>
+          <p:nvPr/>
+        </p:nvSpPr>
+        <p:spPr>
+          <a:xfrm>
+            <a:off x="995090" y="3949282"/>
+            <a:ext cx="838691" cy="253916"/>
+          </a:xfrm>
+          <a:prstGeom prst="rect">
+            <a:avLst/>
+          </a:prstGeom>
+          <a:noFill/>
+        </p:spPr>
+        <p:txBody>
+          <a:bodyPr wrap="none" rtlCol="0">
+            <a:spAutoFit/>
+          </a:bodyPr>
+          <a:lstStyle/>
+          <a:p>
+            <a:r>
+              <a:rPr lang="nl-NL" sz="1050" i="1" dirty="0"/>
+              <a:t>conforms </a:t>
+            </a:r>
+            <a:r>
+              <a:rPr lang="nl-NL" sz="1050" i="1" dirty="0" err="1"/>
+              <a:t>to</a:t>
+            </a:r>
+            <a:endParaRPr lang="nl-NL" sz="1050" i="1" dirty="0"/>
+          </a:p>
+        </p:txBody>
+      </p:sp>
+      <p:cxnSp>
+        <p:nvCxnSpPr>
+          <p:cNvPr id="58" name="Rechte verbindingslijn met pijl 57"/>
+          <p:cNvCxnSpPr>
+            <a:stCxn id="45" idx="0"/>
+            <a:endCxn id="20" idx="2"/>
+          </p:cNvCxnSpPr>
+          <p:nvPr/>
+        </p:nvCxnSpPr>
+        <p:spPr>
+          <a:xfrm flipV="1">
+            <a:off x="7867193" y="2386195"/>
+            <a:ext cx="0" cy="1940625"/>
+          </a:xfrm>
+          <a:prstGeom prst="straightConnector1">
+            <a:avLst/>
+          </a:prstGeom>
+          <a:ln w="19050">
+            <a:tailEnd type="triangle"/>
+          </a:ln>
+        </p:spPr>
+        <p:style>
+          <a:lnRef idx="1">
+            <a:schemeClr val="accent1"/>
+          </a:lnRef>
+          <a:fillRef idx="0">
+            <a:schemeClr val="accent1"/>
+          </a:fillRef>
+          <a:effectRef idx="0">
+            <a:schemeClr val="accent1"/>
+          </a:effectRef>
+          <a:fontRef idx="minor">
+            <a:schemeClr val="tx1"/>
+          </a:fontRef>
+        </p:style>
+      </p:cxnSp>
+      <p:sp>
+        <p:nvSpPr>
+          <p:cNvPr id="61" name="Tekstvak 60"/>
+          <p:cNvSpPr txBox="1"/>
+          <p:nvPr/>
+        </p:nvSpPr>
+        <p:spPr>
+          <a:xfrm>
+            <a:off x="6927770" y="3929225"/>
+            <a:ext cx="838691" cy="253916"/>
+          </a:xfrm>
+          <a:prstGeom prst="rect">
+            <a:avLst/>
+          </a:prstGeom>
+          <a:noFill/>
+        </p:spPr>
+        <p:txBody>
+          <a:bodyPr wrap="none" rtlCol="0">
+            <a:spAutoFit/>
+          </a:bodyPr>
+          <a:lstStyle/>
+          <a:p>
+            <a:r>
+              <a:rPr lang="nl-NL" sz="1050" i="1" dirty="0"/>
+              <a:t>conforms </a:t>
+            </a:r>
+            <a:r>
+              <a:rPr lang="nl-NL" sz="1050" i="1" dirty="0" err="1"/>
+              <a:t>to</a:t>
+            </a:r>
+            <a:endParaRPr lang="nl-NL" sz="1050" i="1" dirty="0"/>
+          </a:p>
+        </p:txBody>
+      </p:sp>
+      <p:sp>
+        <p:nvSpPr>
+          <p:cNvPr id="63" name="Vijfhoek 62"/>
+          <p:cNvSpPr/>
+          <p:nvPr/>
+        </p:nvSpPr>
+        <p:spPr>
+          <a:xfrm>
+            <a:off x="3648076" y="4326820"/>
+            <a:ext cx="1476374" cy="762000"/>
+          </a:xfrm>
+          <a:prstGeom prst="homePlate">
+            <a:avLst/>
+          </a:prstGeom>
+        </p:spPr>
+        <p:style>
+          <a:lnRef idx="0">
+            <a:schemeClr val="dk1"/>
+          </a:lnRef>
+          <a:fillRef idx="3">
+            <a:schemeClr val="dk1"/>
+          </a:fillRef>
+          <a:effectRef idx="3">
+            <a:schemeClr val="dk1"/>
+          </a:effectRef>
+          <a:fontRef idx="minor">
+            <a:schemeClr val="lt1"/>
+          </a:fontRef>
+        </p:style>
+        <p:txBody>
+          <a:bodyPr rtlCol="0" anchor="ctr"/>
+          <a:lstStyle/>
+          <a:p>
+            <a:pPr algn="ctr"/>
+            <a:r>
+              <a:rPr lang="nl-NL" sz="1350" dirty="0" err="1"/>
+              <a:t>Automated</a:t>
+            </a:r>
+            <a:r>
+              <a:rPr lang="nl-NL" sz="1350" dirty="0"/>
+              <a:t> </a:t>
+            </a:r>
+            <a:r>
+              <a:rPr lang="nl-NL" sz="1350" dirty="0" err="1"/>
+              <a:t>conversion</a:t>
+            </a:r>
+            <a:endParaRPr lang="nl-NL" sz="1350" dirty="0"/>
+          </a:p>
+        </p:txBody>
+      </p:sp>
+      <p:sp>
+        <p:nvSpPr>
+          <p:cNvPr id="64" name="PIJL-RECHTS 63"/>
+          <p:cNvSpPr/>
+          <p:nvPr/>
+        </p:nvSpPr>
+        <p:spPr>
+          <a:xfrm>
+            <a:off x="1847849" y="4510084"/>
+            <a:ext cx="1724025" cy="395471"/>
+          </a:xfrm>
+          <a:prstGeom prst="rightArrow">
+            <a:avLst/>
+          </a:prstGeom>
+        </p:spPr>
+        <p:style>
+          <a:lnRef idx="1">
+            <a:schemeClr val="accent2"/>
+          </a:lnRef>
+          <a:fillRef idx="2">
+            <a:schemeClr val="accent2"/>
+          </a:fillRef>
+          <a:effectRef idx="1">
+            <a:schemeClr val="accent2"/>
+          </a:effectRef>
+          <a:fontRef idx="minor">
+            <a:schemeClr val="dk1"/>
+          </a:fontRef>
+        </p:style>
+        <p:txBody>
+          <a:bodyPr rtlCol="0" anchor="ctr"/>
+          <a:lstStyle/>
+          <a:p>
+            <a:pPr algn="ctr"/>
+            <a:r>
+              <a:rPr lang="nl-NL" sz="1350" dirty="0"/>
+              <a:t>input</a:t>
+            </a:r>
+          </a:p>
+        </p:txBody>
+      </p:sp>
+      <p:sp>
+        <p:nvSpPr>
+          <p:cNvPr id="65" name="PIJL-RECHTS 64"/>
+          <p:cNvSpPr/>
+          <p:nvPr/>
+        </p:nvSpPr>
+        <p:spPr>
+          <a:xfrm>
+            <a:off x="5237444" y="4489797"/>
+            <a:ext cx="1724025" cy="395471"/>
+          </a:xfrm>
+          <a:prstGeom prst="rightArrow">
+            <a:avLst/>
+          </a:prstGeom>
+        </p:spPr>
+        <p:style>
+          <a:lnRef idx="1">
+            <a:schemeClr val="accent2"/>
+          </a:lnRef>
+          <a:fillRef idx="2">
+            <a:schemeClr val="accent2"/>
+          </a:fillRef>
+          <a:effectRef idx="1">
+            <a:schemeClr val="accent2"/>
+          </a:effectRef>
+          <a:fontRef idx="minor">
+            <a:schemeClr val="dk1"/>
+          </a:fontRef>
+        </p:style>
+        <p:txBody>
+          <a:bodyPr rtlCol="0" anchor="ctr"/>
+          <a:lstStyle/>
+          <a:p>
+            <a:pPr algn="ctr"/>
+            <a:r>
+              <a:rPr lang="nl-NL" sz="1350" dirty="0"/>
+              <a:t>output</a:t>
+            </a:r>
+          </a:p>
+        </p:txBody>
+      </p:sp>
+      <p:pic>
+        <p:nvPicPr>
+          <p:cNvPr id="73" name="Afbeelding 72"/>
+          <p:cNvPicPr>
+            <a:picLocks noChangeAspect="1"/>
+          </p:cNvPicPr>
+          <p:nvPr/>
+        </p:nvPicPr>
+        <p:blipFill>
+          <a:blip r:embed="rId2" cstate="print">
+            <a:extLst>
+              <a:ext uri="{28A0092B-C50C-407E-A947-70E740481C1C}">
+                <a14:useLocalDpi xmlns:a14="http://schemas.microsoft.com/office/drawing/2010/main" val="0"/>
+              </a:ext>
+            </a:extLst>
+          </a:blip>
+          <a:stretch>
+            <a:fillRect/>
+          </a:stretch>
+        </p:blipFill>
+        <p:spPr>
+          <a:xfrm>
+            <a:off x="3757459" y="2963140"/>
+            <a:ext cx="440456" cy="480829"/>
+          </a:xfrm>
+          <a:prstGeom prst="rect">
+            <a:avLst/>
+          </a:prstGeom>
+        </p:spPr>
+      </p:pic>
+      <p:cxnSp>
+        <p:nvCxnSpPr>
+          <p:cNvPr id="79" name="Rechte verbindingslijn met pijl 78"/>
+          <p:cNvCxnSpPr/>
+          <p:nvPr/>
+        </p:nvCxnSpPr>
+        <p:spPr>
+          <a:xfrm>
+            <a:off x="1536551" y="2181775"/>
+            <a:ext cx="2220908" cy="2075900"/>
+          </a:xfrm>
+          <a:prstGeom prst="straightConnector1">
+            <a:avLst/>
+          </a:prstGeom>
+          <a:ln w="19050">
+            <a:tailEnd type="triangle"/>
+          </a:ln>
+        </p:spPr>
+        <p:style>
+          <a:lnRef idx="1">
+            <a:schemeClr val="accent1"/>
+          </a:lnRef>
+          <a:fillRef idx="0">
+            <a:schemeClr val="accent1"/>
+          </a:fillRef>
+          <a:effectRef idx="0">
+            <a:schemeClr val="accent1"/>
+          </a:effectRef>
+          <a:fontRef idx="minor">
+            <a:schemeClr val="tx1"/>
+          </a:fontRef>
+        </p:style>
+      </p:cxnSp>
+      <p:cxnSp>
+        <p:nvCxnSpPr>
+          <p:cNvPr id="88" name="Rechte verbindingslijn met pijl 87"/>
+          <p:cNvCxnSpPr>
+            <a:stCxn id="8" idx="2"/>
+            <a:endCxn id="72" idx="0"/>
+          </p:cNvCxnSpPr>
+          <p:nvPr/>
+        </p:nvCxnSpPr>
+        <p:spPr>
+          <a:xfrm>
+            <a:off x="4386263" y="2386197"/>
+            <a:ext cx="0" cy="436358"/>
+          </a:xfrm>
+          <a:prstGeom prst="straightConnector1">
+            <a:avLst/>
+          </a:prstGeom>
+          <a:ln w="19050">
+            <a:tailEnd type="triangle"/>
+          </a:ln>
+        </p:spPr>
+        <p:style>
+          <a:lnRef idx="1">
+            <a:schemeClr val="accent1"/>
+          </a:lnRef>
+          <a:fillRef idx="0">
+            <a:schemeClr val="accent1"/>
+          </a:fillRef>
+          <a:effectRef idx="0">
+            <a:schemeClr val="accent1"/>
+          </a:effectRef>
+          <a:fontRef idx="minor">
+            <a:schemeClr val="tx1"/>
+          </a:fontRef>
+        </p:style>
+      </p:cxnSp>
+      <p:sp>
+        <p:nvSpPr>
+          <p:cNvPr id="95" name="Tekstvak 94"/>
+          <p:cNvSpPr txBox="1"/>
+          <p:nvPr/>
+        </p:nvSpPr>
+        <p:spPr>
+          <a:xfrm>
+            <a:off x="3611975" y="2411365"/>
+            <a:ext cx="838691" cy="253916"/>
+          </a:xfrm>
+          <a:prstGeom prst="rect">
+            <a:avLst/>
+          </a:prstGeom>
+          <a:noFill/>
+        </p:spPr>
+        <p:txBody>
+          <a:bodyPr wrap="none" rtlCol="0">
+            <a:spAutoFit/>
+          </a:bodyPr>
+          <a:lstStyle/>
+          <a:p>
+            <a:r>
+              <a:rPr lang="nl-NL" sz="1050" i="1" dirty="0"/>
+              <a:t>conforms </a:t>
+            </a:r>
+            <a:r>
+              <a:rPr lang="nl-NL" sz="1050" i="1" dirty="0" err="1"/>
+              <a:t>to</a:t>
+            </a:r>
+            <a:endParaRPr lang="nl-NL" sz="1050" i="1" dirty="0"/>
+          </a:p>
+        </p:txBody>
+      </p:sp>
+      <p:sp>
+        <p:nvSpPr>
+          <p:cNvPr id="96" name="Tekstvak 95"/>
+          <p:cNvSpPr txBox="1"/>
+          <p:nvPr/>
+        </p:nvSpPr>
+        <p:spPr>
+          <a:xfrm>
+            <a:off x="5355405" y="2341481"/>
+            <a:ext cx="853119" cy="253916"/>
+          </a:xfrm>
+          <a:prstGeom prst="rect">
+            <a:avLst/>
+          </a:prstGeom>
+          <a:noFill/>
+        </p:spPr>
+        <p:txBody>
+          <a:bodyPr wrap="none" rtlCol="0">
+            <a:spAutoFit/>
+          </a:bodyPr>
+          <a:lstStyle/>
+          <a:p>
+            <a:r>
+              <a:rPr lang="nl-NL" sz="1050" i="1" dirty="0"/>
+              <a:t>conforms </a:t>
+            </a:r>
+            <a:r>
+              <a:rPr lang="nl-NL" sz="1050" i="1" dirty="0" err="1"/>
+              <a:t>to</a:t>
+            </a:r>
+            <a:endParaRPr lang="nl-NL" sz="1050" i="1" dirty="0"/>
+          </a:p>
+        </p:txBody>
+      </p:sp>
+      <p:sp>
+        <p:nvSpPr>
+          <p:cNvPr id="97" name="Tekstvak 96"/>
+          <p:cNvSpPr txBox="1"/>
+          <p:nvPr/>
+        </p:nvSpPr>
+        <p:spPr>
+          <a:xfrm>
+            <a:off x="3524697" y="3905496"/>
+            <a:ext cx="470000" cy="253916"/>
+          </a:xfrm>
+          <a:prstGeom prst="rect">
+            <a:avLst/>
+          </a:prstGeom>
+          <a:noFill/>
+        </p:spPr>
+        <p:txBody>
+          <a:bodyPr wrap="none" rtlCol="0">
+            <a:spAutoFit/>
+          </a:bodyPr>
+          <a:lstStyle/>
+          <a:p>
+            <a:r>
+              <a:rPr lang="nl-NL" sz="1050" i="1" dirty="0"/>
+              <a:t>Input</a:t>
+            </a:r>
+          </a:p>
+        </p:txBody>
+      </p:sp>
+      <p:sp>
+        <p:nvSpPr>
+          <p:cNvPr id="98" name="Tekstvak 97"/>
+          <p:cNvSpPr txBox="1"/>
+          <p:nvPr/>
+        </p:nvSpPr>
+        <p:spPr>
+          <a:xfrm>
+            <a:off x="4593613" y="3885326"/>
+            <a:ext cx="500458" cy="253916"/>
+          </a:xfrm>
+          <a:prstGeom prst="rect">
+            <a:avLst/>
+          </a:prstGeom>
+          <a:noFill/>
+        </p:spPr>
+        <p:txBody>
+          <a:bodyPr wrap="none" rtlCol="0">
+            <a:spAutoFit/>
+          </a:bodyPr>
+          <a:lstStyle/>
+          <a:p>
+            <a:r>
+              <a:rPr lang="nl-NL" sz="1050" i="1" dirty="0"/>
+              <a:t>Input </a:t>
+            </a:r>
+          </a:p>
+        </p:txBody>
+      </p:sp>
+      <p:grpSp>
+        <p:nvGrpSpPr>
+          <p:cNvPr id="5" name="Groep 4"/>
+          <p:cNvGrpSpPr/>
+          <p:nvPr/>
+        </p:nvGrpSpPr>
+        <p:grpSpPr>
+          <a:xfrm>
+            <a:off x="257175" y="1638667"/>
+            <a:ext cx="1476375" cy="762000"/>
+            <a:chOff x="1193800" y="1003300"/>
+            <a:chExt cx="1968500" cy="1016000"/>
+          </a:xfrm>
+        </p:grpSpPr>
+        <p:sp>
+          <p:nvSpPr>
+            <p:cNvPr id="3" name="Afgeronde rechthoek 2"/>
+            <p:cNvSpPr/>
+            <p:nvPr/>
+          </p:nvSpPr>
+          <p:spPr>
+            <a:xfrm>
+              <a:off x="1193800" y="1003300"/>
+              <a:ext cx="1968500" cy="1016000"/>
+            </a:xfrm>
+            <a:prstGeom prst="roundRect">
+              <a:avLst/>
+            </a:prstGeom>
+          </p:spPr>
+          <p:style>
+            <a:lnRef idx="1">
+              <a:schemeClr val="accent1"/>
+            </a:lnRef>
+            <a:fillRef idx="2">
+              <a:schemeClr val="accent1"/>
+            </a:fillRef>
+            <a:effectRef idx="1">
+              <a:schemeClr val="accent1"/>
+            </a:effectRef>
+            <a:fontRef idx="minor">
+              <a:schemeClr val="dk1"/>
+            </a:fontRef>
+          </p:style>
+          <p:txBody>
+            <a:bodyPr rtlCol="0" anchor="ctr"/>
+            <a:lstStyle/>
+            <a:p>
+              <a:pPr marL="466725" algn="ctr"/>
+              <a:r>
+                <a:rPr lang="nl-NL" sz="1350" dirty="0"/>
+                <a:t>UML</a:t>
+              </a:r>
+            </a:p>
+            <a:p>
+              <a:pPr marL="466725" algn="ctr"/>
+              <a:r>
+                <a:rPr lang="nl-NL" sz="1350" dirty="0"/>
+                <a:t>model</a:t>
+              </a:r>
+            </a:p>
+          </p:txBody>
+        </p:sp>
+        <p:pic>
+          <p:nvPicPr>
+            <p:cNvPr id="4" name="Afbeelding 3"/>
+            <p:cNvPicPr>
+              <a:picLocks noChangeAspect="1"/>
+            </p:cNvPicPr>
+            <p:nvPr/>
+          </p:nvPicPr>
+          <p:blipFill rotWithShape="1">
+            <a:blip r:embed="rId4" cstate="print">
+              <a:extLst>
+                <a:ext uri="{28A0092B-C50C-407E-A947-70E740481C1C}">
+                  <a14:useLocalDpi xmlns:a14="http://schemas.microsoft.com/office/drawing/2010/main" val="0"/>
+                </a:ext>
+              </a:extLst>
+            </a:blip>
+            <a:srcRect l="44477"/>
+            <a:stretch/>
+          </p:blipFill>
+          <p:spPr>
+            <a:xfrm>
+              <a:off x="1308100" y="1136895"/>
+              <a:ext cx="571500" cy="748810"/>
+            </a:xfrm>
+            <a:prstGeom prst="rect">
+              <a:avLst/>
+            </a:prstGeom>
+          </p:spPr>
+        </p:pic>
+      </p:grpSp>
+      <p:pic>
+        <p:nvPicPr>
+          <p:cNvPr id="47" name="Afbeelding 46">
+            <a:extLst>
+              <a:ext uri="{FF2B5EF4-FFF2-40B4-BE49-F238E27FC236}">
+                <a16:creationId xmlns:a16="http://schemas.microsoft.com/office/drawing/2014/main" id="{C49E36C7-2059-824E-BA03-F09CA97764FA}"/>
+              </a:ext>
+            </a:extLst>
+          </p:cNvPr>
+          <p:cNvPicPr>
+            <a:picLocks noChangeAspect="1"/>
+          </p:cNvPicPr>
+          <p:nvPr/>
+        </p:nvPicPr>
+        <p:blipFill>
+          <a:blip r:embed="rId5">
+            <a:extLst>
+              <a:ext uri="{28A0092B-C50C-407E-A947-70E740481C1C}">
+                <a14:useLocalDpi xmlns:a14="http://schemas.microsoft.com/office/drawing/2010/main" val="0"/>
+              </a:ext>
+            </a:extLst>
+          </a:blip>
+          <a:stretch>
+            <a:fillRect/>
+          </a:stretch>
+        </p:blipFill>
+        <p:spPr>
+          <a:xfrm>
+            <a:off x="251521" y="568800"/>
+            <a:ext cx="1475655" cy="679592"/>
+          </a:xfrm>
+          <a:prstGeom prst="rect">
+            <a:avLst/>
+          </a:prstGeom>
+        </p:spPr>
+      </p:pic>
+    </p:spTree>
+    <p:extLst>
+      <p:ext uri="{BB962C8B-B14F-4D97-AF65-F5344CB8AC3E}">
+        <p14:creationId xmlns:p14="http://schemas.microsoft.com/office/powerpoint/2010/main" val="2622629584"/>
+      </p:ext>
+    </p:extLst>
+  </p:cSld>
+  <p:clrMapOvr>
+    <a:masterClrMapping/>
+  </p:clrMapOvr>
+</p:sld>
+</file>
+
+<file path=ppt/slides/slide21.xml><?xml version="1.0" encoding="utf-8"?>
+<p:sld xmlns:a="http://schemas.openxmlformats.org/drawingml/2006/main" xmlns:r="http://schemas.openxmlformats.org/officeDocument/2006/relationships" xmlns:p="http://schemas.openxmlformats.org/presentationml/2006/main">
+  <p:cSld>
+    <p:spTree>
+      <p:nvGrpSpPr>
+        <p:cNvPr id="1" name=""/>
+        <p:cNvGrpSpPr/>
+        <p:nvPr/>
+      </p:nvGrpSpPr>
+      <p:grpSpPr>
+        <a:xfrm>
+          <a:off x="0" y="0"/>
+          <a:ext cx="0" cy="0"/>
+          <a:chOff x="0" y="0"/>
+          <a:chExt cx="0" cy="0"/>
+        </a:xfrm>
+      </p:grpSpPr>
       <p:sp>
         <p:nvSpPr>
           <p:cNvPr id="2" name="Tijdelijke aanduiding voor inhoud 1">
@@ -21035,7 +21389,7 @@
 </p:sld>
 </file>
 
-<file path=ppt/slides/slide21.xml><?xml version="1.0" encoding="utf-8"?>
+<file path=ppt/slides/slide22.xml><?xml version="1.0" encoding="utf-8"?>
 <p:sld xmlns:a="http://schemas.openxmlformats.org/drawingml/2006/main" xmlns:r="http://schemas.openxmlformats.org/officeDocument/2006/relationships" xmlns:p="http://schemas.openxmlformats.org/presentationml/2006/main">
   <p:cSld>
     <p:spTree>
@@ -21330,7 +21684,7 @@
 </p:sld>
 </file>
 
-<file path=ppt/slides/slide22.xml><?xml version="1.0" encoding="utf-8"?>
+<file path=ppt/slides/slide23.xml><?xml version="1.0" encoding="utf-8"?>
 <p:sld xmlns:a="http://schemas.openxmlformats.org/drawingml/2006/main" xmlns:r="http://schemas.openxmlformats.org/officeDocument/2006/relationships" xmlns:p="http://schemas.openxmlformats.org/presentationml/2006/main">
   <p:cSld>
     <p:spTree>
@@ -21760,7 +22114,7 @@
 </p:sld>
 </file>
 
-<file path=ppt/slides/slide23.xml><?xml version="1.0" encoding="utf-8"?>
+<file path=ppt/slides/slide24.xml><?xml version="1.0" encoding="utf-8"?>
 <p:sld xmlns:a="http://schemas.openxmlformats.org/drawingml/2006/main" xmlns:r="http://schemas.openxmlformats.org/officeDocument/2006/relationships" xmlns:p="http://schemas.openxmlformats.org/presentationml/2006/main">
   <p:cSld>
     <p:spTree>
@@ -22055,7 +22409,7 @@
 </p:sld>
 </file>
 
-<file path=ppt/slides/slide24.xml><?xml version="1.0" encoding="utf-8"?>
+<file path=ppt/slides/slide25.xml><?xml version="1.0" encoding="utf-8"?>
 <p:sld xmlns:a="http://schemas.openxmlformats.org/drawingml/2006/main" xmlns:r="http://schemas.openxmlformats.org/officeDocument/2006/relationships" xmlns:p="http://schemas.openxmlformats.org/presentationml/2006/main">
   <p:cSld>
     <p:spTree>
@@ -23114,7 +23468,7 @@
 </p:sld>
 </file>
 
-<file path=ppt/slides/slide25.xml><?xml version="1.0" encoding="utf-8"?>
+<file path=ppt/slides/slide26.xml><?xml version="1.0" encoding="utf-8"?>
 <p:sld xmlns:a="http://schemas.openxmlformats.org/drawingml/2006/main" xmlns:r="http://schemas.openxmlformats.org/officeDocument/2006/relationships" xmlns:p="http://schemas.openxmlformats.org/presentationml/2006/main">
   <p:cSld>
     <p:spTree>
@@ -23981,7 +24335,7 @@
 </p:sld>
 </file>
 
-<file path=ppt/slides/slide26.xml><?xml version="1.0" encoding="utf-8"?>
+<file path=ppt/slides/slide27.xml><?xml version="1.0" encoding="utf-8"?>
 <p:sld xmlns:a="http://schemas.openxmlformats.org/drawingml/2006/main" xmlns:r="http://schemas.openxmlformats.org/officeDocument/2006/relationships" xmlns:p="http://schemas.openxmlformats.org/presentationml/2006/main">
   <p:cSld>
     <p:spTree>
@@ -24898,7 +25252,7 @@
 </p:sld>
 </file>
 
-<file path=ppt/slides/slide27.xml><?xml version="1.0" encoding="utf-8"?>
+<file path=ppt/slides/slide28.xml><?xml version="1.0" encoding="utf-8"?>
 <p:sld xmlns:a="http://schemas.openxmlformats.org/drawingml/2006/main" xmlns:r="http://schemas.openxmlformats.org/officeDocument/2006/relationships" xmlns:p="http://schemas.openxmlformats.org/presentationml/2006/main">
   <p:cSld>
     <p:spTree>
@@ -25999,7 +26353,7 @@
 </p:sld>
 </file>
 
-<file path=ppt/slides/slide28.xml><?xml version="1.0" encoding="utf-8"?>
+<file path=ppt/slides/slide29.xml><?xml version="1.0" encoding="utf-8"?>
 <p:sld xmlns:a="http://schemas.openxmlformats.org/drawingml/2006/main" xmlns:r="http://schemas.openxmlformats.org/officeDocument/2006/relationships" xmlns:p="http://schemas.openxmlformats.org/presentationml/2006/main">
   <p:cSld>
     <p:spTree>
@@ -27136,1332 +27490,6 @@
 </p:sld>
 </file>
 
-<file path=ppt/slides/slide29.xml><?xml version="1.0" encoding="utf-8"?>
-<p:sld xmlns:a="http://schemas.openxmlformats.org/drawingml/2006/main" xmlns:r="http://schemas.openxmlformats.org/officeDocument/2006/relationships" xmlns:p="http://schemas.openxmlformats.org/presentationml/2006/main">
-  <p:cSld>
-    <p:spTree>
-      <p:nvGrpSpPr>
-        <p:cNvPr id="1" name=""/>
-        <p:cNvGrpSpPr/>
-        <p:nvPr/>
-      </p:nvGrpSpPr>
-      <p:grpSpPr>
-        <a:xfrm>
-          <a:off x="0" y="0"/>
-          <a:ext cx="0" cy="0"/>
-          <a:chOff x="0" y="0"/>
-          <a:chExt cx="0" cy="0"/>
-        </a:xfrm>
-      </p:grpSpPr>
-      <p:sp>
-        <p:nvSpPr>
-          <p:cNvPr id="20" name="Tijdelijke aanduiding voor tekst 2">
-            <a:extLst>
-              <a:ext uri="{FF2B5EF4-FFF2-40B4-BE49-F238E27FC236}">
-                <a16:creationId xmlns:a16="http://schemas.microsoft.com/office/drawing/2014/main" id="{207B9049-C13C-4D49-BB34-9B4BC97693B3}"/>
-              </a:ext>
-            </a:extLst>
-          </p:cNvPr>
-          <p:cNvSpPr txBox="1">
-            <a:spLocks/>
-          </p:cNvSpPr>
-          <p:nvPr/>
-        </p:nvSpPr>
-        <p:spPr>
-          <a:xfrm>
-            <a:off x="6372200" y="0"/>
-            <a:ext cx="2771799" cy="699542"/>
-          </a:xfrm>
-          <a:prstGeom prst="rect">
-            <a:avLst/>
-          </a:prstGeom>
-        </p:spPr>
-        <p:txBody>
-          <a:bodyPr vert="horz" lIns="91440" tIns="45720" rIns="91440" bIns="45720" rtlCol="0" anchor="ctr">
-            <a:normAutofit/>
-          </a:bodyPr>
-          <a:lstStyle>
-            <a:lvl1pPr marL="0" indent="0" algn="l" defTabSz="914400" rtl="0" eaLnBrk="1" latinLnBrk="0" hangingPunct="1">
-              <a:spcBef>
-                <a:spcPct val="20000"/>
-              </a:spcBef>
-              <a:buFont typeface="Wingdings" panose="05000000000000000000" pitchFamily="2" charset="2"/>
-              <a:buNone/>
-              <a:defRPr sz="1800" b="1" kern="1200">
-                <a:solidFill>
-                  <a:srgbClr val="F58220"/>
-                </a:solidFill>
-                <a:latin typeface="Verdana" panose="020B0604030504040204" pitchFamily="34" charset="0"/>
-                <a:ea typeface="Verdana" panose="020B0604030504040204" pitchFamily="34" charset="0"/>
-                <a:cs typeface="Verdana" panose="020B0604030504040204" pitchFamily="34" charset="0"/>
-              </a:defRPr>
-            </a:lvl1pPr>
-            <a:lvl2pPr marL="742950" indent="-285750" algn="l" defTabSz="914400" rtl="0" eaLnBrk="1" latinLnBrk="0" hangingPunct="1">
-              <a:spcBef>
-                <a:spcPct val="20000"/>
-              </a:spcBef>
-              <a:buFont typeface="Arial" panose="020B0604020202020204" pitchFamily="34" charset="0"/>
-              <a:buChar char="–"/>
-              <a:defRPr sz="2800" kern="1200">
-                <a:solidFill>
-                  <a:schemeClr val="tx1"/>
-                </a:solidFill>
-                <a:latin typeface="Verdana" panose="020B0604030504040204" pitchFamily="34" charset="0"/>
-                <a:ea typeface="Verdana" panose="020B0604030504040204" pitchFamily="34" charset="0"/>
-                <a:cs typeface="Verdana" panose="020B0604030504040204" pitchFamily="34" charset="0"/>
-              </a:defRPr>
-            </a:lvl2pPr>
-            <a:lvl3pPr marL="1143000" indent="-228600" algn="l" defTabSz="914400" rtl="0" eaLnBrk="1" latinLnBrk="0" hangingPunct="1">
-              <a:spcBef>
-                <a:spcPct val="20000"/>
-              </a:spcBef>
-              <a:buFont typeface="Arial" panose="020B0604020202020204" pitchFamily="34" charset="0"/>
-              <a:buChar char="•"/>
-              <a:defRPr sz="2400" kern="1200">
-                <a:solidFill>
-                  <a:schemeClr val="tx1"/>
-                </a:solidFill>
-                <a:latin typeface="Verdana" panose="020B0604030504040204" pitchFamily="34" charset="0"/>
-                <a:ea typeface="Verdana" panose="020B0604030504040204" pitchFamily="34" charset="0"/>
-                <a:cs typeface="Verdana" panose="020B0604030504040204" pitchFamily="34" charset="0"/>
-              </a:defRPr>
-            </a:lvl3pPr>
-            <a:lvl4pPr marL="1600200" indent="-228600" algn="l" defTabSz="914400" rtl="0" eaLnBrk="1" latinLnBrk="0" hangingPunct="1">
-              <a:spcBef>
-                <a:spcPct val="20000"/>
-              </a:spcBef>
-              <a:buFont typeface="Arial" panose="020B0604020202020204" pitchFamily="34" charset="0"/>
-              <a:buChar char="–"/>
-              <a:defRPr sz="2000" kern="1200">
-                <a:solidFill>
-                  <a:schemeClr val="tx1"/>
-                </a:solidFill>
-                <a:latin typeface="+mn-lt"/>
-                <a:ea typeface="+mn-ea"/>
-                <a:cs typeface="+mn-cs"/>
-              </a:defRPr>
-            </a:lvl4pPr>
-            <a:lvl5pPr marL="2057400" indent="-228600" algn="l" defTabSz="914400" rtl="0" eaLnBrk="1" latinLnBrk="0" hangingPunct="1">
-              <a:spcBef>
-                <a:spcPct val="20000"/>
-              </a:spcBef>
-              <a:buFont typeface="Arial" panose="020B0604020202020204" pitchFamily="34" charset="0"/>
-              <a:buChar char="»"/>
-              <a:defRPr sz="2000" kern="1200">
-                <a:solidFill>
-                  <a:schemeClr val="tx1"/>
-                </a:solidFill>
-                <a:latin typeface="+mn-lt"/>
-                <a:ea typeface="+mn-ea"/>
-                <a:cs typeface="+mn-cs"/>
-              </a:defRPr>
-            </a:lvl5pPr>
-            <a:lvl6pPr marL="2514600" indent="-228600" algn="l" defTabSz="914400" rtl="0" eaLnBrk="1" latinLnBrk="0" hangingPunct="1">
-              <a:spcBef>
-                <a:spcPct val="20000"/>
-              </a:spcBef>
-              <a:buFont typeface="Arial" panose="020B0604020202020204" pitchFamily="34" charset="0"/>
-              <a:buChar char="•"/>
-              <a:defRPr sz="2000" kern="1200">
-                <a:solidFill>
-                  <a:schemeClr val="tx1"/>
-                </a:solidFill>
-                <a:latin typeface="+mn-lt"/>
-                <a:ea typeface="+mn-ea"/>
-                <a:cs typeface="+mn-cs"/>
-              </a:defRPr>
-            </a:lvl6pPr>
-            <a:lvl7pPr marL="2971800" indent="-228600" algn="l" defTabSz="914400" rtl="0" eaLnBrk="1" latinLnBrk="0" hangingPunct="1">
-              <a:spcBef>
-                <a:spcPct val="20000"/>
-              </a:spcBef>
-              <a:buFont typeface="Arial" panose="020B0604020202020204" pitchFamily="34" charset="0"/>
-              <a:buChar char="•"/>
-              <a:defRPr sz="2000" kern="1200">
-                <a:solidFill>
-                  <a:schemeClr val="tx1"/>
-                </a:solidFill>
-                <a:latin typeface="+mn-lt"/>
-                <a:ea typeface="+mn-ea"/>
-                <a:cs typeface="+mn-cs"/>
-              </a:defRPr>
-            </a:lvl7pPr>
-            <a:lvl8pPr marL="3429000" indent="-228600" algn="l" defTabSz="914400" rtl="0" eaLnBrk="1" latinLnBrk="0" hangingPunct="1">
-              <a:spcBef>
-                <a:spcPct val="20000"/>
-              </a:spcBef>
-              <a:buFont typeface="Arial" panose="020B0604020202020204" pitchFamily="34" charset="0"/>
-              <a:buChar char="•"/>
-              <a:defRPr sz="2000" kern="1200">
-                <a:solidFill>
-                  <a:schemeClr val="tx1"/>
-                </a:solidFill>
-                <a:latin typeface="+mn-lt"/>
-                <a:ea typeface="+mn-ea"/>
-                <a:cs typeface="+mn-cs"/>
-              </a:defRPr>
-            </a:lvl8pPr>
-            <a:lvl9pPr marL="3886200" indent="-228600" algn="l" defTabSz="914400" rtl="0" eaLnBrk="1" latinLnBrk="0" hangingPunct="1">
-              <a:spcBef>
-                <a:spcPct val="20000"/>
-              </a:spcBef>
-              <a:buFont typeface="Arial" panose="020B0604020202020204" pitchFamily="34" charset="0"/>
-              <a:buChar char="•"/>
-              <a:defRPr sz="2000" kern="1200">
-                <a:solidFill>
-                  <a:schemeClr val="tx1"/>
-                </a:solidFill>
-                <a:latin typeface="+mn-lt"/>
-                <a:ea typeface="+mn-ea"/>
-                <a:cs typeface="+mn-cs"/>
-              </a:defRPr>
-            </a:lvl9pPr>
-          </a:lstStyle>
-          <a:p>
-            <a:pPr algn="ctr"/>
-            <a:r>
-              <a:rPr lang="nl-NL" b="0" dirty="0" err="1">
-                <a:solidFill>
-                  <a:schemeClr val="tx1"/>
-                </a:solidFill>
-              </a:rPr>
-              <a:t>Predicate</a:t>
-            </a:r>
-            <a:r>
-              <a:rPr lang="nl-NL" b="0" dirty="0">
-                <a:solidFill>
-                  <a:schemeClr val="tx1"/>
-                </a:solidFill>
-              </a:rPr>
-              <a:t> </a:t>
-            </a:r>
-            <a:r>
-              <a:rPr lang="nl-NL" b="0" dirty="0" err="1">
-                <a:solidFill>
-                  <a:schemeClr val="tx1"/>
-                </a:solidFill>
-              </a:rPr>
-              <a:t>vs</a:t>
-            </a:r>
-            <a:r>
-              <a:rPr lang="nl-NL" b="0" dirty="0">
-                <a:solidFill>
-                  <a:schemeClr val="tx1"/>
-                </a:solidFill>
-              </a:rPr>
-              <a:t> Property</a:t>
-            </a:r>
-          </a:p>
-        </p:txBody>
-      </p:sp>
-      <p:sp>
-        <p:nvSpPr>
-          <p:cNvPr id="7" name="Tijdelijke aanduiding voor tekst 2">
-            <a:extLst>
-              <a:ext uri="{FF2B5EF4-FFF2-40B4-BE49-F238E27FC236}">
-                <a16:creationId xmlns:a16="http://schemas.microsoft.com/office/drawing/2014/main" id="{622B0FC2-3BF8-414A-8761-928AF6A3C6EB}"/>
-              </a:ext>
-            </a:extLst>
-          </p:cNvPr>
-          <p:cNvSpPr>
-            <a:spLocks noGrp="1"/>
-          </p:cNvSpPr>
-          <p:nvPr>
-            <p:ph type="body" sz="quarter" idx="10"/>
-          </p:nvPr>
-        </p:nvSpPr>
-        <p:spPr>
-          <a:xfrm>
-            <a:off x="1" y="0"/>
-            <a:ext cx="2195735" cy="699542"/>
-          </a:xfrm>
-        </p:spPr>
-        <p:txBody>
-          <a:bodyPr anchor="ctr"/>
-          <a:lstStyle/>
-          <a:p>
-            <a:pPr algn="ctr"/>
-            <a:r>
-              <a:rPr lang="nl-NL" dirty="0" err="1">
-                <a:solidFill>
-                  <a:schemeClr val="tx1"/>
-                </a:solidFill>
-              </a:rPr>
-              <a:t>Example</a:t>
-            </a:r>
-            <a:r>
-              <a:rPr lang="nl-NL" dirty="0">
-                <a:solidFill>
-                  <a:schemeClr val="tx1"/>
-                </a:solidFill>
-              </a:rPr>
-              <a:t> 2/4</a:t>
-            </a:r>
-          </a:p>
-        </p:txBody>
-      </p:sp>
-      <p:sp>
-        <p:nvSpPr>
-          <p:cNvPr id="5" name="Tekstvak 4">
-            <a:extLst>
-              <a:ext uri="{FF2B5EF4-FFF2-40B4-BE49-F238E27FC236}">
-                <a16:creationId xmlns:a16="http://schemas.microsoft.com/office/drawing/2014/main" id="{EDB22DDF-FEB6-0344-B86C-E25507595155}"/>
-              </a:ext>
-            </a:extLst>
-          </p:cNvPr>
-          <p:cNvSpPr txBox="1"/>
-          <p:nvPr/>
-        </p:nvSpPr>
-        <p:spPr>
-          <a:xfrm>
-            <a:off x="179512" y="2466348"/>
-            <a:ext cx="3624710" cy="1015663"/>
-          </a:xfrm>
-          <a:prstGeom prst="rect">
-            <a:avLst/>
-          </a:prstGeom>
-          <a:solidFill>
-            <a:schemeClr val="tx1"/>
-          </a:solidFill>
-        </p:spPr>
-        <p:txBody>
-          <a:bodyPr wrap="none" rtlCol="0">
-            <a:spAutoFit/>
-          </a:bodyPr>
-          <a:lstStyle/>
-          <a:p>
-            <a:r>
-              <a:rPr lang="nl-NL" sz="1200" dirty="0">
-                <a:solidFill>
-                  <a:schemeClr val="bg1"/>
-                </a:solidFill>
-                <a:latin typeface="Lucida Console" panose="020B0609040504020204" pitchFamily="49" charset="0"/>
-              </a:rPr>
-              <a:t>@prefix schema: &lt;http://</a:t>
-            </a:r>
-            <a:r>
-              <a:rPr lang="nl-NL" sz="1200" dirty="0" err="1">
-                <a:solidFill>
-                  <a:schemeClr val="bg1"/>
-                </a:solidFill>
-                <a:latin typeface="Lucida Console" panose="020B0609040504020204" pitchFamily="49" charset="0"/>
-              </a:rPr>
-              <a:t>schema.org</a:t>
-            </a:r>
-            <a:r>
-              <a:rPr lang="nl-NL" sz="1200" dirty="0">
-                <a:solidFill>
-                  <a:schemeClr val="bg1"/>
-                </a:solidFill>
-                <a:latin typeface="Lucida Console" panose="020B0609040504020204" pitchFamily="49" charset="0"/>
-              </a:rPr>
-              <a:t>/&gt;.</a:t>
-            </a:r>
-          </a:p>
-          <a:p>
-            <a:r>
-              <a:rPr lang="nl-NL" sz="1200" dirty="0">
-                <a:solidFill>
-                  <a:schemeClr val="bg1"/>
-                </a:solidFill>
-                <a:latin typeface="Lucida Console" panose="020B0609040504020204" pitchFamily="49" charset="0"/>
-              </a:rPr>
-              <a:t>@prefix ex: &lt;http://</a:t>
-            </a:r>
-            <a:r>
-              <a:rPr lang="nl-NL" sz="1200" dirty="0" err="1">
-                <a:solidFill>
-                  <a:schemeClr val="bg1"/>
-                </a:solidFill>
-                <a:latin typeface="Lucida Console" panose="020B0609040504020204" pitchFamily="49" charset="0"/>
-              </a:rPr>
-              <a:t>example.org</a:t>
-            </a:r>
-            <a:r>
-              <a:rPr lang="nl-NL" sz="1200" dirty="0">
-                <a:solidFill>
-                  <a:schemeClr val="bg1"/>
-                </a:solidFill>
-                <a:latin typeface="Lucida Console" panose="020B0609040504020204" pitchFamily="49" charset="0"/>
-              </a:rPr>
-              <a:t>/&gt;.</a:t>
-            </a:r>
-          </a:p>
-          <a:p>
-            <a:r>
-              <a:rPr lang="nl-NL" sz="1200" dirty="0" err="1">
-                <a:solidFill>
-                  <a:schemeClr val="bg1"/>
-                </a:solidFill>
-                <a:latin typeface="Lucida Console" panose="020B0609040504020204" pitchFamily="49" charset="0"/>
-              </a:rPr>
-              <a:t>ex:Geonovum</a:t>
-            </a:r>
-            <a:r>
-              <a:rPr lang="nl-NL" sz="1200" dirty="0">
-                <a:solidFill>
-                  <a:schemeClr val="bg1"/>
-                </a:solidFill>
-                <a:latin typeface="Lucida Console" panose="020B0609040504020204" pitchFamily="49" charset="0"/>
-              </a:rPr>
-              <a:t> </a:t>
-            </a:r>
-            <a:r>
-              <a:rPr lang="nl-NL" sz="1200" dirty="0" err="1">
-                <a:solidFill>
-                  <a:schemeClr val="bg1"/>
-                </a:solidFill>
-                <a:latin typeface="Lucida Console" panose="020B0609040504020204" pitchFamily="49" charset="0"/>
-              </a:rPr>
-              <a:t>schema:employee</a:t>
-            </a:r>
-            <a:r>
-              <a:rPr lang="nl-NL" sz="1200" dirty="0">
-                <a:solidFill>
-                  <a:schemeClr val="bg1"/>
-                </a:solidFill>
-                <a:latin typeface="Lucida Console" panose="020B0609040504020204" pitchFamily="49" charset="0"/>
-              </a:rPr>
-              <a:t> </a:t>
-            </a:r>
-            <a:r>
-              <a:rPr lang="nl-NL" sz="1200" dirty="0" err="1">
-                <a:solidFill>
-                  <a:schemeClr val="bg1"/>
-                </a:solidFill>
-                <a:latin typeface="Lucida Console" panose="020B0609040504020204" pitchFamily="49" charset="0"/>
-              </a:rPr>
-              <a:t>ex:Paul</a:t>
-            </a:r>
-            <a:r>
-              <a:rPr lang="nl-NL" sz="1200" dirty="0">
-                <a:solidFill>
-                  <a:schemeClr val="bg1"/>
-                </a:solidFill>
-                <a:latin typeface="Lucida Console" panose="020B0609040504020204" pitchFamily="49" charset="0"/>
-              </a:rPr>
-              <a:t>.</a:t>
-            </a:r>
-          </a:p>
-          <a:p>
-            <a:r>
-              <a:rPr lang="nl-NL" sz="1200" dirty="0" err="1">
-                <a:solidFill>
-                  <a:schemeClr val="bg1"/>
-                </a:solidFill>
-                <a:latin typeface="Lucida Console" panose="020B0609040504020204" pitchFamily="49" charset="0"/>
-              </a:rPr>
-              <a:t>ex:Paul</a:t>
-            </a:r>
-            <a:r>
-              <a:rPr lang="nl-NL" sz="1200" dirty="0">
-                <a:solidFill>
-                  <a:schemeClr val="bg1"/>
-                </a:solidFill>
-                <a:latin typeface="Lucida Console" panose="020B0609040504020204" pitchFamily="49" charset="0"/>
-              </a:rPr>
-              <a:t> a </a:t>
-            </a:r>
-            <a:r>
-              <a:rPr lang="nl-NL" sz="1200" dirty="0" err="1">
-                <a:solidFill>
-                  <a:schemeClr val="bg1"/>
-                </a:solidFill>
-                <a:latin typeface="Lucida Console" panose="020B0609040504020204" pitchFamily="49" charset="0"/>
-              </a:rPr>
-              <a:t>schema:Person</a:t>
-            </a:r>
-            <a:r>
-              <a:rPr lang="nl-NL" sz="1200" dirty="0">
-                <a:solidFill>
-                  <a:schemeClr val="bg1"/>
-                </a:solidFill>
-                <a:latin typeface="Lucida Console" panose="020B0609040504020204" pitchFamily="49" charset="0"/>
-              </a:rPr>
-              <a:t>.</a:t>
-            </a:r>
-          </a:p>
-          <a:p>
-            <a:r>
-              <a:rPr lang="nl-NL" sz="1200" dirty="0" err="1">
-                <a:solidFill>
-                  <a:schemeClr val="bg1"/>
-                </a:solidFill>
-                <a:latin typeface="Lucida Console" panose="020B0609040504020204" pitchFamily="49" charset="0"/>
-              </a:rPr>
-              <a:t>ex:Geonovum</a:t>
-            </a:r>
-            <a:r>
-              <a:rPr lang="nl-NL" sz="1200" dirty="0">
-                <a:solidFill>
-                  <a:schemeClr val="bg1"/>
-                </a:solidFill>
-                <a:latin typeface="Lucida Console" panose="020B0609040504020204" pitchFamily="49" charset="0"/>
-              </a:rPr>
-              <a:t> a </a:t>
-            </a:r>
-            <a:r>
-              <a:rPr lang="nl-NL" sz="1200" dirty="0" err="1">
-                <a:solidFill>
-                  <a:schemeClr val="bg1"/>
-                </a:solidFill>
-                <a:latin typeface="Lucida Console" panose="020B0609040504020204" pitchFamily="49" charset="0"/>
-              </a:rPr>
-              <a:t>schema:Organization</a:t>
-            </a:r>
-            <a:r>
-              <a:rPr lang="nl-NL" sz="1200" dirty="0">
-                <a:solidFill>
-                  <a:schemeClr val="bg1"/>
-                </a:solidFill>
-                <a:latin typeface="Lucida Console" panose="020B0609040504020204" pitchFamily="49" charset="0"/>
-              </a:rPr>
-              <a:t>.</a:t>
-            </a:r>
-          </a:p>
-        </p:txBody>
-      </p:sp>
-      <p:grpSp>
-        <p:nvGrpSpPr>
-          <p:cNvPr id="4" name="Groep 3">
-            <a:extLst>
-              <a:ext uri="{FF2B5EF4-FFF2-40B4-BE49-F238E27FC236}">
-                <a16:creationId xmlns:a16="http://schemas.microsoft.com/office/drawing/2014/main" id="{8C39B33F-EDF8-A746-B30F-9F26604C2A02}"/>
-              </a:ext>
-            </a:extLst>
-          </p:cNvPr>
-          <p:cNvGrpSpPr/>
-          <p:nvPr/>
-        </p:nvGrpSpPr>
-        <p:grpSpPr>
-          <a:xfrm>
-            <a:off x="2123728" y="1116245"/>
-            <a:ext cx="3454132" cy="1167473"/>
-            <a:chOff x="2123728" y="1116245"/>
-            <a:chExt cx="3454132" cy="1167473"/>
-          </a:xfrm>
-        </p:grpSpPr>
-        <p:sp>
-          <p:nvSpPr>
-            <p:cNvPr id="10" name="Ovaal 9">
-              <a:extLst>
-                <a:ext uri="{FF2B5EF4-FFF2-40B4-BE49-F238E27FC236}">
-                  <a16:creationId xmlns:a16="http://schemas.microsoft.com/office/drawing/2014/main" id="{CCE19E8B-9866-D843-89F2-F054BA2668EC}"/>
-                </a:ext>
-              </a:extLst>
-            </p:cNvPr>
-            <p:cNvSpPr/>
-            <p:nvPr/>
-          </p:nvSpPr>
-          <p:spPr>
-            <a:xfrm>
-              <a:off x="4858906" y="1131590"/>
-              <a:ext cx="648072" cy="369332"/>
-            </a:xfrm>
-            <a:prstGeom prst="ellipse">
-              <a:avLst/>
-            </a:prstGeom>
-            <a:noFill/>
-            <a:ln>
-              <a:solidFill>
-                <a:srgbClr val="FF0000"/>
-              </a:solidFill>
-            </a:ln>
-          </p:spPr>
-          <p:style>
-            <a:lnRef idx="2">
-              <a:schemeClr val="accent1">
-                <a:shade val="50000"/>
-              </a:schemeClr>
-            </a:lnRef>
-            <a:fillRef idx="1">
-              <a:schemeClr val="accent1"/>
-            </a:fillRef>
-            <a:effectRef idx="0">
-              <a:schemeClr val="accent1"/>
-            </a:effectRef>
-            <a:fontRef idx="minor">
-              <a:schemeClr val="lt1"/>
-            </a:fontRef>
-          </p:style>
-          <p:txBody>
-            <a:bodyPr wrap="none" rtlCol="0" anchor="ctr"/>
-            <a:lstStyle/>
-            <a:p>
-              <a:pPr algn="ctr"/>
-              <a:r>
-                <a:rPr lang="nl-NL" dirty="0">
-                  <a:solidFill>
-                    <a:schemeClr val="tx1"/>
-                  </a:solidFill>
-                </a:rPr>
-                <a:t>Paul</a:t>
-              </a:r>
-            </a:p>
-          </p:txBody>
-        </p:sp>
-        <p:sp>
-          <p:nvSpPr>
-            <p:cNvPr id="12" name="Ovaal 11">
-              <a:extLst>
-                <a:ext uri="{FF2B5EF4-FFF2-40B4-BE49-F238E27FC236}">
-                  <a16:creationId xmlns:a16="http://schemas.microsoft.com/office/drawing/2014/main" id="{3887D915-F74B-F64D-BC1F-225B12298621}"/>
-                </a:ext>
-              </a:extLst>
-            </p:cNvPr>
-            <p:cNvSpPr/>
-            <p:nvPr/>
-          </p:nvSpPr>
-          <p:spPr>
-            <a:xfrm>
-              <a:off x="2267744" y="1116245"/>
-              <a:ext cx="1152128" cy="369332"/>
-            </a:xfrm>
-            <a:prstGeom prst="ellipse">
-              <a:avLst/>
-            </a:prstGeom>
-            <a:noFill/>
-            <a:ln>
-              <a:solidFill>
-                <a:srgbClr val="FF0000"/>
-              </a:solidFill>
-            </a:ln>
-          </p:spPr>
-          <p:style>
-            <a:lnRef idx="2">
-              <a:schemeClr val="accent1">
-                <a:shade val="50000"/>
-              </a:schemeClr>
-            </a:lnRef>
-            <a:fillRef idx="1">
-              <a:schemeClr val="accent1"/>
-            </a:fillRef>
-            <a:effectRef idx="0">
-              <a:schemeClr val="accent1"/>
-            </a:effectRef>
-            <a:fontRef idx="minor">
-              <a:schemeClr val="lt1"/>
-            </a:fontRef>
-          </p:style>
-          <p:txBody>
-            <a:bodyPr wrap="none" rtlCol="0" anchor="ctr"/>
-            <a:lstStyle/>
-            <a:p>
-              <a:pPr algn="ctr"/>
-              <a:r>
-                <a:rPr lang="nl-NL" dirty="0" err="1">
-                  <a:solidFill>
-                    <a:schemeClr val="tx1"/>
-                  </a:solidFill>
-                </a:rPr>
-                <a:t>Geonovum</a:t>
-              </a:r>
-              <a:endParaRPr lang="nl-NL" dirty="0">
-                <a:solidFill>
-                  <a:schemeClr val="tx1"/>
-                </a:solidFill>
-              </a:endParaRPr>
-            </a:p>
-          </p:txBody>
-        </p:sp>
-        <p:cxnSp>
-          <p:nvCxnSpPr>
-            <p:cNvPr id="3" name="Rechte verbindingslijn met pijl 2">
-              <a:extLst>
-                <a:ext uri="{FF2B5EF4-FFF2-40B4-BE49-F238E27FC236}">
-                  <a16:creationId xmlns:a16="http://schemas.microsoft.com/office/drawing/2014/main" id="{7A866D23-00AF-6540-A608-396F51575F4C}"/>
-                </a:ext>
-              </a:extLst>
-            </p:cNvPr>
-            <p:cNvCxnSpPr>
-              <a:cxnSpLocks/>
-              <a:stCxn id="10" idx="2"/>
-              <a:endCxn id="12" idx="6"/>
-            </p:cNvCxnSpPr>
-            <p:nvPr/>
-          </p:nvCxnSpPr>
-          <p:spPr>
-            <a:xfrm flipH="1" flipV="1">
-              <a:off x="3419872" y="1300911"/>
-              <a:ext cx="1439034" cy="15345"/>
-            </a:xfrm>
-            <a:prstGeom prst="straightConnector1">
-              <a:avLst/>
-            </a:prstGeom>
-            <a:noFill/>
-            <a:ln>
-              <a:solidFill>
-                <a:srgbClr val="FF0000"/>
-              </a:solidFill>
-              <a:headEnd type="arrow" w="med" len="med"/>
-              <a:tailEnd type="none" w="med" len="med"/>
-            </a:ln>
-          </p:spPr>
-          <p:style>
-            <a:lnRef idx="2">
-              <a:schemeClr val="accent1">
-                <a:shade val="50000"/>
-              </a:schemeClr>
-            </a:lnRef>
-            <a:fillRef idx="1">
-              <a:schemeClr val="accent1"/>
-            </a:fillRef>
-            <a:effectRef idx="0">
-              <a:schemeClr val="accent1"/>
-            </a:effectRef>
-            <a:fontRef idx="minor">
-              <a:schemeClr val="lt1"/>
-            </a:fontRef>
-          </p:style>
-        </p:cxnSp>
-        <p:sp>
-          <p:nvSpPr>
-            <p:cNvPr id="9" name="Rechthoek 8">
-              <a:extLst>
-                <a:ext uri="{FF2B5EF4-FFF2-40B4-BE49-F238E27FC236}">
-                  <a16:creationId xmlns:a16="http://schemas.microsoft.com/office/drawing/2014/main" id="{707B76D7-48D9-544F-8EF6-E3F4C12D25E8}"/>
-                </a:ext>
-              </a:extLst>
-            </p:cNvPr>
-            <p:cNvSpPr/>
-            <p:nvPr/>
-          </p:nvSpPr>
-          <p:spPr>
-            <a:xfrm>
-              <a:off x="3741852" y="1244248"/>
-              <a:ext cx="902156" cy="144016"/>
-            </a:xfrm>
-            <a:prstGeom prst="rect">
-              <a:avLst/>
-            </a:prstGeom>
-            <a:solidFill>
-              <a:schemeClr val="bg1"/>
-            </a:solidFill>
-            <a:ln>
-              <a:noFill/>
-            </a:ln>
-          </p:spPr>
-          <p:style>
-            <a:lnRef idx="2">
-              <a:schemeClr val="accent1">
-                <a:shade val="50000"/>
-              </a:schemeClr>
-            </a:lnRef>
-            <a:fillRef idx="1">
-              <a:schemeClr val="accent1"/>
-            </a:fillRef>
-            <a:effectRef idx="0">
-              <a:schemeClr val="accent1"/>
-            </a:effectRef>
-            <a:fontRef idx="minor">
-              <a:schemeClr val="lt1"/>
-            </a:fontRef>
-          </p:style>
-          <p:txBody>
-            <a:bodyPr rtlCol="0" anchor="ctr"/>
-            <a:lstStyle/>
-            <a:p>
-              <a:pPr algn="ctr"/>
-              <a:endParaRPr lang="nl-NL"/>
-            </a:p>
-          </p:txBody>
-        </p:sp>
-        <p:sp>
-          <p:nvSpPr>
-            <p:cNvPr id="22" name="Tekstvak 21">
-              <a:extLst>
-                <a:ext uri="{FF2B5EF4-FFF2-40B4-BE49-F238E27FC236}">
-                  <a16:creationId xmlns:a16="http://schemas.microsoft.com/office/drawing/2014/main" id="{E6335208-DDE3-F247-867D-EDEC37676171}"/>
-                </a:ext>
-              </a:extLst>
-            </p:cNvPr>
-            <p:cNvSpPr txBox="1"/>
-            <p:nvPr/>
-          </p:nvSpPr>
-          <p:spPr>
-            <a:xfrm>
-              <a:off x="3676053" y="1131590"/>
-              <a:ext cx="1111971" cy="369332"/>
-            </a:xfrm>
-            <a:prstGeom prst="rect">
-              <a:avLst/>
-            </a:prstGeom>
-            <a:noFill/>
-          </p:spPr>
-          <p:txBody>
-            <a:bodyPr wrap="none" rtlCol="0">
-              <a:spAutoFit/>
-            </a:bodyPr>
-            <a:lstStyle/>
-            <a:p>
-              <a:r>
-                <a:rPr lang="nl-NL" dirty="0"/>
-                <a:t>employee</a:t>
-              </a:r>
-            </a:p>
-          </p:txBody>
-        </p:sp>
-        <p:sp>
-          <p:nvSpPr>
-            <p:cNvPr id="25" name="Ovaal 24">
-              <a:extLst>
-                <a:ext uri="{FF2B5EF4-FFF2-40B4-BE49-F238E27FC236}">
-                  <a16:creationId xmlns:a16="http://schemas.microsoft.com/office/drawing/2014/main" id="{CBEDF320-2B40-B04B-9644-469600F03181}"/>
-                </a:ext>
-              </a:extLst>
-            </p:cNvPr>
-            <p:cNvSpPr/>
-            <p:nvPr/>
-          </p:nvSpPr>
-          <p:spPr>
-            <a:xfrm>
-              <a:off x="4788024" y="1914386"/>
-              <a:ext cx="789836" cy="369332"/>
-            </a:xfrm>
-            <a:prstGeom prst="ellipse">
-              <a:avLst/>
-            </a:prstGeom>
-            <a:noFill/>
-            <a:ln>
-              <a:solidFill>
-                <a:srgbClr val="0070C0"/>
-              </a:solidFill>
-            </a:ln>
-          </p:spPr>
-          <p:style>
-            <a:lnRef idx="2">
-              <a:schemeClr val="accent1">
-                <a:shade val="50000"/>
-              </a:schemeClr>
-            </a:lnRef>
-            <a:fillRef idx="1">
-              <a:schemeClr val="accent1"/>
-            </a:fillRef>
-            <a:effectRef idx="0">
-              <a:schemeClr val="accent1"/>
-            </a:effectRef>
-            <a:fontRef idx="minor">
-              <a:schemeClr val="lt1"/>
-            </a:fontRef>
-          </p:style>
-          <p:txBody>
-            <a:bodyPr wrap="none" rtlCol="0" anchor="ctr"/>
-            <a:lstStyle/>
-            <a:p>
-              <a:pPr algn="ctr"/>
-              <a:r>
-                <a:rPr lang="nl-NL" dirty="0">
-                  <a:solidFill>
-                    <a:schemeClr val="tx1"/>
-                  </a:solidFill>
-                </a:rPr>
-                <a:t>Person</a:t>
-              </a:r>
-            </a:p>
-          </p:txBody>
-        </p:sp>
-        <p:sp>
-          <p:nvSpPr>
-            <p:cNvPr id="26" name="Ovaal 25">
-              <a:extLst>
-                <a:ext uri="{FF2B5EF4-FFF2-40B4-BE49-F238E27FC236}">
-                  <a16:creationId xmlns:a16="http://schemas.microsoft.com/office/drawing/2014/main" id="{B1A9E7C1-96A4-FE40-9D04-E2F2BABA9C00}"/>
-                </a:ext>
-              </a:extLst>
-            </p:cNvPr>
-            <p:cNvSpPr/>
-            <p:nvPr/>
-          </p:nvSpPr>
-          <p:spPr>
-            <a:xfrm>
-              <a:off x="2123728" y="1899041"/>
-              <a:ext cx="1440160" cy="369332"/>
-            </a:xfrm>
-            <a:prstGeom prst="ellipse">
-              <a:avLst/>
-            </a:prstGeom>
-            <a:noFill/>
-            <a:ln>
-              <a:solidFill>
-                <a:srgbClr val="0070C0"/>
-              </a:solidFill>
-            </a:ln>
-          </p:spPr>
-          <p:style>
-            <a:lnRef idx="2">
-              <a:schemeClr val="accent1">
-                <a:shade val="50000"/>
-              </a:schemeClr>
-            </a:lnRef>
-            <a:fillRef idx="1">
-              <a:schemeClr val="accent1"/>
-            </a:fillRef>
-            <a:effectRef idx="0">
-              <a:schemeClr val="accent1"/>
-            </a:effectRef>
-            <a:fontRef idx="minor">
-              <a:schemeClr val="lt1"/>
-            </a:fontRef>
-          </p:style>
-          <p:txBody>
-            <a:bodyPr wrap="none" rtlCol="0" anchor="ctr"/>
-            <a:lstStyle/>
-            <a:p>
-              <a:pPr algn="ctr"/>
-              <a:r>
-                <a:rPr lang="nl-NL" dirty="0" err="1">
-                  <a:solidFill>
-                    <a:schemeClr val="tx1"/>
-                  </a:solidFill>
-                </a:rPr>
-                <a:t>Organization</a:t>
-              </a:r>
-              <a:endParaRPr lang="nl-NL" dirty="0">
-                <a:solidFill>
-                  <a:schemeClr val="tx1"/>
-                </a:solidFill>
-              </a:endParaRPr>
-            </a:p>
-          </p:txBody>
-        </p:sp>
-        <p:cxnSp>
-          <p:nvCxnSpPr>
-            <p:cNvPr id="18" name="Rechte verbindingslijn met pijl 17">
-              <a:extLst>
-                <a:ext uri="{FF2B5EF4-FFF2-40B4-BE49-F238E27FC236}">
-                  <a16:creationId xmlns:a16="http://schemas.microsoft.com/office/drawing/2014/main" id="{A376981A-61FA-6D4D-A076-F86AE97F7841}"/>
-                </a:ext>
-              </a:extLst>
-            </p:cNvPr>
-            <p:cNvCxnSpPr>
-              <a:stCxn id="10" idx="4"/>
-              <a:endCxn id="25" idx="0"/>
-            </p:cNvCxnSpPr>
-            <p:nvPr/>
-          </p:nvCxnSpPr>
-          <p:spPr>
-            <a:xfrm>
-              <a:off x="5182942" y="1500922"/>
-              <a:ext cx="0" cy="413464"/>
-            </a:xfrm>
-            <a:prstGeom prst="straightConnector1">
-              <a:avLst/>
-            </a:prstGeom>
-            <a:noFill/>
-            <a:ln>
-              <a:solidFill>
-                <a:srgbClr val="FF0000"/>
-              </a:solidFill>
-              <a:headEnd type="none" w="med" len="med"/>
-              <a:tailEnd type="arrow" w="med" len="med"/>
-            </a:ln>
-          </p:spPr>
-          <p:style>
-            <a:lnRef idx="2">
-              <a:schemeClr val="accent1">
-                <a:shade val="50000"/>
-              </a:schemeClr>
-            </a:lnRef>
-            <a:fillRef idx="1">
-              <a:schemeClr val="accent1"/>
-            </a:fillRef>
-            <a:effectRef idx="0">
-              <a:schemeClr val="accent1"/>
-            </a:effectRef>
-            <a:fontRef idx="minor">
-              <a:schemeClr val="lt1"/>
-            </a:fontRef>
-          </p:style>
-        </p:cxnSp>
-        <p:cxnSp>
-          <p:nvCxnSpPr>
-            <p:cNvPr id="28" name="Rechte verbindingslijn met pijl 27">
-              <a:extLst>
-                <a:ext uri="{FF2B5EF4-FFF2-40B4-BE49-F238E27FC236}">
-                  <a16:creationId xmlns:a16="http://schemas.microsoft.com/office/drawing/2014/main" id="{3B64B00D-D563-A84B-8BAD-39BF5C1252F7}"/>
-                </a:ext>
-              </a:extLst>
-            </p:cNvPr>
-            <p:cNvCxnSpPr>
-              <a:cxnSpLocks/>
-              <a:stCxn id="12" idx="4"/>
-              <a:endCxn id="26" idx="0"/>
-            </p:cNvCxnSpPr>
-            <p:nvPr/>
-          </p:nvCxnSpPr>
-          <p:spPr>
-            <a:xfrm>
-              <a:off x="2843808" y="1485577"/>
-              <a:ext cx="0" cy="413464"/>
-            </a:xfrm>
-            <a:prstGeom prst="straightConnector1">
-              <a:avLst/>
-            </a:prstGeom>
-            <a:noFill/>
-            <a:ln>
-              <a:solidFill>
-                <a:srgbClr val="FF0000"/>
-              </a:solidFill>
-              <a:headEnd type="none" w="med" len="med"/>
-              <a:tailEnd type="arrow" w="med" len="med"/>
-            </a:ln>
-          </p:spPr>
-          <p:style>
-            <a:lnRef idx="2">
-              <a:schemeClr val="accent1">
-                <a:shade val="50000"/>
-              </a:schemeClr>
-            </a:lnRef>
-            <a:fillRef idx="1">
-              <a:schemeClr val="accent1"/>
-            </a:fillRef>
-            <a:effectRef idx="0">
-              <a:schemeClr val="accent1"/>
-            </a:effectRef>
-            <a:fontRef idx="minor">
-              <a:schemeClr val="lt1"/>
-            </a:fontRef>
-          </p:style>
-        </p:cxnSp>
-        <p:sp>
-          <p:nvSpPr>
-            <p:cNvPr id="32" name="Tekstvak 31">
-              <a:extLst>
-                <a:ext uri="{FF2B5EF4-FFF2-40B4-BE49-F238E27FC236}">
-                  <a16:creationId xmlns:a16="http://schemas.microsoft.com/office/drawing/2014/main" id="{196AD3EF-EF4A-3E43-8C15-09E9637C4C9A}"/>
-                </a:ext>
-              </a:extLst>
-            </p:cNvPr>
-            <p:cNvSpPr txBox="1"/>
-            <p:nvPr/>
-          </p:nvSpPr>
-          <p:spPr>
-            <a:xfrm>
-              <a:off x="4933296" y="1450980"/>
-              <a:ext cx="495649" cy="369332"/>
-            </a:xfrm>
-            <a:prstGeom prst="rect">
-              <a:avLst/>
-            </a:prstGeom>
-            <a:noFill/>
-          </p:spPr>
-          <p:txBody>
-            <a:bodyPr wrap="none" rtlCol="0">
-              <a:spAutoFit/>
-            </a:bodyPr>
-            <a:lstStyle/>
-            <a:p>
-              <a:r>
-                <a:rPr lang="nl-NL" dirty="0"/>
-                <a:t>is a</a:t>
-              </a:r>
-            </a:p>
-          </p:txBody>
-        </p:sp>
-        <p:sp>
-          <p:nvSpPr>
-            <p:cNvPr id="35" name="Tekstvak 34">
-              <a:extLst>
-                <a:ext uri="{FF2B5EF4-FFF2-40B4-BE49-F238E27FC236}">
-                  <a16:creationId xmlns:a16="http://schemas.microsoft.com/office/drawing/2014/main" id="{FBDB3756-BC21-7641-B387-DD4F2D4D4A53}"/>
-                </a:ext>
-              </a:extLst>
-            </p:cNvPr>
-            <p:cNvSpPr txBox="1"/>
-            <p:nvPr/>
-          </p:nvSpPr>
-          <p:spPr>
-            <a:xfrm>
-              <a:off x="2591180" y="1435635"/>
-              <a:ext cx="612668" cy="369332"/>
-            </a:xfrm>
-            <a:prstGeom prst="rect">
-              <a:avLst/>
-            </a:prstGeom>
-            <a:noFill/>
-          </p:spPr>
-          <p:txBody>
-            <a:bodyPr wrap="none" rtlCol="0">
-              <a:spAutoFit/>
-            </a:bodyPr>
-            <a:lstStyle/>
-            <a:p>
-              <a:r>
-                <a:rPr lang="nl-NL" dirty="0"/>
-                <a:t>is </a:t>
-              </a:r>
-              <a:r>
-                <a:rPr lang="nl-NL" dirty="0" err="1"/>
-                <a:t>an</a:t>
-              </a:r>
-              <a:endParaRPr lang="nl-NL" dirty="0"/>
-            </a:p>
-          </p:txBody>
-        </p:sp>
-      </p:grpSp>
-      <p:pic>
-        <p:nvPicPr>
-          <p:cNvPr id="19" name="Afbeelding 18">
-            <a:extLst>
-              <a:ext uri="{FF2B5EF4-FFF2-40B4-BE49-F238E27FC236}">
-                <a16:creationId xmlns:a16="http://schemas.microsoft.com/office/drawing/2014/main" id="{9C9166C8-89EE-434E-81BD-3F55B8882F91}"/>
-              </a:ext>
-            </a:extLst>
-          </p:cNvPr>
-          <p:cNvPicPr>
-            <a:picLocks noChangeAspect="1"/>
-          </p:cNvPicPr>
-          <p:nvPr/>
-        </p:nvPicPr>
-        <p:blipFill>
-          <a:blip r:embed="rId2">
-            <a:extLst>
-              <a:ext uri="{28A0092B-C50C-407E-A947-70E740481C1C}">
-                <a14:useLocalDpi xmlns:a14="http://schemas.microsoft.com/office/drawing/2010/main" val="0"/>
-              </a:ext>
-            </a:extLst>
-          </a:blip>
-          <a:stretch>
-            <a:fillRect/>
-          </a:stretch>
-        </p:blipFill>
-        <p:spPr>
-          <a:xfrm>
-            <a:off x="3962386" y="2974179"/>
-            <a:ext cx="5130800" cy="1663700"/>
-          </a:xfrm>
-          <a:prstGeom prst="rect">
-            <a:avLst/>
-          </a:prstGeom>
-        </p:spPr>
-      </p:pic>
-      <p:pic>
-        <p:nvPicPr>
-          <p:cNvPr id="23" name="Afbeelding 22">
-            <a:extLst>
-              <a:ext uri="{FF2B5EF4-FFF2-40B4-BE49-F238E27FC236}">
-                <a16:creationId xmlns:a16="http://schemas.microsoft.com/office/drawing/2014/main" id="{D4E3B100-22EB-7A44-99A6-2635F41D664B}"/>
-              </a:ext>
-            </a:extLst>
-          </p:cNvPr>
-          <p:cNvPicPr>
-            <a:picLocks noChangeAspect="1"/>
-          </p:cNvPicPr>
-          <p:nvPr/>
-        </p:nvPicPr>
-        <p:blipFill>
-          <a:blip r:embed="rId3">
-            <a:extLst>
-              <a:ext uri="{28A0092B-C50C-407E-A947-70E740481C1C}">
-                <a14:useLocalDpi xmlns:a14="http://schemas.microsoft.com/office/drawing/2010/main" val="0"/>
-              </a:ext>
-            </a:extLst>
-          </a:blip>
-          <a:stretch>
-            <a:fillRect/>
-          </a:stretch>
-        </p:blipFill>
-        <p:spPr>
-          <a:xfrm>
-            <a:off x="6371960" y="355011"/>
-            <a:ext cx="1953756" cy="1928708"/>
-          </a:xfrm>
-          <a:prstGeom prst="rect">
-            <a:avLst/>
-          </a:prstGeom>
-          <a:ln>
-            <a:noFill/>
-          </a:ln>
-          <a:effectLst>
-            <a:outerShdw blurRad="292100" dist="139700" dir="2700000" algn="tl" rotWithShape="0">
-              <a:srgbClr val="333333">
-                <a:alpha val="65000"/>
-              </a:srgbClr>
-            </a:outerShdw>
-          </a:effectLst>
-        </p:spPr>
-      </p:pic>
-    </p:spTree>
-    <p:extLst>
-      <p:ext uri="{BB962C8B-B14F-4D97-AF65-F5344CB8AC3E}">
-        <p14:creationId xmlns:p14="http://schemas.microsoft.com/office/powerpoint/2010/main" val="2117340520"/>
-      </p:ext>
-    </p:extLst>
-  </p:cSld>
-  <p:clrMapOvr>
-    <a:masterClrMapping/>
-  </p:clrMapOvr>
-  <p:timing>
-    <p:tnLst>
-      <p:par>
-        <p:cTn id="1" dur="indefinite" restart="never" nodeType="tmRoot">
-          <p:childTnLst>
-            <p:seq concurrent="1" nextAc="seek">
-              <p:cTn id="2" dur="indefinite" nodeType="mainSeq">
-                <p:childTnLst>
-                  <p:par>
-                    <p:cTn id="3" fill="hold">
-                      <p:stCondLst>
-                        <p:cond delay="indefinite"/>
-                      </p:stCondLst>
-                      <p:childTnLst>
-                        <p:par>
-                          <p:cTn id="4" fill="hold">
-                            <p:stCondLst>
-                              <p:cond delay="0"/>
-                            </p:stCondLst>
-                            <p:childTnLst>
-                              <p:par>
-                                <p:cTn id="5" presetID="1" presetClass="entr" presetSubtype="0" fill="hold" nodeType="clickEffect">
-                                  <p:stCondLst>
-                                    <p:cond delay="0"/>
-                                  </p:stCondLst>
-                                  <p:childTnLst>
-                                    <p:set>
-                                      <p:cBhvr>
-                                        <p:cTn id="6" dur="1" fill="hold">
-                                          <p:stCondLst>
-                                            <p:cond delay="0"/>
-                                          </p:stCondLst>
-                                        </p:cTn>
-                                        <p:tgtEl>
-                                          <p:spTgt spid="23"/>
-                                        </p:tgtEl>
-                                        <p:attrNameLst>
-                                          <p:attrName>style.visibility</p:attrName>
-                                        </p:attrNameLst>
-                                      </p:cBhvr>
-                                      <p:to>
-                                        <p:strVal val="visible"/>
-                                      </p:to>
-                                    </p:set>
-                                  </p:childTnLst>
-                                </p:cTn>
-                              </p:par>
-                            </p:childTnLst>
-                          </p:cTn>
-                        </p:par>
-                      </p:childTnLst>
-                    </p:cTn>
-                  </p:par>
-                  <p:par>
-                    <p:cTn id="7" fill="hold">
-                      <p:stCondLst>
-                        <p:cond delay="indefinite"/>
-                      </p:stCondLst>
-                      <p:childTnLst>
-                        <p:par>
-                          <p:cTn id="8" fill="hold">
-                            <p:stCondLst>
-                              <p:cond delay="0"/>
-                            </p:stCondLst>
-                            <p:childTnLst>
-                              <p:par>
-                                <p:cTn id="9" presetID="1" presetClass="entr" presetSubtype="0" fill="hold" grpId="0" nodeType="clickEffect">
-                                  <p:stCondLst>
-                                    <p:cond delay="0"/>
-                                  </p:stCondLst>
-                                  <p:childTnLst>
-                                    <p:set>
-                                      <p:cBhvr>
-                                        <p:cTn id="10" dur="1" fill="hold">
-                                          <p:stCondLst>
-                                            <p:cond delay="0"/>
-                                          </p:stCondLst>
-                                        </p:cTn>
-                                        <p:tgtEl>
-                                          <p:spTgt spid="5"/>
-                                        </p:tgtEl>
-                                        <p:attrNameLst>
-                                          <p:attrName>style.visibility</p:attrName>
-                                        </p:attrNameLst>
-                                      </p:cBhvr>
-                                      <p:to>
-                                        <p:strVal val="visible"/>
-                                      </p:to>
-                                    </p:set>
-                                  </p:childTnLst>
-                                </p:cTn>
-                              </p:par>
-                            </p:childTnLst>
-                          </p:cTn>
-                        </p:par>
-                      </p:childTnLst>
-                    </p:cTn>
-                  </p:par>
-                  <p:par>
-                    <p:cTn id="11" fill="hold">
-                      <p:stCondLst>
-                        <p:cond delay="indefinite"/>
-                      </p:stCondLst>
-                      <p:childTnLst>
-                        <p:par>
-                          <p:cTn id="12" fill="hold">
-                            <p:stCondLst>
-                              <p:cond delay="0"/>
-                            </p:stCondLst>
-                            <p:childTnLst>
-                              <p:par>
-                                <p:cTn id="13" presetID="1" presetClass="entr" presetSubtype="0" fill="hold" nodeType="clickEffect">
-                                  <p:stCondLst>
-                                    <p:cond delay="0"/>
-                                  </p:stCondLst>
-                                  <p:childTnLst>
-                                    <p:set>
-                                      <p:cBhvr>
-                                        <p:cTn id="14" dur="1" fill="hold">
-                                          <p:stCondLst>
-                                            <p:cond delay="0"/>
-                                          </p:stCondLst>
-                                        </p:cTn>
-                                        <p:tgtEl>
-                                          <p:spTgt spid="4"/>
-                                        </p:tgtEl>
-                                        <p:attrNameLst>
-                                          <p:attrName>style.visibility</p:attrName>
-                                        </p:attrNameLst>
-                                      </p:cBhvr>
-                                      <p:to>
-                                        <p:strVal val="visible"/>
-                                      </p:to>
-                                    </p:set>
-                                  </p:childTnLst>
-                                </p:cTn>
-                              </p:par>
-                            </p:childTnLst>
-                          </p:cTn>
-                        </p:par>
-                      </p:childTnLst>
-                    </p:cTn>
-                  </p:par>
-                </p:childTnLst>
-              </p:cTn>
-              <p:prevCondLst>
-                <p:cond evt="onPrev" delay="0">
-                  <p:tgtEl>
-                    <p:sldTgt/>
-                  </p:tgtEl>
-                </p:cond>
-              </p:prevCondLst>
-              <p:nextCondLst>
-                <p:cond evt="onNext" delay="0">
-                  <p:tgtEl>
-                    <p:sldTgt/>
-                  </p:tgtEl>
-                </p:cond>
-              </p:nextCondLst>
-            </p:seq>
-          </p:childTnLst>
-        </p:cTn>
-      </p:par>
-    </p:tnLst>
-    <p:bldLst>
-      <p:bldP spid="5" grpId="0" animBg="1"/>
-    </p:bldLst>
-  </p:timing>
-</p:sld>
-</file>
-
 <file path=ppt/slides/slide3.xml><?xml version="1.0" encoding="utf-8"?>
 <p:sld xmlns:a="http://schemas.openxmlformats.org/drawingml/2006/main" xmlns:r="http://schemas.openxmlformats.org/officeDocument/2006/relationships" xmlns:p="http://schemas.openxmlformats.org/presentationml/2006/main">
   <p:cSld>
@@ -29439,7 +28467,7 @@
         <p:spPr>
           <a:xfrm>
             <a:off x="5236814" y="202185"/>
-            <a:ext cx="2664296" cy="857250"/>
+            <a:ext cx="3270448" cy="857250"/>
           </a:xfrm>
           <a:prstGeom prst="rect">
             <a:avLst/>
@@ -29466,6 +28494,10 @@
             </a:lvl1pPr>
           </a:lstStyle>
           <a:p>
+            <a:r>
+              <a:rPr lang="nl-NL" dirty="0"/>
+              <a:t>RDF /</a:t>
+            </a:r>
             <a:r>
               <a:rPr lang="nl-NL" dirty="0" err="1"/>
               <a:t>Linked</a:t>
@@ -33562,6 +32594,1332 @@
       </p:grpSpPr>
       <p:sp>
         <p:nvSpPr>
+          <p:cNvPr id="20" name="Tijdelijke aanduiding voor tekst 2">
+            <a:extLst>
+              <a:ext uri="{FF2B5EF4-FFF2-40B4-BE49-F238E27FC236}">
+                <a16:creationId xmlns:a16="http://schemas.microsoft.com/office/drawing/2014/main" id="{207B9049-C13C-4D49-BB34-9B4BC97693B3}"/>
+              </a:ext>
+            </a:extLst>
+          </p:cNvPr>
+          <p:cNvSpPr txBox="1">
+            <a:spLocks/>
+          </p:cNvSpPr>
+          <p:nvPr/>
+        </p:nvSpPr>
+        <p:spPr>
+          <a:xfrm>
+            <a:off x="6372200" y="0"/>
+            <a:ext cx="2771799" cy="699542"/>
+          </a:xfrm>
+          <a:prstGeom prst="rect">
+            <a:avLst/>
+          </a:prstGeom>
+        </p:spPr>
+        <p:txBody>
+          <a:bodyPr vert="horz" lIns="91440" tIns="45720" rIns="91440" bIns="45720" rtlCol="0" anchor="ctr">
+            <a:normAutofit/>
+          </a:bodyPr>
+          <a:lstStyle>
+            <a:lvl1pPr marL="0" indent="0" algn="l" defTabSz="914400" rtl="0" eaLnBrk="1" latinLnBrk="0" hangingPunct="1">
+              <a:spcBef>
+                <a:spcPct val="20000"/>
+              </a:spcBef>
+              <a:buFont typeface="Wingdings" panose="05000000000000000000" pitchFamily="2" charset="2"/>
+              <a:buNone/>
+              <a:defRPr sz="1800" b="1" kern="1200">
+                <a:solidFill>
+                  <a:srgbClr val="F58220"/>
+                </a:solidFill>
+                <a:latin typeface="Verdana" panose="020B0604030504040204" pitchFamily="34" charset="0"/>
+                <a:ea typeface="Verdana" panose="020B0604030504040204" pitchFamily="34" charset="0"/>
+                <a:cs typeface="Verdana" panose="020B0604030504040204" pitchFamily="34" charset="0"/>
+              </a:defRPr>
+            </a:lvl1pPr>
+            <a:lvl2pPr marL="742950" indent="-285750" algn="l" defTabSz="914400" rtl="0" eaLnBrk="1" latinLnBrk="0" hangingPunct="1">
+              <a:spcBef>
+                <a:spcPct val="20000"/>
+              </a:spcBef>
+              <a:buFont typeface="Arial" panose="020B0604020202020204" pitchFamily="34" charset="0"/>
+              <a:buChar char="–"/>
+              <a:defRPr sz="2800" kern="1200">
+                <a:solidFill>
+                  <a:schemeClr val="tx1"/>
+                </a:solidFill>
+                <a:latin typeface="Verdana" panose="020B0604030504040204" pitchFamily="34" charset="0"/>
+                <a:ea typeface="Verdana" panose="020B0604030504040204" pitchFamily="34" charset="0"/>
+                <a:cs typeface="Verdana" panose="020B0604030504040204" pitchFamily="34" charset="0"/>
+              </a:defRPr>
+            </a:lvl2pPr>
+            <a:lvl3pPr marL="1143000" indent="-228600" algn="l" defTabSz="914400" rtl="0" eaLnBrk="1" latinLnBrk="0" hangingPunct="1">
+              <a:spcBef>
+                <a:spcPct val="20000"/>
+              </a:spcBef>
+              <a:buFont typeface="Arial" panose="020B0604020202020204" pitchFamily="34" charset="0"/>
+              <a:buChar char="•"/>
+              <a:defRPr sz="2400" kern="1200">
+                <a:solidFill>
+                  <a:schemeClr val="tx1"/>
+                </a:solidFill>
+                <a:latin typeface="Verdana" panose="020B0604030504040204" pitchFamily="34" charset="0"/>
+                <a:ea typeface="Verdana" panose="020B0604030504040204" pitchFamily="34" charset="0"/>
+                <a:cs typeface="Verdana" panose="020B0604030504040204" pitchFamily="34" charset="0"/>
+              </a:defRPr>
+            </a:lvl3pPr>
+            <a:lvl4pPr marL="1600200" indent="-228600" algn="l" defTabSz="914400" rtl="0" eaLnBrk="1" latinLnBrk="0" hangingPunct="1">
+              <a:spcBef>
+                <a:spcPct val="20000"/>
+              </a:spcBef>
+              <a:buFont typeface="Arial" panose="020B0604020202020204" pitchFamily="34" charset="0"/>
+              <a:buChar char="–"/>
+              <a:defRPr sz="2000" kern="1200">
+                <a:solidFill>
+                  <a:schemeClr val="tx1"/>
+                </a:solidFill>
+                <a:latin typeface="+mn-lt"/>
+                <a:ea typeface="+mn-ea"/>
+                <a:cs typeface="+mn-cs"/>
+              </a:defRPr>
+            </a:lvl4pPr>
+            <a:lvl5pPr marL="2057400" indent="-228600" algn="l" defTabSz="914400" rtl="0" eaLnBrk="1" latinLnBrk="0" hangingPunct="1">
+              <a:spcBef>
+                <a:spcPct val="20000"/>
+              </a:spcBef>
+              <a:buFont typeface="Arial" panose="020B0604020202020204" pitchFamily="34" charset="0"/>
+              <a:buChar char="»"/>
+              <a:defRPr sz="2000" kern="1200">
+                <a:solidFill>
+                  <a:schemeClr val="tx1"/>
+                </a:solidFill>
+                <a:latin typeface="+mn-lt"/>
+                <a:ea typeface="+mn-ea"/>
+                <a:cs typeface="+mn-cs"/>
+              </a:defRPr>
+            </a:lvl5pPr>
+            <a:lvl6pPr marL="2514600" indent="-228600" algn="l" defTabSz="914400" rtl="0" eaLnBrk="1" latinLnBrk="0" hangingPunct="1">
+              <a:spcBef>
+                <a:spcPct val="20000"/>
+              </a:spcBef>
+              <a:buFont typeface="Arial" panose="020B0604020202020204" pitchFamily="34" charset="0"/>
+              <a:buChar char="•"/>
+              <a:defRPr sz="2000" kern="1200">
+                <a:solidFill>
+                  <a:schemeClr val="tx1"/>
+                </a:solidFill>
+                <a:latin typeface="+mn-lt"/>
+                <a:ea typeface="+mn-ea"/>
+                <a:cs typeface="+mn-cs"/>
+              </a:defRPr>
+            </a:lvl6pPr>
+            <a:lvl7pPr marL="2971800" indent="-228600" algn="l" defTabSz="914400" rtl="0" eaLnBrk="1" latinLnBrk="0" hangingPunct="1">
+              <a:spcBef>
+                <a:spcPct val="20000"/>
+              </a:spcBef>
+              <a:buFont typeface="Arial" panose="020B0604020202020204" pitchFamily="34" charset="0"/>
+              <a:buChar char="•"/>
+              <a:defRPr sz="2000" kern="1200">
+                <a:solidFill>
+                  <a:schemeClr val="tx1"/>
+                </a:solidFill>
+                <a:latin typeface="+mn-lt"/>
+                <a:ea typeface="+mn-ea"/>
+                <a:cs typeface="+mn-cs"/>
+              </a:defRPr>
+            </a:lvl7pPr>
+            <a:lvl8pPr marL="3429000" indent="-228600" algn="l" defTabSz="914400" rtl="0" eaLnBrk="1" latinLnBrk="0" hangingPunct="1">
+              <a:spcBef>
+                <a:spcPct val="20000"/>
+              </a:spcBef>
+              <a:buFont typeface="Arial" panose="020B0604020202020204" pitchFamily="34" charset="0"/>
+              <a:buChar char="•"/>
+              <a:defRPr sz="2000" kern="1200">
+                <a:solidFill>
+                  <a:schemeClr val="tx1"/>
+                </a:solidFill>
+                <a:latin typeface="+mn-lt"/>
+                <a:ea typeface="+mn-ea"/>
+                <a:cs typeface="+mn-cs"/>
+              </a:defRPr>
+            </a:lvl8pPr>
+            <a:lvl9pPr marL="3886200" indent="-228600" algn="l" defTabSz="914400" rtl="0" eaLnBrk="1" latinLnBrk="0" hangingPunct="1">
+              <a:spcBef>
+                <a:spcPct val="20000"/>
+              </a:spcBef>
+              <a:buFont typeface="Arial" panose="020B0604020202020204" pitchFamily="34" charset="0"/>
+              <a:buChar char="•"/>
+              <a:defRPr sz="2000" kern="1200">
+                <a:solidFill>
+                  <a:schemeClr val="tx1"/>
+                </a:solidFill>
+                <a:latin typeface="+mn-lt"/>
+                <a:ea typeface="+mn-ea"/>
+                <a:cs typeface="+mn-cs"/>
+              </a:defRPr>
+            </a:lvl9pPr>
+          </a:lstStyle>
+          <a:p>
+            <a:pPr algn="ctr"/>
+            <a:r>
+              <a:rPr lang="nl-NL" b="0" dirty="0" err="1">
+                <a:solidFill>
+                  <a:schemeClr val="tx1"/>
+                </a:solidFill>
+              </a:rPr>
+              <a:t>Predicate</a:t>
+            </a:r>
+            <a:r>
+              <a:rPr lang="nl-NL" b="0" dirty="0">
+                <a:solidFill>
+                  <a:schemeClr val="tx1"/>
+                </a:solidFill>
+              </a:rPr>
+              <a:t> </a:t>
+            </a:r>
+            <a:r>
+              <a:rPr lang="nl-NL" b="0" dirty="0" err="1">
+                <a:solidFill>
+                  <a:schemeClr val="tx1"/>
+                </a:solidFill>
+              </a:rPr>
+              <a:t>vs</a:t>
+            </a:r>
+            <a:r>
+              <a:rPr lang="nl-NL" b="0" dirty="0">
+                <a:solidFill>
+                  <a:schemeClr val="tx1"/>
+                </a:solidFill>
+              </a:rPr>
+              <a:t> Property</a:t>
+            </a:r>
+          </a:p>
+        </p:txBody>
+      </p:sp>
+      <p:sp>
+        <p:nvSpPr>
+          <p:cNvPr id="7" name="Tijdelijke aanduiding voor tekst 2">
+            <a:extLst>
+              <a:ext uri="{FF2B5EF4-FFF2-40B4-BE49-F238E27FC236}">
+                <a16:creationId xmlns:a16="http://schemas.microsoft.com/office/drawing/2014/main" id="{622B0FC2-3BF8-414A-8761-928AF6A3C6EB}"/>
+              </a:ext>
+            </a:extLst>
+          </p:cNvPr>
+          <p:cNvSpPr>
+            <a:spLocks noGrp="1"/>
+          </p:cNvSpPr>
+          <p:nvPr>
+            <p:ph type="body" sz="quarter" idx="10"/>
+          </p:nvPr>
+        </p:nvSpPr>
+        <p:spPr>
+          <a:xfrm>
+            <a:off x="1" y="0"/>
+            <a:ext cx="2195735" cy="699542"/>
+          </a:xfrm>
+        </p:spPr>
+        <p:txBody>
+          <a:bodyPr anchor="ctr"/>
+          <a:lstStyle/>
+          <a:p>
+            <a:pPr algn="ctr"/>
+            <a:r>
+              <a:rPr lang="nl-NL" dirty="0" err="1">
+                <a:solidFill>
+                  <a:schemeClr val="tx1"/>
+                </a:solidFill>
+              </a:rPr>
+              <a:t>Example</a:t>
+            </a:r>
+            <a:r>
+              <a:rPr lang="nl-NL" dirty="0">
+                <a:solidFill>
+                  <a:schemeClr val="tx1"/>
+                </a:solidFill>
+              </a:rPr>
+              <a:t> 2/4</a:t>
+            </a:r>
+          </a:p>
+        </p:txBody>
+      </p:sp>
+      <p:sp>
+        <p:nvSpPr>
+          <p:cNvPr id="5" name="Tekstvak 4">
+            <a:extLst>
+              <a:ext uri="{FF2B5EF4-FFF2-40B4-BE49-F238E27FC236}">
+                <a16:creationId xmlns:a16="http://schemas.microsoft.com/office/drawing/2014/main" id="{EDB22DDF-FEB6-0344-B86C-E25507595155}"/>
+              </a:ext>
+            </a:extLst>
+          </p:cNvPr>
+          <p:cNvSpPr txBox="1"/>
+          <p:nvPr/>
+        </p:nvSpPr>
+        <p:spPr>
+          <a:xfrm>
+            <a:off x="179512" y="2466348"/>
+            <a:ext cx="3624710" cy="1015663"/>
+          </a:xfrm>
+          <a:prstGeom prst="rect">
+            <a:avLst/>
+          </a:prstGeom>
+          <a:solidFill>
+            <a:schemeClr val="tx1"/>
+          </a:solidFill>
+        </p:spPr>
+        <p:txBody>
+          <a:bodyPr wrap="none" rtlCol="0">
+            <a:spAutoFit/>
+          </a:bodyPr>
+          <a:lstStyle/>
+          <a:p>
+            <a:r>
+              <a:rPr lang="nl-NL" sz="1200" dirty="0">
+                <a:solidFill>
+                  <a:schemeClr val="bg1"/>
+                </a:solidFill>
+                <a:latin typeface="Lucida Console" panose="020B0609040504020204" pitchFamily="49" charset="0"/>
+              </a:rPr>
+              <a:t>@prefix schema: &lt;http://</a:t>
+            </a:r>
+            <a:r>
+              <a:rPr lang="nl-NL" sz="1200" dirty="0" err="1">
+                <a:solidFill>
+                  <a:schemeClr val="bg1"/>
+                </a:solidFill>
+                <a:latin typeface="Lucida Console" panose="020B0609040504020204" pitchFamily="49" charset="0"/>
+              </a:rPr>
+              <a:t>schema.org</a:t>
+            </a:r>
+            <a:r>
+              <a:rPr lang="nl-NL" sz="1200" dirty="0">
+                <a:solidFill>
+                  <a:schemeClr val="bg1"/>
+                </a:solidFill>
+                <a:latin typeface="Lucida Console" panose="020B0609040504020204" pitchFamily="49" charset="0"/>
+              </a:rPr>
+              <a:t>/&gt;.</a:t>
+            </a:r>
+          </a:p>
+          <a:p>
+            <a:r>
+              <a:rPr lang="nl-NL" sz="1200" dirty="0">
+                <a:solidFill>
+                  <a:schemeClr val="bg1"/>
+                </a:solidFill>
+                <a:latin typeface="Lucida Console" panose="020B0609040504020204" pitchFamily="49" charset="0"/>
+              </a:rPr>
+              <a:t>@prefix ex: &lt;http://</a:t>
+            </a:r>
+            <a:r>
+              <a:rPr lang="nl-NL" sz="1200" dirty="0" err="1">
+                <a:solidFill>
+                  <a:schemeClr val="bg1"/>
+                </a:solidFill>
+                <a:latin typeface="Lucida Console" panose="020B0609040504020204" pitchFamily="49" charset="0"/>
+              </a:rPr>
+              <a:t>example.org</a:t>
+            </a:r>
+            <a:r>
+              <a:rPr lang="nl-NL" sz="1200" dirty="0">
+                <a:solidFill>
+                  <a:schemeClr val="bg1"/>
+                </a:solidFill>
+                <a:latin typeface="Lucida Console" panose="020B0609040504020204" pitchFamily="49" charset="0"/>
+              </a:rPr>
+              <a:t>/&gt;.</a:t>
+            </a:r>
+          </a:p>
+          <a:p>
+            <a:r>
+              <a:rPr lang="nl-NL" sz="1200" dirty="0" err="1">
+                <a:solidFill>
+                  <a:schemeClr val="bg1"/>
+                </a:solidFill>
+                <a:latin typeface="Lucida Console" panose="020B0609040504020204" pitchFamily="49" charset="0"/>
+              </a:rPr>
+              <a:t>ex:Geonovum</a:t>
+            </a:r>
+            <a:r>
+              <a:rPr lang="nl-NL" sz="1200" dirty="0">
+                <a:solidFill>
+                  <a:schemeClr val="bg1"/>
+                </a:solidFill>
+                <a:latin typeface="Lucida Console" panose="020B0609040504020204" pitchFamily="49" charset="0"/>
+              </a:rPr>
+              <a:t> </a:t>
+            </a:r>
+            <a:r>
+              <a:rPr lang="nl-NL" sz="1200" dirty="0" err="1">
+                <a:solidFill>
+                  <a:schemeClr val="bg1"/>
+                </a:solidFill>
+                <a:latin typeface="Lucida Console" panose="020B0609040504020204" pitchFamily="49" charset="0"/>
+              </a:rPr>
+              <a:t>schema:employee</a:t>
+            </a:r>
+            <a:r>
+              <a:rPr lang="nl-NL" sz="1200" dirty="0">
+                <a:solidFill>
+                  <a:schemeClr val="bg1"/>
+                </a:solidFill>
+                <a:latin typeface="Lucida Console" panose="020B0609040504020204" pitchFamily="49" charset="0"/>
+              </a:rPr>
+              <a:t> </a:t>
+            </a:r>
+            <a:r>
+              <a:rPr lang="nl-NL" sz="1200" dirty="0" err="1">
+                <a:solidFill>
+                  <a:schemeClr val="bg1"/>
+                </a:solidFill>
+                <a:latin typeface="Lucida Console" panose="020B0609040504020204" pitchFamily="49" charset="0"/>
+              </a:rPr>
+              <a:t>ex:Paul</a:t>
+            </a:r>
+            <a:r>
+              <a:rPr lang="nl-NL" sz="1200" dirty="0">
+                <a:solidFill>
+                  <a:schemeClr val="bg1"/>
+                </a:solidFill>
+                <a:latin typeface="Lucida Console" panose="020B0609040504020204" pitchFamily="49" charset="0"/>
+              </a:rPr>
+              <a:t>.</a:t>
+            </a:r>
+          </a:p>
+          <a:p>
+            <a:r>
+              <a:rPr lang="nl-NL" sz="1200" dirty="0" err="1">
+                <a:solidFill>
+                  <a:schemeClr val="bg1"/>
+                </a:solidFill>
+                <a:latin typeface="Lucida Console" panose="020B0609040504020204" pitchFamily="49" charset="0"/>
+              </a:rPr>
+              <a:t>ex:Paul</a:t>
+            </a:r>
+            <a:r>
+              <a:rPr lang="nl-NL" sz="1200" dirty="0">
+                <a:solidFill>
+                  <a:schemeClr val="bg1"/>
+                </a:solidFill>
+                <a:latin typeface="Lucida Console" panose="020B0609040504020204" pitchFamily="49" charset="0"/>
+              </a:rPr>
+              <a:t> a </a:t>
+            </a:r>
+            <a:r>
+              <a:rPr lang="nl-NL" sz="1200" dirty="0" err="1">
+                <a:solidFill>
+                  <a:schemeClr val="bg1"/>
+                </a:solidFill>
+                <a:latin typeface="Lucida Console" panose="020B0609040504020204" pitchFamily="49" charset="0"/>
+              </a:rPr>
+              <a:t>schema:Person</a:t>
+            </a:r>
+            <a:r>
+              <a:rPr lang="nl-NL" sz="1200" dirty="0">
+                <a:solidFill>
+                  <a:schemeClr val="bg1"/>
+                </a:solidFill>
+                <a:latin typeface="Lucida Console" panose="020B0609040504020204" pitchFamily="49" charset="0"/>
+              </a:rPr>
+              <a:t>.</a:t>
+            </a:r>
+          </a:p>
+          <a:p>
+            <a:r>
+              <a:rPr lang="nl-NL" sz="1200" dirty="0" err="1">
+                <a:solidFill>
+                  <a:schemeClr val="bg1"/>
+                </a:solidFill>
+                <a:latin typeface="Lucida Console" panose="020B0609040504020204" pitchFamily="49" charset="0"/>
+              </a:rPr>
+              <a:t>ex:Geonovum</a:t>
+            </a:r>
+            <a:r>
+              <a:rPr lang="nl-NL" sz="1200" dirty="0">
+                <a:solidFill>
+                  <a:schemeClr val="bg1"/>
+                </a:solidFill>
+                <a:latin typeface="Lucida Console" panose="020B0609040504020204" pitchFamily="49" charset="0"/>
+              </a:rPr>
+              <a:t> a </a:t>
+            </a:r>
+            <a:r>
+              <a:rPr lang="nl-NL" sz="1200" dirty="0" err="1">
+                <a:solidFill>
+                  <a:schemeClr val="bg1"/>
+                </a:solidFill>
+                <a:latin typeface="Lucida Console" panose="020B0609040504020204" pitchFamily="49" charset="0"/>
+              </a:rPr>
+              <a:t>schema:Organization</a:t>
+            </a:r>
+            <a:r>
+              <a:rPr lang="nl-NL" sz="1200" dirty="0">
+                <a:solidFill>
+                  <a:schemeClr val="bg1"/>
+                </a:solidFill>
+                <a:latin typeface="Lucida Console" panose="020B0609040504020204" pitchFamily="49" charset="0"/>
+              </a:rPr>
+              <a:t>.</a:t>
+            </a:r>
+          </a:p>
+        </p:txBody>
+      </p:sp>
+      <p:grpSp>
+        <p:nvGrpSpPr>
+          <p:cNvPr id="4" name="Groep 3">
+            <a:extLst>
+              <a:ext uri="{FF2B5EF4-FFF2-40B4-BE49-F238E27FC236}">
+                <a16:creationId xmlns:a16="http://schemas.microsoft.com/office/drawing/2014/main" id="{8C39B33F-EDF8-A746-B30F-9F26604C2A02}"/>
+              </a:ext>
+            </a:extLst>
+          </p:cNvPr>
+          <p:cNvGrpSpPr/>
+          <p:nvPr/>
+        </p:nvGrpSpPr>
+        <p:grpSpPr>
+          <a:xfrm>
+            <a:off x="2123728" y="1116245"/>
+            <a:ext cx="3454132" cy="1167473"/>
+            <a:chOff x="2123728" y="1116245"/>
+            <a:chExt cx="3454132" cy="1167473"/>
+          </a:xfrm>
+        </p:grpSpPr>
+        <p:sp>
+          <p:nvSpPr>
+            <p:cNvPr id="10" name="Ovaal 9">
+              <a:extLst>
+                <a:ext uri="{FF2B5EF4-FFF2-40B4-BE49-F238E27FC236}">
+                  <a16:creationId xmlns:a16="http://schemas.microsoft.com/office/drawing/2014/main" id="{CCE19E8B-9866-D843-89F2-F054BA2668EC}"/>
+                </a:ext>
+              </a:extLst>
+            </p:cNvPr>
+            <p:cNvSpPr/>
+            <p:nvPr/>
+          </p:nvSpPr>
+          <p:spPr>
+            <a:xfrm>
+              <a:off x="4858906" y="1131590"/>
+              <a:ext cx="648072" cy="369332"/>
+            </a:xfrm>
+            <a:prstGeom prst="ellipse">
+              <a:avLst/>
+            </a:prstGeom>
+            <a:noFill/>
+            <a:ln>
+              <a:solidFill>
+                <a:srgbClr val="FF0000"/>
+              </a:solidFill>
+            </a:ln>
+          </p:spPr>
+          <p:style>
+            <a:lnRef idx="2">
+              <a:schemeClr val="accent1">
+                <a:shade val="50000"/>
+              </a:schemeClr>
+            </a:lnRef>
+            <a:fillRef idx="1">
+              <a:schemeClr val="accent1"/>
+            </a:fillRef>
+            <a:effectRef idx="0">
+              <a:schemeClr val="accent1"/>
+            </a:effectRef>
+            <a:fontRef idx="minor">
+              <a:schemeClr val="lt1"/>
+            </a:fontRef>
+          </p:style>
+          <p:txBody>
+            <a:bodyPr wrap="none" rtlCol="0" anchor="ctr"/>
+            <a:lstStyle/>
+            <a:p>
+              <a:pPr algn="ctr"/>
+              <a:r>
+                <a:rPr lang="nl-NL" dirty="0">
+                  <a:solidFill>
+                    <a:schemeClr val="tx1"/>
+                  </a:solidFill>
+                </a:rPr>
+                <a:t>Paul</a:t>
+              </a:r>
+            </a:p>
+          </p:txBody>
+        </p:sp>
+        <p:sp>
+          <p:nvSpPr>
+            <p:cNvPr id="12" name="Ovaal 11">
+              <a:extLst>
+                <a:ext uri="{FF2B5EF4-FFF2-40B4-BE49-F238E27FC236}">
+                  <a16:creationId xmlns:a16="http://schemas.microsoft.com/office/drawing/2014/main" id="{3887D915-F74B-F64D-BC1F-225B12298621}"/>
+                </a:ext>
+              </a:extLst>
+            </p:cNvPr>
+            <p:cNvSpPr/>
+            <p:nvPr/>
+          </p:nvSpPr>
+          <p:spPr>
+            <a:xfrm>
+              <a:off x="2267744" y="1116245"/>
+              <a:ext cx="1152128" cy="369332"/>
+            </a:xfrm>
+            <a:prstGeom prst="ellipse">
+              <a:avLst/>
+            </a:prstGeom>
+            <a:noFill/>
+            <a:ln>
+              <a:solidFill>
+                <a:srgbClr val="FF0000"/>
+              </a:solidFill>
+            </a:ln>
+          </p:spPr>
+          <p:style>
+            <a:lnRef idx="2">
+              <a:schemeClr val="accent1">
+                <a:shade val="50000"/>
+              </a:schemeClr>
+            </a:lnRef>
+            <a:fillRef idx="1">
+              <a:schemeClr val="accent1"/>
+            </a:fillRef>
+            <a:effectRef idx="0">
+              <a:schemeClr val="accent1"/>
+            </a:effectRef>
+            <a:fontRef idx="minor">
+              <a:schemeClr val="lt1"/>
+            </a:fontRef>
+          </p:style>
+          <p:txBody>
+            <a:bodyPr wrap="none" rtlCol="0" anchor="ctr"/>
+            <a:lstStyle/>
+            <a:p>
+              <a:pPr algn="ctr"/>
+              <a:r>
+                <a:rPr lang="nl-NL" dirty="0" err="1">
+                  <a:solidFill>
+                    <a:schemeClr val="tx1"/>
+                  </a:solidFill>
+                </a:rPr>
+                <a:t>Geonovum</a:t>
+              </a:r>
+              <a:endParaRPr lang="nl-NL" dirty="0">
+                <a:solidFill>
+                  <a:schemeClr val="tx1"/>
+                </a:solidFill>
+              </a:endParaRPr>
+            </a:p>
+          </p:txBody>
+        </p:sp>
+        <p:cxnSp>
+          <p:nvCxnSpPr>
+            <p:cNvPr id="3" name="Rechte verbindingslijn met pijl 2">
+              <a:extLst>
+                <a:ext uri="{FF2B5EF4-FFF2-40B4-BE49-F238E27FC236}">
+                  <a16:creationId xmlns:a16="http://schemas.microsoft.com/office/drawing/2014/main" id="{7A866D23-00AF-6540-A608-396F51575F4C}"/>
+                </a:ext>
+              </a:extLst>
+            </p:cNvPr>
+            <p:cNvCxnSpPr>
+              <a:cxnSpLocks/>
+              <a:stCxn id="10" idx="2"/>
+              <a:endCxn id="12" idx="6"/>
+            </p:cNvCxnSpPr>
+            <p:nvPr/>
+          </p:nvCxnSpPr>
+          <p:spPr>
+            <a:xfrm flipH="1" flipV="1">
+              <a:off x="3419872" y="1300911"/>
+              <a:ext cx="1439034" cy="15345"/>
+            </a:xfrm>
+            <a:prstGeom prst="straightConnector1">
+              <a:avLst/>
+            </a:prstGeom>
+            <a:noFill/>
+            <a:ln>
+              <a:solidFill>
+                <a:srgbClr val="FF0000"/>
+              </a:solidFill>
+              <a:headEnd type="arrow" w="med" len="med"/>
+              <a:tailEnd type="none" w="med" len="med"/>
+            </a:ln>
+          </p:spPr>
+          <p:style>
+            <a:lnRef idx="2">
+              <a:schemeClr val="accent1">
+                <a:shade val="50000"/>
+              </a:schemeClr>
+            </a:lnRef>
+            <a:fillRef idx="1">
+              <a:schemeClr val="accent1"/>
+            </a:fillRef>
+            <a:effectRef idx="0">
+              <a:schemeClr val="accent1"/>
+            </a:effectRef>
+            <a:fontRef idx="minor">
+              <a:schemeClr val="lt1"/>
+            </a:fontRef>
+          </p:style>
+        </p:cxnSp>
+        <p:sp>
+          <p:nvSpPr>
+            <p:cNvPr id="9" name="Rechthoek 8">
+              <a:extLst>
+                <a:ext uri="{FF2B5EF4-FFF2-40B4-BE49-F238E27FC236}">
+                  <a16:creationId xmlns:a16="http://schemas.microsoft.com/office/drawing/2014/main" id="{707B76D7-48D9-544F-8EF6-E3F4C12D25E8}"/>
+                </a:ext>
+              </a:extLst>
+            </p:cNvPr>
+            <p:cNvSpPr/>
+            <p:nvPr/>
+          </p:nvSpPr>
+          <p:spPr>
+            <a:xfrm>
+              <a:off x="3741852" y="1244248"/>
+              <a:ext cx="902156" cy="144016"/>
+            </a:xfrm>
+            <a:prstGeom prst="rect">
+              <a:avLst/>
+            </a:prstGeom>
+            <a:solidFill>
+              <a:schemeClr val="bg1"/>
+            </a:solidFill>
+            <a:ln>
+              <a:noFill/>
+            </a:ln>
+          </p:spPr>
+          <p:style>
+            <a:lnRef idx="2">
+              <a:schemeClr val="accent1">
+                <a:shade val="50000"/>
+              </a:schemeClr>
+            </a:lnRef>
+            <a:fillRef idx="1">
+              <a:schemeClr val="accent1"/>
+            </a:fillRef>
+            <a:effectRef idx="0">
+              <a:schemeClr val="accent1"/>
+            </a:effectRef>
+            <a:fontRef idx="minor">
+              <a:schemeClr val="lt1"/>
+            </a:fontRef>
+          </p:style>
+          <p:txBody>
+            <a:bodyPr rtlCol="0" anchor="ctr"/>
+            <a:lstStyle/>
+            <a:p>
+              <a:pPr algn="ctr"/>
+              <a:endParaRPr lang="nl-NL"/>
+            </a:p>
+          </p:txBody>
+        </p:sp>
+        <p:sp>
+          <p:nvSpPr>
+            <p:cNvPr id="22" name="Tekstvak 21">
+              <a:extLst>
+                <a:ext uri="{FF2B5EF4-FFF2-40B4-BE49-F238E27FC236}">
+                  <a16:creationId xmlns:a16="http://schemas.microsoft.com/office/drawing/2014/main" id="{E6335208-DDE3-F247-867D-EDEC37676171}"/>
+                </a:ext>
+              </a:extLst>
+            </p:cNvPr>
+            <p:cNvSpPr txBox="1"/>
+            <p:nvPr/>
+          </p:nvSpPr>
+          <p:spPr>
+            <a:xfrm>
+              <a:off x="3676053" y="1131590"/>
+              <a:ext cx="1111971" cy="369332"/>
+            </a:xfrm>
+            <a:prstGeom prst="rect">
+              <a:avLst/>
+            </a:prstGeom>
+            <a:noFill/>
+          </p:spPr>
+          <p:txBody>
+            <a:bodyPr wrap="none" rtlCol="0">
+              <a:spAutoFit/>
+            </a:bodyPr>
+            <a:lstStyle/>
+            <a:p>
+              <a:r>
+                <a:rPr lang="nl-NL" dirty="0"/>
+                <a:t>employee</a:t>
+              </a:r>
+            </a:p>
+          </p:txBody>
+        </p:sp>
+        <p:sp>
+          <p:nvSpPr>
+            <p:cNvPr id="25" name="Ovaal 24">
+              <a:extLst>
+                <a:ext uri="{FF2B5EF4-FFF2-40B4-BE49-F238E27FC236}">
+                  <a16:creationId xmlns:a16="http://schemas.microsoft.com/office/drawing/2014/main" id="{CBEDF320-2B40-B04B-9644-469600F03181}"/>
+                </a:ext>
+              </a:extLst>
+            </p:cNvPr>
+            <p:cNvSpPr/>
+            <p:nvPr/>
+          </p:nvSpPr>
+          <p:spPr>
+            <a:xfrm>
+              <a:off x="4788024" y="1914386"/>
+              <a:ext cx="789836" cy="369332"/>
+            </a:xfrm>
+            <a:prstGeom prst="ellipse">
+              <a:avLst/>
+            </a:prstGeom>
+            <a:noFill/>
+            <a:ln>
+              <a:solidFill>
+                <a:srgbClr val="0070C0"/>
+              </a:solidFill>
+            </a:ln>
+          </p:spPr>
+          <p:style>
+            <a:lnRef idx="2">
+              <a:schemeClr val="accent1">
+                <a:shade val="50000"/>
+              </a:schemeClr>
+            </a:lnRef>
+            <a:fillRef idx="1">
+              <a:schemeClr val="accent1"/>
+            </a:fillRef>
+            <a:effectRef idx="0">
+              <a:schemeClr val="accent1"/>
+            </a:effectRef>
+            <a:fontRef idx="minor">
+              <a:schemeClr val="lt1"/>
+            </a:fontRef>
+          </p:style>
+          <p:txBody>
+            <a:bodyPr wrap="none" rtlCol="0" anchor="ctr"/>
+            <a:lstStyle/>
+            <a:p>
+              <a:pPr algn="ctr"/>
+              <a:r>
+                <a:rPr lang="nl-NL" dirty="0">
+                  <a:solidFill>
+                    <a:schemeClr val="tx1"/>
+                  </a:solidFill>
+                </a:rPr>
+                <a:t>Person</a:t>
+              </a:r>
+            </a:p>
+          </p:txBody>
+        </p:sp>
+        <p:sp>
+          <p:nvSpPr>
+            <p:cNvPr id="26" name="Ovaal 25">
+              <a:extLst>
+                <a:ext uri="{FF2B5EF4-FFF2-40B4-BE49-F238E27FC236}">
+                  <a16:creationId xmlns:a16="http://schemas.microsoft.com/office/drawing/2014/main" id="{B1A9E7C1-96A4-FE40-9D04-E2F2BABA9C00}"/>
+                </a:ext>
+              </a:extLst>
+            </p:cNvPr>
+            <p:cNvSpPr/>
+            <p:nvPr/>
+          </p:nvSpPr>
+          <p:spPr>
+            <a:xfrm>
+              <a:off x="2123728" y="1899041"/>
+              <a:ext cx="1440160" cy="369332"/>
+            </a:xfrm>
+            <a:prstGeom prst="ellipse">
+              <a:avLst/>
+            </a:prstGeom>
+            <a:noFill/>
+            <a:ln>
+              <a:solidFill>
+                <a:srgbClr val="0070C0"/>
+              </a:solidFill>
+            </a:ln>
+          </p:spPr>
+          <p:style>
+            <a:lnRef idx="2">
+              <a:schemeClr val="accent1">
+                <a:shade val="50000"/>
+              </a:schemeClr>
+            </a:lnRef>
+            <a:fillRef idx="1">
+              <a:schemeClr val="accent1"/>
+            </a:fillRef>
+            <a:effectRef idx="0">
+              <a:schemeClr val="accent1"/>
+            </a:effectRef>
+            <a:fontRef idx="minor">
+              <a:schemeClr val="lt1"/>
+            </a:fontRef>
+          </p:style>
+          <p:txBody>
+            <a:bodyPr wrap="none" rtlCol="0" anchor="ctr"/>
+            <a:lstStyle/>
+            <a:p>
+              <a:pPr algn="ctr"/>
+              <a:r>
+                <a:rPr lang="nl-NL" dirty="0" err="1">
+                  <a:solidFill>
+                    <a:schemeClr val="tx1"/>
+                  </a:solidFill>
+                </a:rPr>
+                <a:t>Organization</a:t>
+              </a:r>
+              <a:endParaRPr lang="nl-NL" dirty="0">
+                <a:solidFill>
+                  <a:schemeClr val="tx1"/>
+                </a:solidFill>
+              </a:endParaRPr>
+            </a:p>
+          </p:txBody>
+        </p:sp>
+        <p:cxnSp>
+          <p:nvCxnSpPr>
+            <p:cNvPr id="18" name="Rechte verbindingslijn met pijl 17">
+              <a:extLst>
+                <a:ext uri="{FF2B5EF4-FFF2-40B4-BE49-F238E27FC236}">
+                  <a16:creationId xmlns:a16="http://schemas.microsoft.com/office/drawing/2014/main" id="{A376981A-61FA-6D4D-A076-F86AE97F7841}"/>
+                </a:ext>
+              </a:extLst>
+            </p:cNvPr>
+            <p:cNvCxnSpPr>
+              <a:stCxn id="10" idx="4"/>
+              <a:endCxn id="25" idx="0"/>
+            </p:cNvCxnSpPr>
+            <p:nvPr/>
+          </p:nvCxnSpPr>
+          <p:spPr>
+            <a:xfrm>
+              <a:off x="5182942" y="1500922"/>
+              <a:ext cx="0" cy="413464"/>
+            </a:xfrm>
+            <a:prstGeom prst="straightConnector1">
+              <a:avLst/>
+            </a:prstGeom>
+            <a:noFill/>
+            <a:ln>
+              <a:solidFill>
+                <a:srgbClr val="FF0000"/>
+              </a:solidFill>
+              <a:headEnd type="none" w="med" len="med"/>
+              <a:tailEnd type="arrow" w="med" len="med"/>
+            </a:ln>
+          </p:spPr>
+          <p:style>
+            <a:lnRef idx="2">
+              <a:schemeClr val="accent1">
+                <a:shade val="50000"/>
+              </a:schemeClr>
+            </a:lnRef>
+            <a:fillRef idx="1">
+              <a:schemeClr val="accent1"/>
+            </a:fillRef>
+            <a:effectRef idx="0">
+              <a:schemeClr val="accent1"/>
+            </a:effectRef>
+            <a:fontRef idx="minor">
+              <a:schemeClr val="lt1"/>
+            </a:fontRef>
+          </p:style>
+        </p:cxnSp>
+        <p:cxnSp>
+          <p:nvCxnSpPr>
+            <p:cNvPr id="28" name="Rechte verbindingslijn met pijl 27">
+              <a:extLst>
+                <a:ext uri="{FF2B5EF4-FFF2-40B4-BE49-F238E27FC236}">
+                  <a16:creationId xmlns:a16="http://schemas.microsoft.com/office/drawing/2014/main" id="{3B64B00D-D563-A84B-8BAD-39BF5C1252F7}"/>
+                </a:ext>
+              </a:extLst>
+            </p:cNvPr>
+            <p:cNvCxnSpPr>
+              <a:cxnSpLocks/>
+              <a:stCxn id="12" idx="4"/>
+              <a:endCxn id="26" idx="0"/>
+            </p:cNvCxnSpPr>
+            <p:nvPr/>
+          </p:nvCxnSpPr>
+          <p:spPr>
+            <a:xfrm>
+              <a:off x="2843808" y="1485577"/>
+              <a:ext cx="0" cy="413464"/>
+            </a:xfrm>
+            <a:prstGeom prst="straightConnector1">
+              <a:avLst/>
+            </a:prstGeom>
+            <a:noFill/>
+            <a:ln>
+              <a:solidFill>
+                <a:srgbClr val="FF0000"/>
+              </a:solidFill>
+              <a:headEnd type="none" w="med" len="med"/>
+              <a:tailEnd type="arrow" w="med" len="med"/>
+            </a:ln>
+          </p:spPr>
+          <p:style>
+            <a:lnRef idx="2">
+              <a:schemeClr val="accent1">
+                <a:shade val="50000"/>
+              </a:schemeClr>
+            </a:lnRef>
+            <a:fillRef idx="1">
+              <a:schemeClr val="accent1"/>
+            </a:fillRef>
+            <a:effectRef idx="0">
+              <a:schemeClr val="accent1"/>
+            </a:effectRef>
+            <a:fontRef idx="minor">
+              <a:schemeClr val="lt1"/>
+            </a:fontRef>
+          </p:style>
+        </p:cxnSp>
+        <p:sp>
+          <p:nvSpPr>
+            <p:cNvPr id="32" name="Tekstvak 31">
+              <a:extLst>
+                <a:ext uri="{FF2B5EF4-FFF2-40B4-BE49-F238E27FC236}">
+                  <a16:creationId xmlns:a16="http://schemas.microsoft.com/office/drawing/2014/main" id="{196AD3EF-EF4A-3E43-8C15-09E9637C4C9A}"/>
+                </a:ext>
+              </a:extLst>
+            </p:cNvPr>
+            <p:cNvSpPr txBox="1"/>
+            <p:nvPr/>
+          </p:nvSpPr>
+          <p:spPr>
+            <a:xfrm>
+              <a:off x="4933296" y="1450980"/>
+              <a:ext cx="495649" cy="369332"/>
+            </a:xfrm>
+            <a:prstGeom prst="rect">
+              <a:avLst/>
+            </a:prstGeom>
+            <a:noFill/>
+          </p:spPr>
+          <p:txBody>
+            <a:bodyPr wrap="none" rtlCol="0">
+              <a:spAutoFit/>
+            </a:bodyPr>
+            <a:lstStyle/>
+            <a:p>
+              <a:r>
+                <a:rPr lang="nl-NL" dirty="0"/>
+                <a:t>is a</a:t>
+              </a:r>
+            </a:p>
+          </p:txBody>
+        </p:sp>
+        <p:sp>
+          <p:nvSpPr>
+            <p:cNvPr id="35" name="Tekstvak 34">
+              <a:extLst>
+                <a:ext uri="{FF2B5EF4-FFF2-40B4-BE49-F238E27FC236}">
+                  <a16:creationId xmlns:a16="http://schemas.microsoft.com/office/drawing/2014/main" id="{FBDB3756-BC21-7641-B387-DD4F2D4D4A53}"/>
+                </a:ext>
+              </a:extLst>
+            </p:cNvPr>
+            <p:cNvSpPr txBox="1"/>
+            <p:nvPr/>
+          </p:nvSpPr>
+          <p:spPr>
+            <a:xfrm>
+              <a:off x="2591180" y="1435635"/>
+              <a:ext cx="612668" cy="369332"/>
+            </a:xfrm>
+            <a:prstGeom prst="rect">
+              <a:avLst/>
+            </a:prstGeom>
+            <a:noFill/>
+          </p:spPr>
+          <p:txBody>
+            <a:bodyPr wrap="none" rtlCol="0">
+              <a:spAutoFit/>
+            </a:bodyPr>
+            <a:lstStyle/>
+            <a:p>
+              <a:r>
+                <a:rPr lang="nl-NL" dirty="0"/>
+                <a:t>is </a:t>
+              </a:r>
+              <a:r>
+                <a:rPr lang="nl-NL" dirty="0" err="1"/>
+                <a:t>an</a:t>
+              </a:r>
+              <a:endParaRPr lang="nl-NL" dirty="0"/>
+            </a:p>
+          </p:txBody>
+        </p:sp>
+      </p:grpSp>
+      <p:pic>
+        <p:nvPicPr>
+          <p:cNvPr id="19" name="Afbeelding 18">
+            <a:extLst>
+              <a:ext uri="{FF2B5EF4-FFF2-40B4-BE49-F238E27FC236}">
+                <a16:creationId xmlns:a16="http://schemas.microsoft.com/office/drawing/2014/main" id="{9C9166C8-89EE-434E-81BD-3F55B8882F91}"/>
+              </a:ext>
+            </a:extLst>
+          </p:cNvPr>
+          <p:cNvPicPr>
+            <a:picLocks noChangeAspect="1"/>
+          </p:cNvPicPr>
+          <p:nvPr/>
+        </p:nvPicPr>
+        <p:blipFill>
+          <a:blip r:embed="rId2">
+            <a:extLst>
+              <a:ext uri="{28A0092B-C50C-407E-A947-70E740481C1C}">
+                <a14:useLocalDpi xmlns:a14="http://schemas.microsoft.com/office/drawing/2010/main" val="0"/>
+              </a:ext>
+            </a:extLst>
+          </a:blip>
+          <a:stretch>
+            <a:fillRect/>
+          </a:stretch>
+        </p:blipFill>
+        <p:spPr>
+          <a:xfrm>
+            <a:off x="3962386" y="2974179"/>
+            <a:ext cx="5130800" cy="1663700"/>
+          </a:xfrm>
+          <a:prstGeom prst="rect">
+            <a:avLst/>
+          </a:prstGeom>
+        </p:spPr>
+      </p:pic>
+      <p:pic>
+        <p:nvPicPr>
+          <p:cNvPr id="23" name="Afbeelding 22">
+            <a:extLst>
+              <a:ext uri="{FF2B5EF4-FFF2-40B4-BE49-F238E27FC236}">
+                <a16:creationId xmlns:a16="http://schemas.microsoft.com/office/drawing/2014/main" id="{D4E3B100-22EB-7A44-99A6-2635F41D664B}"/>
+              </a:ext>
+            </a:extLst>
+          </p:cNvPr>
+          <p:cNvPicPr>
+            <a:picLocks noChangeAspect="1"/>
+          </p:cNvPicPr>
+          <p:nvPr/>
+        </p:nvPicPr>
+        <p:blipFill>
+          <a:blip r:embed="rId3">
+            <a:extLst>
+              <a:ext uri="{28A0092B-C50C-407E-A947-70E740481C1C}">
+                <a14:useLocalDpi xmlns:a14="http://schemas.microsoft.com/office/drawing/2010/main" val="0"/>
+              </a:ext>
+            </a:extLst>
+          </a:blip>
+          <a:stretch>
+            <a:fillRect/>
+          </a:stretch>
+        </p:blipFill>
+        <p:spPr>
+          <a:xfrm>
+            <a:off x="6371960" y="355011"/>
+            <a:ext cx="1953756" cy="1928708"/>
+          </a:xfrm>
+          <a:prstGeom prst="rect">
+            <a:avLst/>
+          </a:prstGeom>
+          <a:ln>
+            <a:noFill/>
+          </a:ln>
+          <a:effectLst>
+            <a:outerShdw blurRad="292100" dist="139700" dir="2700000" algn="tl" rotWithShape="0">
+              <a:srgbClr val="333333">
+                <a:alpha val="65000"/>
+              </a:srgbClr>
+            </a:outerShdw>
+          </a:effectLst>
+        </p:spPr>
+      </p:pic>
+    </p:spTree>
+    <p:extLst>
+      <p:ext uri="{BB962C8B-B14F-4D97-AF65-F5344CB8AC3E}">
+        <p14:creationId xmlns:p14="http://schemas.microsoft.com/office/powerpoint/2010/main" val="2117340520"/>
+      </p:ext>
+    </p:extLst>
+  </p:cSld>
+  <p:clrMapOvr>
+    <a:masterClrMapping/>
+  </p:clrMapOvr>
+  <p:timing>
+    <p:tnLst>
+      <p:par>
+        <p:cTn id="1" dur="indefinite" restart="never" nodeType="tmRoot">
+          <p:childTnLst>
+            <p:seq concurrent="1" nextAc="seek">
+              <p:cTn id="2" dur="indefinite" nodeType="mainSeq">
+                <p:childTnLst>
+                  <p:par>
+                    <p:cTn id="3" fill="hold">
+                      <p:stCondLst>
+                        <p:cond delay="indefinite"/>
+                      </p:stCondLst>
+                      <p:childTnLst>
+                        <p:par>
+                          <p:cTn id="4" fill="hold">
+                            <p:stCondLst>
+                              <p:cond delay="0"/>
+                            </p:stCondLst>
+                            <p:childTnLst>
+                              <p:par>
+                                <p:cTn id="5" presetID="1" presetClass="entr" presetSubtype="0" fill="hold" nodeType="clickEffect">
+                                  <p:stCondLst>
+                                    <p:cond delay="0"/>
+                                  </p:stCondLst>
+                                  <p:childTnLst>
+                                    <p:set>
+                                      <p:cBhvr>
+                                        <p:cTn id="6" dur="1" fill="hold">
+                                          <p:stCondLst>
+                                            <p:cond delay="0"/>
+                                          </p:stCondLst>
+                                        </p:cTn>
+                                        <p:tgtEl>
+                                          <p:spTgt spid="23"/>
+                                        </p:tgtEl>
+                                        <p:attrNameLst>
+                                          <p:attrName>style.visibility</p:attrName>
+                                        </p:attrNameLst>
+                                      </p:cBhvr>
+                                      <p:to>
+                                        <p:strVal val="visible"/>
+                                      </p:to>
+                                    </p:set>
+                                  </p:childTnLst>
+                                </p:cTn>
+                              </p:par>
+                            </p:childTnLst>
+                          </p:cTn>
+                        </p:par>
+                      </p:childTnLst>
+                    </p:cTn>
+                  </p:par>
+                  <p:par>
+                    <p:cTn id="7" fill="hold">
+                      <p:stCondLst>
+                        <p:cond delay="indefinite"/>
+                      </p:stCondLst>
+                      <p:childTnLst>
+                        <p:par>
+                          <p:cTn id="8" fill="hold">
+                            <p:stCondLst>
+                              <p:cond delay="0"/>
+                            </p:stCondLst>
+                            <p:childTnLst>
+                              <p:par>
+                                <p:cTn id="9" presetID="1" presetClass="entr" presetSubtype="0" fill="hold" grpId="0" nodeType="clickEffect">
+                                  <p:stCondLst>
+                                    <p:cond delay="0"/>
+                                  </p:stCondLst>
+                                  <p:childTnLst>
+                                    <p:set>
+                                      <p:cBhvr>
+                                        <p:cTn id="10" dur="1" fill="hold">
+                                          <p:stCondLst>
+                                            <p:cond delay="0"/>
+                                          </p:stCondLst>
+                                        </p:cTn>
+                                        <p:tgtEl>
+                                          <p:spTgt spid="5"/>
+                                        </p:tgtEl>
+                                        <p:attrNameLst>
+                                          <p:attrName>style.visibility</p:attrName>
+                                        </p:attrNameLst>
+                                      </p:cBhvr>
+                                      <p:to>
+                                        <p:strVal val="visible"/>
+                                      </p:to>
+                                    </p:set>
+                                  </p:childTnLst>
+                                </p:cTn>
+                              </p:par>
+                            </p:childTnLst>
+                          </p:cTn>
+                        </p:par>
+                      </p:childTnLst>
+                    </p:cTn>
+                  </p:par>
+                  <p:par>
+                    <p:cTn id="11" fill="hold">
+                      <p:stCondLst>
+                        <p:cond delay="indefinite"/>
+                      </p:stCondLst>
+                      <p:childTnLst>
+                        <p:par>
+                          <p:cTn id="12" fill="hold">
+                            <p:stCondLst>
+                              <p:cond delay="0"/>
+                            </p:stCondLst>
+                            <p:childTnLst>
+                              <p:par>
+                                <p:cTn id="13" presetID="1" presetClass="entr" presetSubtype="0" fill="hold" nodeType="clickEffect">
+                                  <p:stCondLst>
+                                    <p:cond delay="0"/>
+                                  </p:stCondLst>
+                                  <p:childTnLst>
+                                    <p:set>
+                                      <p:cBhvr>
+                                        <p:cTn id="14" dur="1" fill="hold">
+                                          <p:stCondLst>
+                                            <p:cond delay="0"/>
+                                          </p:stCondLst>
+                                        </p:cTn>
+                                        <p:tgtEl>
+                                          <p:spTgt spid="4"/>
+                                        </p:tgtEl>
+                                        <p:attrNameLst>
+                                          <p:attrName>style.visibility</p:attrName>
+                                        </p:attrNameLst>
+                                      </p:cBhvr>
+                                      <p:to>
+                                        <p:strVal val="visible"/>
+                                      </p:to>
+                                    </p:set>
+                                  </p:childTnLst>
+                                </p:cTn>
+                              </p:par>
+                            </p:childTnLst>
+                          </p:cTn>
+                        </p:par>
+                      </p:childTnLst>
+                    </p:cTn>
+                  </p:par>
+                </p:childTnLst>
+              </p:cTn>
+              <p:prevCondLst>
+                <p:cond evt="onPrev" delay="0">
+                  <p:tgtEl>
+                    <p:sldTgt/>
+                  </p:tgtEl>
+                </p:cond>
+              </p:prevCondLst>
+              <p:nextCondLst>
+                <p:cond evt="onNext" delay="0">
+                  <p:tgtEl>
+                    <p:sldTgt/>
+                  </p:tgtEl>
+                </p:cond>
+              </p:nextCondLst>
+            </p:seq>
+          </p:childTnLst>
+        </p:cTn>
+      </p:par>
+    </p:tnLst>
+    <p:bldLst>
+      <p:bldP spid="5" grpId="0" animBg="1"/>
+    </p:bldLst>
+  </p:timing>
+</p:sld>
+</file>
+
+<file path=ppt/slides/slide31.xml><?xml version="1.0" encoding="utf-8"?>
+<p:sld xmlns:a="http://schemas.openxmlformats.org/drawingml/2006/main" xmlns:r="http://schemas.openxmlformats.org/officeDocument/2006/relationships" xmlns:p="http://schemas.openxmlformats.org/presentationml/2006/main">
+  <p:cSld>
+    <p:spTree>
+      <p:nvGrpSpPr>
+        <p:cNvPr id="1" name=""/>
+        <p:cNvGrpSpPr/>
+        <p:nvPr/>
+      </p:nvGrpSpPr>
+      <p:grpSpPr>
+        <a:xfrm>
+          <a:off x="0" y="0"/>
+          <a:ext cx="0" cy="0"/>
+          <a:chOff x="0" y="0"/>
+          <a:chExt cx="0" cy="0"/>
+        </a:xfrm>
+      </p:grpSpPr>
+      <p:sp>
+        <p:nvSpPr>
           <p:cNvPr id="7" name="Tijdelijke aanduiding voor tekst 2">
             <a:extLst>
               <a:ext uri="{FF2B5EF4-FFF2-40B4-BE49-F238E27FC236}">
@@ -33877,7 +34235,7 @@
 </p:sld>
 </file>
 
-<file path=ppt/slides/slide31.xml><?xml version="1.0" encoding="utf-8"?>
+<file path=ppt/slides/slide32.xml><?xml version="1.0" encoding="utf-8"?>
 <p:sld xmlns:a="http://schemas.openxmlformats.org/drawingml/2006/main" xmlns:r="http://schemas.openxmlformats.org/officeDocument/2006/relationships" xmlns:p="http://schemas.openxmlformats.org/presentationml/2006/main">
   <p:cSld>
     <p:spTree>
@@ -34503,7 +34861,7 @@
 </p:sld>
 </file>
 
-<file path=ppt/slides/slide32.xml><?xml version="1.0" encoding="utf-8"?>
+<file path=ppt/slides/slide33.xml><?xml version="1.0" encoding="utf-8"?>
 <p:sld xmlns:a="http://schemas.openxmlformats.org/drawingml/2006/main" xmlns:r="http://schemas.openxmlformats.org/officeDocument/2006/relationships" xmlns:p="http://schemas.openxmlformats.org/presentationml/2006/main">
   <p:cSld>
     <p:spTree>
@@ -35556,7 +35914,7 @@
 </p:sld>
 </file>
 
-<file path=ppt/slides/slide33.xml><?xml version="1.0" encoding="utf-8"?>
+<file path=ppt/slides/slide34.xml><?xml version="1.0" encoding="utf-8"?>
 <p:sld xmlns:a="http://schemas.openxmlformats.org/drawingml/2006/main" xmlns:r="http://schemas.openxmlformats.org/officeDocument/2006/relationships" xmlns:p="http://schemas.openxmlformats.org/presentationml/2006/main">
   <p:cSld>
     <p:spTree>
@@ -36760,7 +37118,7 @@
 </p:sld>
 </file>
 
-<file path=ppt/slides/slide34.xml><?xml version="1.0" encoding="utf-8"?>
+<file path=ppt/slides/slide35.xml><?xml version="1.0" encoding="utf-8"?>
 <p:sld xmlns:a="http://schemas.openxmlformats.org/drawingml/2006/main" xmlns:r="http://schemas.openxmlformats.org/officeDocument/2006/relationships" xmlns:p="http://schemas.openxmlformats.org/presentationml/2006/main">
   <p:cSld>
     <p:spTree>
@@ -37086,7 +37444,7 @@
 </p:sld>
 </file>
 
-<file path=ppt/slides/slide35.xml><?xml version="1.0" encoding="utf-8"?>
+<file path=ppt/slides/slide36.xml><?xml version="1.0" encoding="utf-8"?>
 <p:sld xmlns:a="http://schemas.openxmlformats.org/drawingml/2006/main" xmlns:r="http://schemas.openxmlformats.org/officeDocument/2006/relationships" xmlns:p="http://schemas.openxmlformats.org/presentationml/2006/main">
   <p:cSld>
     <p:spTree>
@@ -37412,7 +37770,7 @@
 </p:sld>
 </file>
 
-<file path=ppt/slides/slide36.xml><?xml version="1.0" encoding="utf-8"?>
+<file path=ppt/slides/slide37.xml><?xml version="1.0" encoding="utf-8"?>
 <p:sld xmlns:a="http://schemas.openxmlformats.org/drawingml/2006/main" xmlns:r="http://schemas.openxmlformats.org/officeDocument/2006/relationships" xmlns:p="http://schemas.openxmlformats.org/presentationml/2006/main">
   <p:cSld>
     <p:spTree>
@@ -37905,7 +38263,7 @@
 </p:sld>
 </file>
 
-<file path=ppt/slides/slide37.xml><?xml version="1.0" encoding="utf-8"?>
+<file path=ppt/slides/slide38.xml><?xml version="1.0" encoding="utf-8"?>
 <p:sld xmlns:a="http://schemas.openxmlformats.org/drawingml/2006/main" xmlns:r="http://schemas.openxmlformats.org/officeDocument/2006/relationships" xmlns:p="http://schemas.openxmlformats.org/presentationml/2006/main">
   <p:cSld>
     <p:spTree>
@@ -38473,6 +38831,443 @@
           <a:p>
             <a:r>
               <a:rPr lang="nl-NL" dirty="0" err="1"/>
+              <a:t>Results</a:t>
+            </a:r>
+            <a:r>
+              <a:rPr lang="nl-NL" dirty="0"/>
+              <a:t> of </a:t>
+            </a:r>
+            <a:r>
+              <a:rPr lang="nl-NL" dirty="0" err="1"/>
+              <a:t>the</a:t>
+            </a:r>
+            <a:r>
+              <a:rPr lang="nl-NL" dirty="0"/>
+              <a:t> product</a:t>
+            </a:r>
+          </a:p>
+        </p:txBody>
+      </p:sp>
+      <p:sp>
+        <p:nvSpPr>
+          <p:cNvPr id="4" name="Tijdelijke aanduiding voor inhoud 3">
+            <a:extLst>
+              <a:ext uri="{FF2B5EF4-FFF2-40B4-BE49-F238E27FC236}">
+                <a16:creationId xmlns:a16="http://schemas.microsoft.com/office/drawing/2014/main" id="{DA354A4C-FB1A-C34C-B74D-FAB75B89C680}"/>
+              </a:ext>
+            </a:extLst>
+          </p:cNvPr>
+          <p:cNvSpPr>
+            <a:spLocks noGrp="1"/>
+          </p:cNvSpPr>
+          <p:nvPr>
+            <p:ph idx="1"/>
+          </p:nvPr>
+        </p:nvSpPr>
+        <p:spPr>
+          <a:xfrm>
+            <a:off x="35496" y="1707654"/>
+            <a:ext cx="9036496" cy="3348372"/>
+          </a:xfrm>
+        </p:spPr>
+        <p:txBody>
+          <a:bodyPr>
+            <a:normAutofit fontScale="85000" lnSpcReduction="10000"/>
+          </a:bodyPr>
+          <a:lstStyle/>
+          <a:p>
+            <a:r>
+              <a:rPr lang="nl-NL" dirty="0"/>
+              <a:t>The set </a:t>
+            </a:r>
+            <a:r>
+              <a:rPr lang="nl-NL" dirty="0" err="1"/>
+              <a:t>bibliographic</a:t>
+            </a:r>
+            <a:r>
+              <a:rPr lang="nl-NL" dirty="0"/>
+              <a:t> </a:t>
+            </a:r>
+            <a:r>
+              <a:rPr lang="nl-NL" dirty="0" err="1"/>
+              <a:t>references</a:t>
+            </a:r>
+            <a:r>
+              <a:rPr lang="nl-NL" dirty="0"/>
+              <a:t> </a:t>
+            </a:r>
+            <a:r>
+              <a:rPr lang="nl-NL" dirty="0" err="1"/>
+              <a:t>for</a:t>
+            </a:r>
+            <a:r>
+              <a:rPr lang="nl-NL" dirty="0"/>
+              <a:t> NEN3610</a:t>
+            </a:r>
+          </a:p>
+          <a:p>
+            <a:pPr lvl="1"/>
+            <a:r>
+              <a:rPr lang="nl-NL" dirty="0"/>
+              <a:t>The </a:t>
+            </a:r>
+            <a:r>
+              <a:rPr lang="nl-NL" dirty="0" err="1"/>
+              <a:t>references</a:t>
+            </a:r>
+            <a:r>
+              <a:rPr lang="nl-NL" dirty="0"/>
+              <a:t> </a:t>
+            </a:r>
+            <a:r>
+              <a:rPr lang="nl-NL" dirty="0" err="1"/>
+              <a:t>documents</a:t>
+            </a:r>
+            <a:r>
+              <a:rPr lang="nl-NL" dirty="0"/>
+              <a:t>, </a:t>
+            </a:r>
+            <a:r>
+              <a:rPr lang="nl-NL" dirty="0" err="1"/>
+              <a:t>using</a:t>
+            </a:r>
+            <a:r>
+              <a:rPr lang="nl-NL" dirty="0"/>
+              <a:t> </a:t>
+            </a:r>
+            <a:r>
+              <a:rPr lang="nl-NL" dirty="0" err="1"/>
+              <a:t>DublinCore</a:t>
+            </a:r>
+            <a:r>
+              <a:rPr lang="nl-NL" dirty="0"/>
+              <a:t> </a:t>
+            </a:r>
+            <a:r>
+              <a:rPr lang="nl-NL" dirty="0" err="1"/>
+              <a:t>vocabulary</a:t>
+            </a:r>
+            <a:r>
+              <a:rPr lang="nl-NL" dirty="0"/>
+              <a:t>;</a:t>
+            </a:r>
+          </a:p>
+          <a:p>
+            <a:r>
+              <a:rPr lang="nl-NL" dirty="0"/>
+              <a:t>A </a:t>
+            </a:r>
+            <a:r>
+              <a:rPr lang="nl-NL" dirty="0" err="1"/>
+              <a:t>glossary</a:t>
+            </a:r>
+            <a:r>
+              <a:rPr lang="nl-NL" dirty="0"/>
+              <a:t> of NEN3610 </a:t>
+            </a:r>
+            <a:r>
+              <a:rPr lang="nl-NL" dirty="0" err="1"/>
+              <a:t>terms</a:t>
+            </a:r>
+            <a:r>
+              <a:rPr lang="nl-NL" dirty="0"/>
+              <a:t>;</a:t>
+            </a:r>
+          </a:p>
+          <a:p>
+            <a:pPr lvl="1"/>
+            <a:r>
+              <a:rPr lang="nl-NL" dirty="0" err="1"/>
+              <a:t>Terms</a:t>
+            </a:r>
+            <a:r>
+              <a:rPr lang="nl-NL" dirty="0"/>
+              <a:t> like “</a:t>
+            </a:r>
+            <a:r>
+              <a:rPr lang="nl-NL" dirty="0" err="1"/>
+              <a:t>attribute</a:t>
+            </a:r>
+            <a:r>
+              <a:rPr lang="nl-NL" dirty="0"/>
+              <a:t>”, “</a:t>
+            </a:r>
+            <a:r>
+              <a:rPr lang="nl-NL" dirty="0" err="1"/>
+              <a:t>geo</a:t>
+            </a:r>
+            <a:r>
+              <a:rPr lang="nl-NL" dirty="0"/>
+              <a:t>-object”, </a:t>
+            </a:r>
+            <a:r>
+              <a:rPr lang="nl-NL" dirty="0" err="1"/>
+              <a:t>using</a:t>
+            </a:r>
+            <a:r>
+              <a:rPr lang="nl-NL" dirty="0"/>
+              <a:t> SKOS </a:t>
+            </a:r>
+            <a:r>
+              <a:rPr lang="nl-NL" dirty="0" err="1"/>
+              <a:t>vocabulary</a:t>
+            </a:r>
+            <a:r>
+              <a:rPr lang="nl-NL" dirty="0"/>
+              <a:t>;</a:t>
+            </a:r>
+          </a:p>
+          <a:p>
+            <a:r>
+              <a:rPr lang="nl-NL" dirty="0"/>
+              <a:t>A </a:t>
+            </a:r>
+            <a:r>
+              <a:rPr lang="nl-NL" dirty="0" err="1"/>
+              <a:t>taxonomy</a:t>
+            </a:r>
+            <a:r>
+              <a:rPr lang="nl-NL" dirty="0"/>
+              <a:t> of </a:t>
+            </a:r>
+            <a:r>
+              <a:rPr lang="nl-NL" dirty="0" err="1"/>
+              <a:t>the</a:t>
+            </a:r>
+            <a:r>
+              <a:rPr lang="nl-NL" dirty="0"/>
+              <a:t> NEN3610 </a:t>
+            </a:r>
+            <a:r>
+              <a:rPr lang="nl-NL" dirty="0" err="1"/>
+              <a:t>upper</a:t>
+            </a:r>
+            <a:r>
+              <a:rPr lang="nl-NL" dirty="0"/>
+              <a:t> classes;</a:t>
+            </a:r>
+          </a:p>
+          <a:p>
+            <a:pPr lvl="1"/>
+            <a:r>
+              <a:rPr lang="nl-NL" dirty="0" err="1"/>
+              <a:t>Terms</a:t>
+            </a:r>
+            <a:r>
+              <a:rPr lang="nl-NL" dirty="0"/>
+              <a:t> like “Building”, “</a:t>
+            </a:r>
+            <a:r>
+              <a:rPr lang="nl-NL" dirty="0" err="1"/>
+              <a:t>Waterway</a:t>
+            </a:r>
+            <a:r>
+              <a:rPr lang="nl-NL" dirty="0"/>
+              <a:t>”, “</a:t>
+            </a:r>
+            <a:r>
+              <a:rPr lang="nl-NL" dirty="0" err="1"/>
+              <a:t>Terrain</a:t>
+            </a:r>
+            <a:r>
+              <a:rPr lang="nl-NL" dirty="0"/>
+              <a:t>”, </a:t>
+            </a:r>
+            <a:r>
+              <a:rPr lang="nl-NL" dirty="0" err="1"/>
+              <a:t>using</a:t>
+            </a:r>
+            <a:r>
+              <a:rPr lang="nl-NL" dirty="0"/>
+              <a:t> SKOS </a:t>
+            </a:r>
+            <a:r>
+              <a:rPr lang="nl-NL" dirty="0" err="1"/>
+              <a:t>vocabulary</a:t>
+            </a:r>
+            <a:r>
+              <a:rPr lang="nl-NL" dirty="0"/>
+              <a:t>;</a:t>
+            </a:r>
+          </a:p>
+          <a:p>
+            <a:r>
+              <a:rPr lang="nl-NL" dirty="0"/>
+              <a:t>An </a:t>
+            </a:r>
+            <a:r>
+              <a:rPr lang="nl-NL" dirty="0" err="1"/>
+              <a:t>ontology</a:t>
+            </a:r>
+            <a:r>
+              <a:rPr lang="nl-NL" dirty="0"/>
+              <a:t> </a:t>
+            </a:r>
+            <a:r>
+              <a:rPr lang="nl-NL" dirty="0" err="1"/>
+              <a:t>and</a:t>
+            </a:r>
+            <a:r>
+              <a:rPr lang="nl-NL" dirty="0"/>
+              <a:t> profile </a:t>
+            </a:r>
+            <a:r>
+              <a:rPr lang="nl-NL" dirty="0" err="1"/>
+              <a:t>for</a:t>
+            </a:r>
+            <a:r>
+              <a:rPr lang="nl-NL" dirty="0"/>
+              <a:t> NEN3610 </a:t>
+            </a:r>
+            <a:r>
+              <a:rPr lang="nl-NL" dirty="0" err="1"/>
+              <a:t>models</a:t>
+            </a:r>
+            <a:r>
+              <a:rPr lang="nl-NL" dirty="0"/>
+              <a:t>;</a:t>
+            </a:r>
+          </a:p>
+          <a:p>
+            <a:pPr lvl="1"/>
+            <a:r>
+              <a:rPr lang="nl-NL" dirty="0"/>
+              <a:t>Classes </a:t>
+            </a:r>
+            <a:r>
+              <a:rPr lang="nl-NL" dirty="0" err="1"/>
+              <a:t>and</a:t>
+            </a:r>
+            <a:r>
+              <a:rPr lang="nl-NL" dirty="0"/>
+              <a:t> </a:t>
+            </a:r>
+            <a:r>
+              <a:rPr lang="nl-NL" dirty="0" err="1"/>
+              <a:t>attributes</a:t>
+            </a:r>
+            <a:r>
+              <a:rPr lang="nl-NL" dirty="0"/>
+              <a:t> as </a:t>
+            </a:r>
+            <a:r>
+              <a:rPr lang="nl-NL" dirty="0" err="1"/>
+              <a:t>defined</a:t>
+            </a:r>
+            <a:r>
+              <a:rPr lang="nl-NL" dirty="0"/>
+              <a:t> in NEN3610, </a:t>
+            </a:r>
+            <a:r>
+              <a:rPr lang="nl-NL" dirty="0" err="1"/>
+              <a:t>using</a:t>
+            </a:r>
+            <a:r>
+              <a:rPr lang="nl-NL" dirty="0"/>
+              <a:t> RDFS/OWL/SHACL</a:t>
+            </a:r>
+          </a:p>
+          <a:p>
+            <a:r>
+              <a:rPr lang="nl-NL" dirty="0"/>
+              <a:t>A set of best-</a:t>
+            </a:r>
+            <a:r>
+              <a:rPr lang="nl-NL" dirty="0" err="1"/>
+              <a:t>practices</a:t>
+            </a:r>
+            <a:r>
+              <a:rPr lang="nl-NL" dirty="0"/>
+              <a:t> </a:t>
+            </a:r>
+            <a:r>
+              <a:rPr lang="nl-NL" dirty="0" err="1"/>
+              <a:t>to</a:t>
+            </a:r>
+            <a:r>
+              <a:rPr lang="nl-NL" dirty="0"/>
+              <a:t> </a:t>
+            </a:r>
+            <a:r>
+              <a:rPr lang="nl-NL" dirty="0" err="1"/>
+              <a:t>transform</a:t>
+            </a:r>
+            <a:r>
+              <a:rPr lang="nl-NL" dirty="0"/>
+              <a:t> a UML model </a:t>
+            </a:r>
+            <a:r>
+              <a:rPr lang="nl-NL" dirty="0" err="1"/>
+              <a:t>into</a:t>
+            </a:r>
+            <a:r>
+              <a:rPr lang="nl-NL" dirty="0"/>
+              <a:t> a RDF </a:t>
+            </a:r>
+            <a:r>
+              <a:rPr lang="nl-NL" dirty="0" err="1"/>
+              <a:t>Linked</a:t>
+            </a:r>
+            <a:r>
+              <a:rPr lang="nl-NL" dirty="0"/>
+              <a:t> Data model.</a:t>
+            </a:r>
+          </a:p>
+        </p:txBody>
+      </p:sp>
+    </p:spTree>
+    <p:extLst>
+      <p:ext uri="{BB962C8B-B14F-4D97-AF65-F5344CB8AC3E}">
+        <p14:creationId xmlns:p14="http://schemas.microsoft.com/office/powerpoint/2010/main" val="3518211996"/>
+      </p:ext>
+    </p:extLst>
+  </p:cSld>
+  <p:clrMapOvr>
+    <a:masterClrMapping/>
+  </p:clrMapOvr>
+</p:sld>
+</file>
+
+<file path=ppt/slides/slide5.xml><?xml version="1.0" encoding="utf-8"?>
+<p:sld xmlns:a="http://schemas.openxmlformats.org/drawingml/2006/main" xmlns:r="http://schemas.openxmlformats.org/officeDocument/2006/relationships" xmlns:p="http://schemas.openxmlformats.org/presentationml/2006/main">
+  <p:cSld>
+    <p:spTree>
+      <p:nvGrpSpPr>
+        <p:cNvPr id="1" name=""/>
+        <p:cNvGrpSpPr/>
+        <p:nvPr/>
+      </p:nvGrpSpPr>
+      <p:grpSpPr>
+        <a:xfrm>
+          <a:off x="0" y="0"/>
+          <a:ext cx="0" cy="0"/>
+          <a:chOff x="0" y="0"/>
+          <a:chExt cx="0" cy="0"/>
+        </a:xfrm>
+      </p:grpSpPr>
+      <p:sp>
+        <p:nvSpPr>
+          <p:cNvPr id="3" name="Titel 2">
+            <a:extLst>
+              <a:ext uri="{FF2B5EF4-FFF2-40B4-BE49-F238E27FC236}">
+                <a16:creationId xmlns:a16="http://schemas.microsoft.com/office/drawing/2014/main" id="{EE9AE43D-7CF1-DC42-AC96-B4E67F0686E0}"/>
+              </a:ext>
+            </a:extLst>
+          </p:cNvPr>
+          <p:cNvSpPr>
+            <a:spLocks noGrp="1"/>
+          </p:cNvSpPr>
+          <p:nvPr>
+            <p:ph type="title"/>
+          </p:nvPr>
+        </p:nvSpPr>
+        <p:spPr/>
+        <p:txBody>
+          <a:bodyPr/>
+          <a:lstStyle/>
+          <a:p>
+            <a:r>
+              <a:rPr lang="nl-NL" dirty="0" err="1"/>
               <a:t>Complementary</a:t>
             </a:r>
             <a:r>
@@ -38589,7 +39384,15 @@
           <a:p>
             <a:r>
               <a:rPr lang="nl-NL" dirty="0"/>
-              <a:t>LD model:</a:t>
+              <a:t>RDF / </a:t>
+            </a:r>
+            <a:r>
+              <a:rPr lang="nl-NL" dirty="0" err="1"/>
+              <a:t>Linked</a:t>
+            </a:r>
+            <a:r>
+              <a:rPr lang="nl-NL" dirty="0"/>
+              <a:t> Data model:</a:t>
             </a:r>
           </a:p>
           <a:p>
@@ -38691,7 +39494,7 @@
 </p:sld>
 </file>
 
-<file path=ppt/slides/slide5.xml><?xml version="1.0" encoding="utf-8"?>
+<file path=ppt/slides/slide6.xml><?xml version="1.0" encoding="utf-8"?>
 <p:sld xmlns:a="http://schemas.openxmlformats.org/drawingml/2006/main" xmlns:r="http://schemas.openxmlformats.org/officeDocument/2006/relationships" xmlns:p="http://schemas.openxmlformats.org/presentationml/2006/main">
   <p:cSld>
     <p:spTree>
@@ -38921,7 +39724,7 @@
 </p:sld>
 </file>
 
-<file path=ppt/slides/slide6.xml><?xml version="1.0" encoding="utf-8"?>
+<file path=ppt/slides/slide7.xml><?xml version="1.0" encoding="utf-8"?>
 <p:sld xmlns:a="http://schemas.openxmlformats.org/drawingml/2006/main" xmlns:r="http://schemas.openxmlformats.org/officeDocument/2006/relationships" xmlns:p="http://schemas.openxmlformats.org/presentationml/2006/main">
   <p:cSld>
     <p:spTree>
@@ -39582,7 +40385,7 @@
 </p:sld>
 </file>
 
-<file path=ppt/slides/slide7.xml><?xml version="1.0" encoding="utf-8"?>
+<file path=ppt/slides/slide8.xml><?xml version="1.0" encoding="utf-8"?>
 <p:sld xmlns:a="http://schemas.openxmlformats.org/drawingml/2006/main" xmlns:r="http://schemas.openxmlformats.org/officeDocument/2006/relationships" xmlns:p="http://schemas.openxmlformats.org/presentationml/2006/main">
   <p:cSld>
     <p:spTree>
@@ -39803,7 +40606,7 @@
 </p:sld>
 </file>
 
-<file path=ppt/slides/slide8.xml><?xml version="1.0" encoding="utf-8"?>
+<file path=ppt/slides/slide9.xml><?xml version="1.0" encoding="utf-8"?>
 <p:sld xmlns:a="http://schemas.openxmlformats.org/drawingml/2006/main" xmlns:r="http://schemas.openxmlformats.org/officeDocument/2006/relationships" xmlns:p="http://schemas.openxmlformats.org/presentationml/2006/main">
   <p:cSld>
     <p:spTree>
@@ -40279,359 +41082,6 @@
     <p:extLst>
       <p:ext uri="{BB962C8B-B14F-4D97-AF65-F5344CB8AC3E}">
         <p14:creationId xmlns:p14="http://schemas.microsoft.com/office/powerpoint/2010/main" val="1491686396"/>
-      </p:ext>
-    </p:extLst>
-  </p:cSld>
-  <p:clrMapOvr>
-    <a:masterClrMapping/>
-  </p:clrMapOvr>
-</p:sld>
-</file>
-
-<file path=ppt/slides/slide9.xml><?xml version="1.0" encoding="utf-8"?>
-<p:sld xmlns:a="http://schemas.openxmlformats.org/drawingml/2006/main" xmlns:r="http://schemas.openxmlformats.org/officeDocument/2006/relationships" xmlns:p="http://schemas.openxmlformats.org/presentationml/2006/main">
-  <p:cSld>
-    <p:spTree>
-      <p:nvGrpSpPr>
-        <p:cNvPr id="1" name=""/>
-        <p:cNvGrpSpPr/>
-        <p:nvPr/>
-      </p:nvGrpSpPr>
-      <p:grpSpPr>
-        <a:xfrm>
-          <a:off x="0" y="0"/>
-          <a:ext cx="0" cy="0"/>
-          <a:chOff x="0" y="0"/>
-          <a:chExt cx="0" cy="0"/>
-        </a:xfrm>
-      </p:grpSpPr>
-      <p:sp>
-        <p:nvSpPr>
-          <p:cNvPr id="2" name="Titel 1">
-            <a:extLst>
-              <a:ext uri="{FF2B5EF4-FFF2-40B4-BE49-F238E27FC236}">
-                <a16:creationId xmlns:a16="http://schemas.microsoft.com/office/drawing/2014/main" id="{E2BC3324-516F-534F-9D90-CC08C0459DDE}"/>
-              </a:ext>
-            </a:extLst>
-          </p:cNvPr>
-          <p:cNvSpPr>
-            <a:spLocks noGrp="1"/>
-          </p:cNvSpPr>
-          <p:nvPr>
-            <p:ph type="title"/>
-          </p:nvPr>
-        </p:nvSpPr>
-        <p:spPr>
-          <a:xfrm>
-            <a:off x="10485" y="-7662"/>
-            <a:ext cx="2170584" cy="707204"/>
-          </a:xfrm>
-        </p:spPr>
-        <p:txBody>
-          <a:bodyPr/>
-          <a:lstStyle/>
-          <a:p>
-            <a:r>
-              <a:rPr lang="nl-NL" dirty="0" err="1"/>
-              <a:t>Differences</a:t>
-            </a:r>
-            <a:endParaRPr lang="nl-NL" dirty="0"/>
-          </a:p>
-        </p:txBody>
-      </p:sp>
-      <p:sp>
-        <p:nvSpPr>
-          <p:cNvPr id="3" name="Tijdelijke aanduiding voor inhoud 2">
-            <a:extLst>
-              <a:ext uri="{FF2B5EF4-FFF2-40B4-BE49-F238E27FC236}">
-                <a16:creationId xmlns:a16="http://schemas.microsoft.com/office/drawing/2014/main" id="{72C88B50-59E0-124E-ABF9-A26DF689B4FD}"/>
-              </a:ext>
-            </a:extLst>
-          </p:cNvPr>
-          <p:cNvSpPr>
-            <a:spLocks noGrp="1"/>
-          </p:cNvSpPr>
-          <p:nvPr>
-            <p:ph idx="1"/>
-          </p:nvPr>
-        </p:nvSpPr>
-        <p:spPr>
-          <a:xfrm>
-            <a:off x="457200" y="897564"/>
-            <a:ext cx="8229600" cy="3348372"/>
-          </a:xfrm>
-        </p:spPr>
-        <p:txBody>
-          <a:bodyPr/>
-          <a:lstStyle/>
-          <a:p>
-            <a:r>
-              <a:rPr lang="nl-NL" dirty="0"/>
-              <a:t>UML </a:t>
-            </a:r>
-            <a:r>
-              <a:rPr lang="nl-NL" dirty="0" err="1"/>
-              <a:t>uses</a:t>
-            </a:r>
-            <a:r>
-              <a:rPr lang="nl-NL" dirty="0"/>
-              <a:t> “class” </a:t>
-            </a:r>
-            <a:r>
-              <a:rPr lang="nl-NL" dirty="0" err="1"/>
-              <a:t>to</a:t>
-            </a:r>
-            <a:r>
-              <a:rPr lang="nl-NL" dirty="0"/>
-              <a:t>:</a:t>
-            </a:r>
-          </a:p>
-          <a:p>
-            <a:pPr lvl="1"/>
-            <a:r>
-              <a:rPr lang="nl-NL" dirty="0" err="1"/>
-              <a:t>Denote</a:t>
-            </a:r>
-            <a:r>
-              <a:rPr lang="nl-NL" dirty="0"/>
-              <a:t> </a:t>
-            </a:r>
-            <a:r>
-              <a:rPr lang="nl-NL" dirty="0" err="1"/>
-              <a:t>the</a:t>
-            </a:r>
-            <a:r>
-              <a:rPr lang="nl-NL" dirty="0"/>
-              <a:t> class of </a:t>
-            </a:r>
-            <a:r>
-              <a:rPr lang="nl-NL" dirty="0" err="1"/>
-              <a:t>things</a:t>
-            </a:r>
-            <a:r>
-              <a:rPr lang="nl-NL" dirty="0"/>
-              <a:t> in </a:t>
-            </a:r>
-            <a:r>
-              <a:rPr lang="nl-NL" dirty="0" err="1"/>
-              <a:t>the</a:t>
-            </a:r>
-            <a:r>
-              <a:rPr lang="nl-NL" dirty="0"/>
-              <a:t> domain;</a:t>
-            </a:r>
-          </a:p>
-          <a:p>
-            <a:pPr lvl="1"/>
-            <a:r>
-              <a:rPr lang="nl-NL" dirty="0" err="1"/>
-              <a:t>Describes</a:t>
-            </a:r>
-            <a:r>
-              <a:rPr lang="nl-NL" dirty="0"/>
-              <a:t> </a:t>
-            </a:r>
-            <a:r>
-              <a:rPr lang="nl-NL" dirty="0" err="1"/>
-              <a:t>the</a:t>
-            </a:r>
-            <a:r>
-              <a:rPr lang="nl-NL" dirty="0"/>
-              <a:t> </a:t>
-            </a:r>
-            <a:r>
-              <a:rPr lang="nl-NL" dirty="0" err="1"/>
-              <a:t>meaning</a:t>
-            </a:r>
-            <a:r>
-              <a:rPr lang="nl-NL" dirty="0"/>
-              <a:t> (</a:t>
-            </a:r>
-            <a:r>
-              <a:rPr lang="nl-NL" dirty="0" err="1"/>
-              <a:t>definition</a:t>
-            </a:r>
-            <a:r>
-              <a:rPr lang="nl-NL" dirty="0"/>
-              <a:t>) of </a:t>
-            </a:r>
-            <a:r>
-              <a:rPr lang="nl-NL" dirty="0" err="1"/>
-              <a:t>that</a:t>
-            </a:r>
-            <a:r>
-              <a:rPr lang="nl-NL" dirty="0"/>
-              <a:t> class;</a:t>
-            </a:r>
-          </a:p>
-          <a:p>
-            <a:pPr lvl="1"/>
-            <a:r>
-              <a:rPr lang="nl-NL" dirty="0" err="1"/>
-              <a:t>Specifies</a:t>
-            </a:r>
-            <a:r>
-              <a:rPr lang="nl-NL" dirty="0"/>
-              <a:t> </a:t>
-            </a:r>
-            <a:r>
-              <a:rPr lang="nl-NL" dirty="0" err="1"/>
-              <a:t>the</a:t>
-            </a:r>
-            <a:r>
-              <a:rPr lang="nl-NL" dirty="0"/>
-              <a:t> information </a:t>
-            </a:r>
-            <a:r>
-              <a:rPr lang="nl-NL" dirty="0" err="1"/>
-              <a:t>constructs</a:t>
-            </a:r>
-            <a:r>
-              <a:rPr lang="nl-NL" dirty="0"/>
-              <a:t> </a:t>
-            </a:r>
-            <a:r>
-              <a:rPr lang="nl-NL" dirty="0" err="1"/>
-              <a:t>for</a:t>
-            </a:r>
-            <a:r>
-              <a:rPr lang="nl-NL" dirty="0"/>
-              <a:t> </a:t>
-            </a:r>
-            <a:r>
-              <a:rPr lang="nl-NL" dirty="0" err="1"/>
-              <a:t>that</a:t>
-            </a:r>
-            <a:r>
-              <a:rPr lang="nl-NL" dirty="0"/>
-              <a:t> class</a:t>
-            </a:r>
-          </a:p>
-          <a:p>
-            <a:pPr lvl="1"/>
-            <a:endParaRPr lang="nl-NL" dirty="0"/>
-          </a:p>
-        </p:txBody>
-      </p:sp>
-      <p:sp>
-        <p:nvSpPr>
-          <p:cNvPr id="4" name="Tekstvak 3">
-            <a:extLst>
-              <a:ext uri="{FF2B5EF4-FFF2-40B4-BE49-F238E27FC236}">
-                <a16:creationId xmlns:a16="http://schemas.microsoft.com/office/drawing/2014/main" id="{BFD08C3B-7A71-754E-B3A8-39EBFCEB0A78}"/>
-              </a:ext>
-            </a:extLst>
-          </p:cNvPr>
-          <p:cNvSpPr txBox="1"/>
-          <p:nvPr/>
-        </p:nvSpPr>
-        <p:spPr>
-          <a:xfrm>
-            <a:off x="566352" y="4772209"/>
-            <a:ext cx="8011296" cy="369332"/>
-          </a:xfrm>
-          <a:prstGeom prst="rect">
-            <a:avLst/>
-          </a:prstGeom>
-          <a:noFill/>
-        </p:spPr>
-        <p:txBody>
-          <a:bodyPr wrap="none" rtlCol="0">
-            <a:spAutoFit/>
-          </a:bodyPr>
-          <a:lstStyle/>
-          <a:p>
-            <a:r>
-              <a:rPr lang="nl-NL" dirty="0"/>
-              <a:t>The metamodel conforms </a:t>
-            </a:r>
-            <a:r>
-              <a:rPr lang="nl-NL" dirty="0" err="1"/>
-              <a:t>to</a:t>
-            </a:r>
-            <a:r>
-              <a:rPr lang="nl-NL" dirty="0"/>
-              <a:t> </a:t>
-            </a:r>
-            <a:r>
-              <a:rPr lang="nl-NL" dirty="0" err="1"/>
-              <a:t>the</a:t>
-            </a:r>
-            <a:r>
-              <a:rPr lang="nl-NL" dirty="0"/>
-              <a:t> UML </a:t>
-            </a:r>
-            <a:r>
-              <a:rPr lang="nl-NL" dirty="0" err="1"/>
-              <a:t>philosophy</a:t>
-            </a:r>
-            <a:r>
-              <a:rPr lang="nl-NL" dirty="0"/>
-              <a:t>: a construct </a:t>
-            </a:r>
-            <a:r>
-              <a:rPr lang="nl-NL" dirty="0" err="1"/>
-              <a:t>for</a:t>
-            </a:r>
-            <a:r>
-              <a:rPr lang="nl-NL" dirty="0"/>
-              <a:t> a </a:t>
-            </a:r>
-            <a:r>
-              <a:rPr lang="nl-NL" dirty="0" err="1"/>
-              <a:t>specific</a:t>
-            </a:r>
-            <a:r>
-              <a:rPr lang="nl-NL" dirty="0"/>
-              <a:t> </a:t>
-            </a:r>
-            <a:r>
-              <a:rPr lang="nl-NL" dirty="0" err="1"/>
-              <a:t>purpose</a:t>
-            </a:r>
-            <a:endParaRPr lang="nl-NL" dirty="0"/>
-          </a:p>
-        </p:txBody>
-      </p:sp>
-      <p:pic>
-        <p:nvPicPr>
-          <p:cNvPr id="10" name="Afbeelding 9">
-            <a:extLst>
-              <a:ext uri="{FF2B5EF4-FFF2-40B4-BE49-F238E27FC236}">
-                <a16:creationId xmlns:a16="http://schemas.microsoft.com/office/drawing/2014/main" id="{72BE6EAD-09FC-0547-B3FE-75B2184762AF}"/>
-              </a:ext>
-            </a:extLst>
-          </p:cNvPr>
-          <p:cNvPicPr>
-            <a:picLocks noChangeAspect="1"/>
-          </p:cNvPicPr>
-          <p:nvPr/>
-        </p:nvPicPr>
-        <p:blipFill rotWithShape="1">
-          <a:blip r:embed="rId2">
-            <a:extLst>
-              <a:ext uri="{28A0092B-C50C-407E-A947-70E740481C1C}">
-                <a14:useLocalDpi xmlns:a14="http://schemas.microsoft.com/office/drawing/2010/main" val="0"/>
-              </a:ext>
-            </a:extLst>
-          </a:blip>
-          <a:srcRect l="4780" t="20403" r="8258" b="9814"/>
-          <a:stretch/>
-        </p:blipFill>
-        <p:spPr>
-          <a:xfrm>
-            <a:off x="3635896" y="2931790"/>
-            <a:ext cx="1800200" cy="1152128"/>
-          </a:xfrm>
-          <a:prstGeom prst="rect">
-            <a:avLst/>
-          </a:prstGeom>
-        </p:spPr>
-      </p:pic>
-    </p:spTree>
-    <p:extLst>
-      <p:ext uri="{BB962C8B-B14F-4D97-AF65-F5344CB8AC3E}">
-        <p14:creationId xmlns:p14="http://schemas.microsoft.com/office/powerpoint/2010/main" val="3966932650"/>
       </p:ext>
     </p:extLst>
   </p:cSld>

--- a/Presentations/NEN3610-LD and ISO19103.pptx
+++ b/Presentations/NEN3610-LD and ISO19103.pptx
@@ -34674,7 +34674,7 @@
                 </a:solidFill>
                 <a:latin typeface="Lucida Console" panose="020B0609040504020204" pitchFamily="49" charset="0"/>
               </a:rPr>
-              <a:t>rdfs:Property</a:t>
+              <a:t>rdf:Property</a:t>
             </a:r>
             <a:r>
               <a:rPr lang="nl-NL" sz="1200" dirty="0">
@@ -35300,7 +35300,7 @@
                 </a:solidFill>
                 <a:latin typeface="Lucida Console" panose="020B0609040504020204" pitchFamily="49" charset="0"/>
               </a:rPr>
-              <a:t>rdfs:Property</a:t>
+              <a:t>rdf:Property</a:t>
             </a:r>
             <a:r>
               <a:rPr lang="nl-NL" sz="1200" dirty="0">
@@ -35474,7 +35474,7 @@
                 </a:solidFill>
                 <a:latin typeface="Lucida Console" panose="020B0609040504020204" pitchFamily="49" charset="0"/>
               </a:rPr>
-              <a:t>rdfs:Property</a:t>
+              <a:t>rdf:Property</a:t>
             </a:r>
             <a:r>
               <a:rPr lang="nl-NL" sz="1200" dirty="0">
@@ -36353,7 +36353,7 @@
                 </a:solidFill>
                 <a:latin typeface="Lucida Console" panose="020B0609040504020204" pitchFamily="49" charset="0"/>
               </a:rPr>
-              <a:t>rdfs:Property</a:t>
+              <a:t>rdf:Property</a:t>
             </a:r>
             <a:r>
               <a:rPr lang="nl-NL" sz="1200" dirty="0">

--- a/Presentations/NEN3610-LD and ISO19103.pptx
+++ b/Presentations/NEN3610-LD and ISO19103.pptx
@@ -166,6 +166,35 @@
 </p:presentation>
 </file>
 
+<file path=ppt/changesInfos/changesInfo1.xml><?xml version="1.0" encoding="utf-8"?>
+<pc:chgInfo xmlns:a="http://schemas.openxmlformats.org/drawingml/2006/main" xmlns:r="http://schemas.openxmlformats.org/officeDocument/2006/relationships" xmlns:ac="http://schemas.microsoft.com/office/drawing/2013/main/command" xmlns:pc="http://schemas.microsoft.com/office/powerpoint/2013/main/command">
+  <pc:docChgLst>
+    <pc:chgData name="Paul Janssen" userId="b62697e8-e7f0-48fe-b701-a5c7b17d8ebc" providerId="ADAL" clId="{0D9500A9-E53C-48E3-A6B1-FD84F3AF1452}"/>
+    <pc:docChg chg="modSld">
+      <pc:chgData name="Paul Janssen" userId="b62697e8-e7f0-48fe-b701-a5c7b17d8ebc" providerId="ADAL" clId="{0D9500A9-E53C-48E3-A6B1-FD84F3AF1452}" dt="2022-11-08T10:45:44.028" v="1" actId="1076"/>
+      <pc:docMkLst>
+        <pc:docMk/>
+      </pc:docMkLst>
+      <pc:sldChg chg="modSp mod">
+        <pc:chgData name="Paul Janssen" userId="b62697e8-e7f0-48fe-b701-a5c7b17d8ebc" providerId="ADAL" clId="{0D9500A9-E53C-48E3-A6B1-FD84F3AF1452}" dt="2022-11-08T10:45:44.028" v="1" actId="1076"/>
+        <pc:sldMkLst>
+          <pc:docMk/>
+          <pc:sldMk cId="1668571306" sldId="282"/>
+        </pc:sldMkLst>
+        <pc:picChg chg="mod">
+          <ac:chgData name="Paul Janssen" userId="b62697e8-e7f0-48fe-b701-a5c7b17d8ebc" providerId="ADAL" clId="{0D9500A9-E53C-48E3-A6B1-FD84F3AF1452}" dt="2022-11-08T10:45:44.028" v="1" actId="1076"/>
+          <ac:picMkLst>
+            <pc:docMk/>
+            <pc:sldMk cId="1668571306" sldId="282"/>
+            <ac:picMk id="10" creationId="{31647FCF-FE26-4B41-8D87-05C3B5B12560}"/>
+          </ac:picMkLst>
+        </pc:picChg>
+      </pc:sldChg>
+    </pc:docChg>
+  </pc:docChgLst>
+</pc:chgInfo>
+</file>
+
 <file path=ppt/handoutMasters/handoutMaster1.xml><?xml version="1.0" encoding="utf-8"?>
 <p:handoutMaster xmlns:a="http://schemas.openxmlformats.org/drawingml/2006/main" xmlns:r="http://schemas.openxmlformats.org/officeDocument/2006/relationships" xmlns:p="http://schemas.openxmlformats.org/presentationml/2006/main">
   <p:cSld>
@@ -248,7 +277,7 @@
           <a:p>
             <a:fld id="{8F0A3BA6-D212-4021-9C58-E1A860230F97}" type="datetimeFigureOut">
               <a:rPr lang="nl-NL" smtClean="0"/>
-              <a:t>24-11-21</a:t>
+              <a:t>8-11-2022</a:t>
             </a:fld>
             <a:endParaRPr lang="nl-NL"/>
           </a:p>
@@ -414,7 +443,7 @@
           <a:p>
             <a:fld id="{9DDF62C1-85BA-45F7-BA8A-ECE90345B80D}" type="datetimeFigureOut">
               <a:rPr lang="nl-NL" smtClean="0"/>
-              <a:t>24-11-21</a:t>
+              <a:t>8-11-2022</a:t>
             </a:fld>
             <a:endParaRPr lang="nl-NL"/>
           </a:p>
@@ -2336,7 +2365,7 @@
           <a:p>
             <a:fld id="{4697C22A-1C99-4004-8458-4C2A2FAB4D26}" type="datetimeFigureOut">
               <a:rPr lang="nl-NL" smtClean="0"/>
-              <a:t>24-11-21</a:t>
+              <a:t>8-11-2022</a:t>
             </a:fld>
             <a:endParaRPr lang="nl-NL"/>
           </a:p>
@@ -39699,7 +39728,7 @@
         </p:blipFill>
         <p:spPr>
           <a:xfrm>
-            <a:off x="0" y="732318"/>
+            <a:off x="539552" y="758269"/>
             <a:ext cx="9143998" cy="4417527"/>
           </a:xfrm>
           <a:prstGeom prst="rect">
